--- a/articles/multithread-app-arch/assets/images.pptx
+++ b/articles/multithread-app-arch/assets/images.pptx
@@ -5,10 +5,10 @@
     <p:sldMasterId id="2147483660" r:id="rId1"/>
   </p:sldMasterIdLst>
   <p:notesMasterIdLst>
-    <p:notesMasterId r:id="rId33"/>
+    <p:notesMasterId r:id="rId34"/>
   </p:notesMasterIdLst>
   <p:handoutMasterIdLst>
-    <p:handoutMasterId r:id="rId34"/>
+    <p:handoutMasterId r:id="rId35"/>
   </p:handoutMasterIdLst>
   <p:sldIdLst>
     <p:sldId id="262" r:id="rId2"/>
@@ -29,19 +29,20 @@
     <p:sldId id="267" r:id="rId17"/>
     <p:sldId id="268" r:id="rId18"/>
     <p:sldId id="281" r:id="rId19"/>
-    <p:sldId id="282" r:id="rId20"/>
-    <p:sldId id="283" r:id="rId21"/>
-    <p:sldId id="284" r:id="rId22"/>
-    <p:sldId id="269" r:id="rId23"/>
-    <p:sldId id="270" r:id="rId24"/>
-    <p:sldId id="285" r:id="rId25"/>
-    <p:sldId id="286" r:id="rId26"/>
-    <p:sldId id="273" r:id="rId27"/>
-    <p:sldId id="271" r:id="rId28"/>
-    <p:sldId id="272" r:id="rId29"/>
-    <p:sldId id="287" r:id="rId30"/>
-    <p:sldId id="280" r:id="rId31"/>
-    <p:sldId id="277" r:id="rId32"/>
+    <p:sldId id="288" r:id="rId20"/>
+    <p:sldId id="282" r:id="rId21"/>
+    <p:sldId id="283" r:id="rId22"/>
+    <p:sldId id="284" r:id="rId23"/>
+    <p:sldId id="269" r:id="rId24"/>
+    <p:sldId id="270" r:id="rId25"/>
+    <p:sldId id="285" r:id="rId26"/>
+    <p:sldId id="286" r:id="rId27"/>
+    <p:sldId id="273" r:id="rId28"/>
+    <p:sldId id="271" r:id="rId29"/>
+    <p:sldId id="272" r:id="rId30"/>
+    <p:sldId id="287" r:id="rId31"/>
+    <p:sldId id="280" r:id="rId32"/>
+    <p:sldId id="277" r:id="rId33"/>
   </p:sldIdLst>
   <p:sldSz cx="12192000" cy="6858000"/>
   <p:notesSz cx="6858000" cy="9144000"/>
@@ -3052,7 +3053,7 @@
           <a:p>
             <a:fld id="{725D4287-1D99-49D4-AA6C-95EF48356629}" type="datetimeFigureOut">
               <a:rPr kumimoji="1" lang="ja-JP" altLang="en-US" smtClean="0"/>
-              <a:t>2023/10/28</a:t>
+              <a:t>2023/11/8</a:t>
             </a:fld>
             <a:endParaRPr kumimoji="1" lang="ja-JP" altLang="en-US"/>
           </a:p>
@@ -3229,7 +3230,7 @@
           <a:p>
             <a:fld id="{07C57513-95C8-4B4B-820D-6615D9B50A5E}" type="datetimeFigureOut">
               <a:rPr kumimoji="1" lang="ja-JP" altLang="en-US" smtClean="0"/>
-              <a:t>2023/10/28</a:t>
+              <a:t>2023/11/8</a:t>
             </a:fld>
             <a:endParaRPr kumimoji="1" lang="ja-JP" altLang="en-US"/>
           </a:p>
@@ -3677,7 +3678,7 @@
           <a:p>
             <a:fld id="{1257D944-6B05-4AFD-8420-88E7483292F6}" type="slidenum">
               <a:rPr kumimoji="1" lang="ja-JP" altLang="en-US" smtClean="0"/>
-              <a:t>24</a:t>
+              <a:t>25</a:t>
             </a:fld>
             <a:endParaRPr kumimoji="1" lang="ja-JP" altLang="en-US"/>
           </a:p>
@@ -3761,7 +3762,7 @@
           <a:p>
             <a:fld id="{1257D944-6B05-4AFD-8420-88E7483292F6}" type="slidenum">
               <a:rPr kumimoji="1" lang="ja-JP" altLang="en-US" smtClean="0"/>
-              <a:t>31</a:t>
+              <a:t>32</a:t>
             </a:fld>
             <a:endParaRPr kumimoji="1" lang="ja-JP" altLang="en-US"/>
           </a:p>
@@ -17783,6 +17784,1325 @@
       </p:grpSpPr>
       <p:sp>
         <p:nvSpPr>
+          <p:cNvPr id="2" name="タイトル 1">
+            <a:extLst>
+              <a:ext uri="{FF2B5EF4-FFF2-40B4-BE49-F238E27FC236}">
+                <a16:creationId xmlns:a16="http://schemas.microsoft.com/office/drawing/2014/main" id="{32C6A715-70C2-AADF-663E-A0F84971BD00}"/>
+              </a:ext>
+            </a:extLst>
+          </p:cNvPr>
+          <p:cNvSpPr>
+            <a:spLocks noGrp="1"/>
+          </p:cNvSpPr>
+          <p:nvPr>
+            <p:ph type="title"/>
+          </p:nvPr>
+        </p:nvSpPr>
+        <p:spPr/>
+        <p:txBody>
+          <a:bodyPr/>
+          <a:lstStyle/>
+          <a:p>
+            <a:endParaRPr kumimoji="1" lang="ja-JP" altLang="en-US"/>
+          </a:p>
+        </p:txBody>
+      </p:sp>
+      <p:sp>
+        <p:nvSpPr>
+          <p:cNvPr id="3" name="スライド番号プレースホルダー 2">
+            <a:extLst>
+              <a:ext uri="{FF2B5EF4-FFF2-40B4-BE49-F238E27FC236}">
+                <a16:creationId xmlns:a16="http://schemas.microsoft.com/office/drawing/2014/main" id="{22166B1B-27A0-FD97-648E-134DFD6CFD22}"/>
+              </a:ext>
+            </a:extLst>
+          </p:cNvPr>
+          <p:cNvSpPr>
+            <a:spLocks noGrp="1"/>
+          </p:cNvSpPr>
+          <p:nvPr>
+            <p:ph type="sldNum" sz="quarter" idx="10"/>
+          </p:nvPr>
+        </p:nvSpPr>
+        <p:spPr/>
+        <p:txBody>
+          <a:bodyPr/>
+          <a:lstStyle/>
+          <a:p>
+            <a:fld id="{6C25B416-2A59-467F-9B4B-B66C83B82743}" type="slidenum">
+              <a:rPr kumimoji="1" lang="ja-JP" altLang="en-US" smtClean="0"/>
+              <a:pPr/>
+              <a:t>19</a:t>
+            </a:fld>
+            <a:endParaRPr kumimoji="1" lang="ja-JP" altLang="en-US"/>
+          </a:p>
+        </p:txBody>
+      </p:sp>
+      <p:sp>
+        <p:nvSpPr>
+          <p:cNvPr id="5" name="テキスト プレースホルダー 4">
+            <a:extLst>
+              <a:ext uri="{FF2B5EF4-FFF2-40B4-BE49-F238E27FC236}">
+                <a16:creationId xmlns:a16="http://schemas.microsoft.com/office/drawing/2014/main" id="{43BC1612-9E08-F76F-8A01-F4DDEA95CB58}"/>
+              </a:ext>
+            </a:extLst>
+          </p:cNvPr>
+          <p:cNvSpPr>
+            <a:spLocks noGrp="1"/>
+          </p:cNvSpPr>
+          <p:nvPr>
+            <p:ph type="body" sz="quarter" idx="14"/>
+          </p:nvPr>
+        </p:nvSpPr>
+        <p:spPr/>
+        <p:txBody>
+          <a:bodyPr/>
+          <a:lstStyle/>
+          <a:p>
+            <a:endParaRPr kumimoji="1" lang="ja-JP" altLang="en-US"/>
+          </a:p>
+        </p:txBody>
+      </p:sp>
+      <p:pic>
+        <p:nvPicPr>
+          <p:cNvPr id="6" name="グラフィックス 5">
+            <a:extLst>
+              <a:ext uri="{FF2B5EF4-FFF2-40B4-BE49-F238E27FC236}">
+                <a16:creationId xmlns:a16="http://schemas.microsoft.com/office/drawing/2014/main" id="{6B21567B-29C3-2EEF-D834-C8759B3BBA5D}"/>
+              </a:ext>
+            </a:extLst>
+          </p:cNvPr>
+          <p:cNvPicPr>
+            <a:picLocks noChangeAspect="1"/>
+          </p:cNvPicPr>
+          <p:nvPr/>
+        </p:nvPicPr>
+        <p:blipFill>
+          <a:blip r:embed="rId2">
+            <a:extLst>
+              <a:ext uri="{28A0092B-C50C-407E-A947-70E740481C1C}">
+                <a14:useLocalDpi xmlns:a14="http://schemas.microsoft.com/office/drawing/2010/main" val="0"/>
+              </a:ext>
+              <a:ext uri="{96DAC541-7B7A-43D3-8B79-37D633B846F1}">
+                <asvg:svgBlip xmlns:asvg="http://schemas.microsoft.com/office/drawing/2016/SVG/main" r:embed="rId3"/>
+              </a:ext>
+            </a:extLst>
+          </a:blip>
+          <a:stretch>
+            <a:fillRect/>
+          </a:stretch>
+        </p:blipFill>
+        <p:spPr>
+          <a:xfrm>
+            <a:off x="3802859" y="4069325"/>
+            <a:ext cx="115265" cy="189035"/>
+          </a:xfrm>
+          <a:prstGeom prst="rect">
+            <a:avLst/>
+          </a:prstGeom>
+        </p:spPr>
+      </p:pic>
+      <p:pic>
+        <p:nvPicPr>
+          <p:cNvPr id="7" name="グラフィックス 6">
+            <a:extLst>
+              <a:ext uri="{FF2B5EF4-FFF2-40B4-BE49-F238E27FC236}">
+                <a16:creationId xmlns:a16="http://schemas.microsoft.com/office/drawing/2014/main" id="{546495B7-9176-58DB-6BC9-42EB4B73AA8A}"/>
+              </a:ext>
+            </a:extLst>
+          </p:cNvPr>
+          <p:cNvPicPr>
+            <a:picLocks noChangeAspect="1"/>
+          </p:cNvPicPr>
+          <p:nvPr/>
+        </p:nvPicPr>
+        <p:blipFill>
+          <a:blip r:embed="rId4">
+            <a:extLst>
+              <a:ext uri="{28A0092B-C50C-407E-A947-70E740481C1C}">
+                <a14:useLocalDpi xmlns:a14="http://schemas.microsoft.com/office/drawing/2010/main" val="0"/>
+              </a:ext>
+              <a:ext uri="{96DAC541-7B7A-43D3-8B79-37D633B846F1}">
+                <asvg:svgBlip xmlns:asvg="http://schemas.microsoft.com/office/drawing/2016/SVG/main" r:embed="rId5"/>
+              </a:ext>
+            </a:extLst>
+          </a:blip>
+          <a:stretch>
+            <a:fillRect/>
+          </a:stretch>
+        </p:blipFill>
+        <p:spPr>
+          <a:xfrm>
+            <a:off x="3684063" y="3852855"/>
+            <a:ext cx="352859" cy="213257"/>
+          </a:xfrm>
+          <a:prstGeom prst="rect">
+            <a:avLst/>
+          </a:prstGeom>
+        </p:spPr>
+      </p:pic>
+      <p:pic>
+        <p:nvPicPr>
+          <p:cNvPr id="8" name="グラフィックス 7">
+            <a:extLst>
+              <a:ext uri="{FF2B5EF4-FFF2-40B4-BE49-F238E27FC236}">
+                <a16:creationId xmlns:a16="http://schemas.microsoft.com/office/drawing/2014/main" id="{FAFAB912-3296-306B-07AC-45BD65C420D7}"/>
+              </a:ext>
+            </a:extLst>
+          </p:cNvPr>
+          <p:cNvPicPr>
+            <a:picLocks noChangeAspect="1"/>
+          </p:cNvPicPr>
+          <p:nvPr/>
+        </p:nvPicPr>
+        <p:blipFill>
+          <a:blip r:embed="rId6">
+            <a:extLst>
+              <a:ext uri="{28A0092B-C50C-407E-A947-70E740481C1C}">
+                <a14:useLocalDpi xmlns:a14="http://schemas.microsoft.com/office/drawing/2010/main" val="0"/>
+              </a:ext>
+              <a:ext uri="{96DAC541-7B7A-43D3-8B79-37D633B846F1}">
+                <asvg:svgBlip xmlns:asvg="http://schemas.microsoft.com/office/drawing/2016/SVG/main" r:embed="rId7"/>
+              </a:ext>
+            </a:extLst>
+          </a:blip>
+          <a:stretch>
+            <a:fillRect/>
+          </a:stretch>
+        </p:blipFill>
+        <p:spPr>
+          <a:xfrm>
+            <a:off x="2946073" y="3751806"/>
+            <a:ext cx="371084" cy="412037"/>
+          </a:xfrm>
+          <a:prstGeom prst="rect">
+            <a:avLst/>
+          </a:prstGeom>
+        </p:spPr>
+      </p:pic>
+      <p:pic>
+        <p:nvPicPr>
+          <p:cNvPr id="9" name="グラフィックス 8">
+            <a:extLst>
+              <a:ext uri="{FF2B5EF4-FFF2-40B4-BE49-F238E27FC236}">
+                <a16:creationId xmlns:a16="http://schemas.microsoft.com/office/drawing/2014/main" id="{67530E37-6868-AB86-9C47-3EB0CE489036}"/>
+              </a:ext>
+            </a:extLst>
+          </p:cNvPr>
+          <p:cNvPicPr>
+            <a:picLocks noChangeAspect="1"/>
+          </p:cNvPicPr>
+          <p:nvPr/>
+        </p:nvPicPr>
+        <p:blipFill>
+          <a:blip r:embed="rId8">
+            <a:extLst>
+              <a:ext uri="{28A0092B-C50C-407E-A947-70E740481C1C}">
+                <a14:useLocalDpi xmlns:a14="http://schemas.microsoft.com/office/drawing/2010/main" val="0"/>
+              </a:ext>
+              <a:ext uri="{96DAC541-7B7A-43D3-8B79-37D633B846F1}">
+                <asvg:svgBlip xmlns:asvg="http://schemas.microsoft.com/office/drawing/2016/SVG/main" r:embed="rId9"/>
+              </a:ext>
+            </a:extLst>
+          </a:blip>
+          <a:stretch>
+            <a:fillRect/>
+          </a:stretch>
+        </p:blipFill>
+        <p:spPr>
+          <a:xfrm>
+            <a:off x="4069444" y="3723463"/>
+            <a:ext cx="510389" cy="471646"/>
+          </a:xfrm>
+          <a:prstGeom prst="rect">
+            <a:avLst/>
+          </a:prstGeom>
+        </p:spPr>
+      </p:pic>
+      <p:pic>
+        <p:nvPicPr>
+          <p:cNvPr id="13" name="図 12" descr="アイコン&#10;&#10;自動的に生成された説明">
+            <a:extLst>
+              <a:ext uri="{FF2B5EF4-FFF2-40B4-BE49-F238E27FC236}">
+                <a16:creationId xmlns:a16="http://schemas.microsoft.com/office/drawing/2014/main" id="{579DBF7C-6A69-D523-97C3-0A09E9E6AECA}"/>
+              </a:ext>
+            </a:extLst>
+          </p:cNvPr>
+          <p:cNvPicPr>
+            <a:picLocks noChangeAspect="1"/>
+          </p:cNvPicPr>
+          <p:nvPr/>
+        </p:nvPicPr>
+        <p:blipFill>
+          <a:blip r:embed="rId10">
+            <a:extLst>
+              <a:ext uri="{28A0092B-C50C-407E-A947-70E740481C1C}">
+                <a14:useLocalDpi xmlns:a14="http://schemas.microsoft.com/office/drawing/2010/main" val="0"/>
+              </a:ext>
+            </a:extLst>
+          </a:blip>
+          <a:stretch>
+            <a:fillRect/>
+          </a:stretch>
+        </p:blipFill>
+        <p:spPr>
+          <a:xfrm>
+            <a:off x="2073899" y="3723463"/>
+            <a:ext cx="468318" cy="468318"/>
+          </a:xfrm>
+          <a:prstGeom prst="rect">
+            <a:avLst/>
+          </a:prstGeom>
+        </p:spPr>
+      </p:pic>
+      <p:cxnSp>
+        <p:nvCxnSpPr>
+          <p:cNvPr id="16" name="直線矢印コネクタ 15">
+            <a:extLst>
+              <a:ext uri="{FF2B5EF4-FFF2-40B4-BE49-F238E27FC236}">
+                <a16:creationId xmlns:a16="http://schemas.microsoft.com/office/drawing/2014/main" id="{DAF5F144-3066-2D13-4035-C8CB58F50225}"/>
+              </a:ext>
+            </a:extLst>
+          </p:cNvPr>
+          <p:cNvCxnSpPr>
+            <a:cxnSpLocks/>
+            <a:stCxn id="8" idx="1"/>
+            <a:endCxn id="13" idx="3"/>
+          </p:cNvCxnSpPr>
+          <p:nvPr/>
+        </p:nvCxnSpPr>
+        <p:spPr>
+          <a:xfrm flipH="1" flipV="1">
+            <a:off x="2542217" y="3957622"/>
+            <a:ext cx="403856" cy="203"/>
+          </a:xfrm>
+          <a:prstGeom prst="straightConnector1">
+            <a:avLst/>
+          </a:prstGeom>
+          <a:ln>
+            <a:tailEnd type="triangle"/>
+          </a:ln>
+        </p:spPr>
+        <p:style>
+          <a:lnRef idx="1">
+            <a:schemeClr val="accent1"/>
+          </a:lnRef>
+          <a:fillRef idx="0">
+            <a:schemeClr val="accent1"/>
+          </a:fillRef>
+          <a:effectRef idx="0">
+            <a:schemeClr val="accent1"/>
+          </a:effectRef>
+          <a:fontRef idx="minor">
+            <a:schemeClr val="tx1"/>
+          </a:fontRef>
+        </p:style>
+      </p:cxnSp>
+      <p:cxnSp>
+        <p:nvCxnSpPr>
+          <p:cNvPr id="21" name="直線矢印コネクタ 20">
+            <a:extLst>
+              <a:ext uri="{FF2B5EF4-FFF2-40B4-BE49-F238E27FC236}">
+                <a16:creationId xmlns:a16="http://schemas.microsoft.com/office/drawing/2014/main" id="{4EE0CE48-858B-8E7B-3CCB-532BD9CB4E6A}"/>
+              </a:ext>
+            </a:extLst>
+          </p:cNvPr>
+          <p:cNvCxnSpPr>
+            <a:cxnSpLocks/>
+            <a:stCxn id="8" idx="3"/>
+            <a:endCxn id="7" idx="1"/>
+          </p:cNvCxnSpPr>
+          <p:nvPr/>
+        </p:nvCxnSpPr>
+        <p:spPr>
+          <a:xfrm>
+            <a:off x="3317157" y="3957825"/>
+            <a:ext cx="366906" cy="1659"/>
+          </a:xfrm>
+          <a:prstGeom prst="straightConnector1">
+            <a:avLst/>
+          </a:prstGeom>
+          <a:ln>
+            <a:tailEnd type="triangle"/>
+          </a:ln>
+        </p:spPr>
+        <p:style>
+          <a:lnRef idx="1">
+            <a:schemeClr val="accent1"/>
+          </a:lnRef>
+          <a:fillRef idx="0">
+            <a:schemeClr val="accent1"/>
+          </a:fillRef>
+          <a:effectRef idx="0">
+            <a:schemeClr val="accent1"/>
+          </a:effectRef>
+          <a:fontRef idx="minor">
+            <a:schemeClr val="tx1"/>
+          </a:fontRef>
+        </p:style>
+      </p:cxnSp>
+    </p:spTree>
+    <p:extLst>
+      <p:ext uri="{BB962C8B-B14F-4D97-AF65-F5344CB8AC3E}">
+        <p14:creationId xmlns:p14="http://schemas.microsoft.com/office/powerpoint/2010/main" val="2065228885"/>
+      </p:ext>
+    </p:extLst>
+  </p:cSld>
+  <p:clrMapOvr>
+    <a:masterClrMapping/>
+  </p:clrMapOvr>
+</p:sld>
+</file>
+
+<file path=ppt/slides/slide2.xml><?xml version="1.0" encoding="utf-8"?>
+<p:sld xmlns:a="http://schemas.openxmlformats.org/drawingml/2006/main" xmlns:r="http://schemas.openxmlformats.org/officeDocument/2006/relationships" xmlns:p="http://schemas.openxmlformats.org/presentationml/2006/main">
+  <p:cSld>
+    <p:spTree>
+      <p:nvGrpSpPr>
+        <p:cNvPr id="1" name=""/>
+        <p:cNvGrpSpPr/>
+        <p:nvPr/>
+      </p:nvGrpSpPr>
+      <p:grpSpPr>
+        <a:xfrm>
+          <a:off x="0" y="0"/>
+          <a:ext cx="0" cy="0"/>
+          <a:chOff x="0" y="0"/>
+          <a:chExt cx="0" cy="0"/>
+        </a:xfrm>
+      </p:grpSpPr>
+      <p:sp>
+        <p:nvSpPr>
+          <p:cNvPr id="2" name="タイトル 1">
+            <a:extLst>
+              <a:ext uri="{FF2B5EF4-FFF2-40B4-BE49-F238E27FC236}">
+                <a16:creationId xmlns:a16="http://schemas.microsoft.com/office/drawing/2014/main" id="{1C4C2213-52E2-B605-4965-B8F651D015A1}"/>
+              </a:ext>
+            </a:extLst>
+          </p:cNvPr>
+          <p:cNvSpPr>
+            <a:spLocks noGrp="1"/>
+          </p:cNvSpPr>
+          <p:nvPr>
+            <p:ph type="title"/>
+          </p:nvPr>
+        </p:nvSpPr>
+        <p:spPr/>
+        <p:txBody>
+          <a:bodyPr/>
+          <a:lstStyle/>
+          <a:p>
+            <a:endParaRPr kumimoji="1" lang="ja-JP" altLang="en-US"/>
+          </a:p>
+        </p:txBody>
+      </p:sp>
+      <p:sp>
+        <p:nvSpPr>
+          <p:cNvPr id="3" name="スライド番号プレースホルダー 2">
+            <a:extLst>
+              <a:ext uri="{FF2B5EF4-FFF2-40B4-BE49-F238E27FC236}">
+                <a16:creationId xmlns:a16="http://schemas.microsoft.com/office/drawing/2014/main" id="{03FDD67B-AA03-9D5E-CC9A-FAB5C42085FE}"/>
+              </a:ext>
+            </a:extLst>
+          </p:cNvPr>
+          <p:cNvSpPr>
+            <a:spLocks noGrp="1"/>
+          </p:cNvSpPr>
+          <p:nvPr>
+            <p:ph type="sldNum" sz="quarter" idx="10"/>
+          </p:nvPr>
+        </p:nvSpPr>
+        <p:spPr/>
+        <p:txBody>
+          <a:bodyPr/>
+          <a:lstStyle/>
+          <a:p>
+            <a:fld id="{6C25B416-2A59-467F-9B4B-B66C83B82743}" type="slidenum">
+              <a:rPr kumimoji="1" lang="ja-JP" altLang="en-US" smtClean="0"/>
+              <a:pPr/>
+              <a:t>2</a:t>
+            </a:fld>
+            <a:endParaRPr kumimoji="1" lang="ja-JP" altLang="en-US"/>
+          </a:p>
+        </p:txBody>
+      </p:sp>
+      <p:sp>
+        <p:nvSpPr>
+          <p:cNvPr id="4" name="コンテンツ プレースホルダー 3">
+            <a:extLst>
+              <a:ext uri="{FF2B5EF4-FFF2-40B4-BE49-F238E27FC236}">
+                <a16:creationId xmlns:a16="http://schemas.microsoft.com/office/drawing/2014/main" id="{2800998E-9BCA-7A76-7435-8538F8C719AE}"/>
+              </a:ext>
+            </a:extLst>
+          </p:cNvPr>
+          <p:cNvSpPr>
+            <a:spLocks noGrp="1"/>
+          </p:cNvSpPr>
+          <p:nvPr>
+            <p:ph sz="quarter" idx="13"/>
+          </p:nvPr>
+        </p:nvSpPr>
+        <p:spPr/>
+        <p:txBody>
+          <a:bodyPr/>
+          <a:lstStyle/>
+          <a:p>
+            <a:endParaRPr kumimoji="1" lang="ja-JP" altLang="en-US"/>
+          </a:p>
+        </p:txBody>
+      </p:sp>
+      <p:sp>
+        <p:nvSpPr>
+          <p:cNvPr id="5" name="テキスト プレースホルダー 4">
+            <a:extLst>
+              <a:ext uri="{FF2B5EF4-FFF2-40B4-BE49-F238E27FC236}">
+                <a16:creationId xmlns:a16="http://schemas.microsoft.com/office/drawing/2014/main" id="{08F11553-9005-75BC-625A-A996DAAFB329}"/>
+              </a:ext>
+            </a:extLst>
+          </p:cNvPr>
+          <p:cNvSpPr>
+            <a:spLocks noGrp="1"/>
+          </p:cNvSpPr>
+          <p:nvPr>
+            <p:ph type="body" sz="quarter" idx="14"/>
+          </p:nvPr>
+        </p:nvSpPr>
+        <p:spPr/>
+        <p:txBody>
+          <a:bodyPr/>
+          <a:lstStyle/>
+          <a:p>
+            <a:endParaRPr kumimoji="1" lang="ja-JP" altLang="en-US"/>
+          </a:p>
+        </p:txBody>
+      </p:sp>
+      <p:sp>
+        <p:nvSpPr>
+          <p:cNvPr id="6" name="四角形: 角を丸くする 5">
+            <a:extLst>
+              <a:ext uri="{FF2B5EF4-FFF2-40B4-BE49-F238E27FC236}">
+                <a16:creationId xmlns:a16="http://schemas.microsoft.com/office/drawing/2014/main" id="{8DDCC916-1C79-526E-02B0-01C5142E5372}"/>
+              </a:ext>
+            </a:extLst>
+          </p:cNvPr>
+          <p:cNvSpPr/>
+          <p:nvPr/>
+        </p:nvSpPr>
+        <p:spPr>
+          <a:xfrm>
+            <a:off x="5481349" y="5803168"/>
+            <a:ext cx="6458055" cy="536829"/>
+          </a:xfrm>
+          <a:prstGeom prst="roundRect">
+            <a:avLst/>
+          </a:prstGeom>
+          <a:solidFill>
+            <a:schemeClr val="accent1">
+              <a:lumMod val="20000"/>
+              <a:lumOff val="80000"/>
+            </a:schemeClr>
+          </a:solidFill>
+        </p:spPr>
+        <p:style>
+          <a:lnRef idx="1">
+            <a:schemeClr val="accent1"/>
+          </a:lnRef>
+          <a:fillRef idx="2">
+            <a:schemeClr val="accent1"/>
+          </a:fillRef>
+          <a:effectRef idx="1">
+            <a:schemeClr val="accent1"/>
+          </a:effectRef>
+          <a:fontRef idx="minor">
+            <a:schemeClr val="dk1"/>
+          </a:fontRef>
+        </p:style>
+        <p:txBody>
+          <a:bodyPr rtlCol="0" anchor="ctr"/>
+          <a:lstStyle/>
+          <a:p>
+            <a:pPr algn="ctr"/>
+            <a:r>
+              <a:rPr kumimoji="1" lang="en-US" altLang="ja-JP" dirty="0"/>
+              <a:t>OS</a:t>
+            </a:r>
+            <a:endParaRPr kumimoji="1" lang="ja-JP" altLang="en-US" dirty="0"/>
+          </a:p>
+        </p:txBody>
+      </p:sp>
+      <p:sp>
+        <p:nvSpPr>
+          <p:cNvPr id="7" name="四角形: 角を丸くする 6">
+            <a:extLst>
+              <a:ext uri="{FF2B5EF4-FFF2-40B4-BE49-F238E27FC236}">
+                <a16:creationId xmlns:a16="http://schemas.microsoft.com/office/drawing/2014/main" id="{A7EB4928-9A6E-61A5-7776-9A4DF6A1D175}"/>
+              </a:ext>
+            </a:extLst>
+          </p:cNvPr>
+          <p:cNvSpPr/>
+          <p:nvPr/>
+        </p:nvSpPr>
+        <p:spPr>
+          <a:xfrm>
+            <a:off x="5481350" y="3981588"/>
+            <a:ext cx="2101604" cy="1747968"/>
+          </a:xfrm>
+          <a:prstGeom prst="roundRect">
+            <a:avLst/>
+          </a:prstGeom>
+          <a:solidFill>
+            <a:schemeClr val="accent2">
+              <a:lumMod val="20000"/>
+              <a:lumOff val="80000"/>
+            </a:schemeClr>
+          </a:solidFill>
+        </p:spPr>
+        <p:style>
+          <a:lnRef idx="1">
+            <a:schemeClr val="accent2"/>
+          </a:lnRef>
+          <a:fillRef idx="2">
+            <a:schemeClr val="accent2"/>
+          </a:fillRef>
+          <a:effectRef idx="1">
+            <a:schemeClr val="accent2"/>
+          </a:effectRef>
+          <a:fontRef idx="minor">
+            <a:schemeClr val="dk1"/>
+          </a:fontRef>
+        </p:style>
+        <p:txBody>
+          <a:bodyPr rtlCol="0" anchor="t"/>
+          <a:lstStyle/>
+          <a:p>
+            <a:pPr algn="ctr"/>
+            <a:r>
+              <a:rPr kumimoji="1" lang="ja-JP" altLang="en-US" dirty="0"/>
+              <a:t>プロセス</a:t>
+            </a:r>
+          </a:p>
+        </p:txBody>
+      </p:sp>
+      <p:sp>
+        <p:nvSpPr>
+          <p:cNvPr id="8" name="四角形: 角を丸くする 7">
+            <a:extLst>
+              <a:ext uri="{FF2B5EF4-FFF2-40B4-BE49-F238E27FC236}">
+                <a16:creationId xmlns:a16="http://schemas.microsoft.com/office/drawing/2014/main" id="{9200B03D-A629-92B9-B836-15436D31D99E}"/>
+              </a:ext>
+            </a:extLst>
+          </p:cNvPr>
+          <p:cNvSpPr/>
+          <p:nvPr/>
+        </p:nvSpPr>
+        <p:spPr>
+          <a:xfrm>
+            <a:off x="7659575" y="3981587"/>
+            <a:ext cx="2101604" cy="1747968"/>
+          </a:xfrm>
+          <a:prstGeom prst="roundRect">
+            <a:avLst/>
+          </a:prstGeom>
+          <a:solidFill>
+            <a:schemeClr val="accent2">
+              <a:lumMod val="20000"/>
+              <a:lumOff val="80000"/>
+            </a:schemeClr>
+          </a:solidFill>
+        </p:spPr>
+        <p:style>
+          <a:lnRef idx="1">
+            <a:schemeClr val="accent2"/>
+          </a:lnRef>
+          <a:fillRef idx="2">
+            <a:schemeClr val="accent2"/>
+          </a:fillRef>
+          <a:effectRef idx="1">
+            <a:schemeClr val="accent2"/>
+          </a:effectRef>
+          <a:fontRef idx="minor">
+            <a:schemeClr val="dk1"/>
+          </a:fontRef>
+        </p:style>
+        <p:txBody>
+          <a:bodyPr rtlCol="0" anchor="t"/>
+          <a:lstStyle/>
+          <a:p>
+            <a:pPr algn="ctr"/>
+            <a:r>
+              <a:rPr kumimoji="1" lang="ja-JP" altLang="en-US" dirty="0"/>
+              <a:t>プロセス</a:t>
+            </a:r>
+          </a:p>
+        </p:txBody>
+      </p:sp>
+      <p:sp>
+        <p:nvSpPr>
+          <p:cNvPr id="9" name="四角形: 角を丸くする 8">
+            <a:extLst>
+              <a:ext uri="{FF2B5EF4-FFF2-40B4-BE49-F238E27FC236}">
+                <a16:creationId xmlns:a16="http://schemas.microsoft.com/office/drawing/2014/main" id="{DDD577C3-56DB-2685-56FE-AD723AB484C9}"/>
+              </a:ext>
+            </a:extLst>
+          </p:cNvPr>
+          <p:cNvSpPr/>
+          <p:nvPr/>
+        </p:nvSpPr>
+        <p:spPr>
+          <a:xfrm>
+            <a:off x="9837800" y="3981587"/>
+            <a:ext cx="2101604" cy="1747968"/>
+          </a:xfrm>
+          <a:prstGeom prst="roundRect">
+            <a:avLst/>
+          </a:prstGeom>
+          <a:solidFill>
+            <a:schemeClr val="accent2">
+              <a:lumMod val="20000"/>
+              <a:lumOff val="80000"/>
+            </a:schemeClr>
+          </a:solidFill>
+        </p:spPr>
+        <p:style>
+          <a:lnRef idx="1">
+            <a:schemeClr val="accent2"/>
+          </a:lnRef>
+          <a:fillRef idx="2">
+            <a:schemeClr val="accent2"/>
+          </a:fillRef>
+          <a:effectRef idx="1">
+            <a:schemeClr val="accent2"/>
+          </a:effectRef>
+          <a:fontRef idx="minor">
+            <a:schemeClr val="dk1"/>
+          </a:fontRef>
+        </p:style>
+        <p:txBody>
+          <a:bodyPr rtlCol="0" anchor="t"/>
+          <a:lstStyle/>
+          <a:p>
+            <a:pPr algn="ctr"/>
+            <a:r>
+              <a:rPr kumimoji="1" lang="ja-JP" altLang="en-US" dirty="0"/>
+              <a:t>プロセス</a:t>
+            </a:r>
+          </a:p>
+        </p:txBody>
+      </p:sp>
+      <p:sp>
+        <p:nvSpPr>
+          <p:cNvPr id="10" name="楕円 9">
+            <a:extLst>
+              <a:ext uri="{FF2B5EF4-FFF2-40B4-BE49-F238E27FC236}">
+                <a16:creationId xmlns:a16="http://schemas.microsoft.com/office/drawing/2014/main" id="{CD263EFC-7B7A-DF14-EA1D-5A58CCF2F98E}"/>
+              </a:ext>
+            </a:extLst>
+          </p:cNvPr>
+          <p:cNvSpPr/>
+          <p:nvPr/>
+        </p:nvSpPr>
+        <p:spPr>
+          <a:xfrm>
+            <a:off x="5567232" y="4456468"/>
+            <a:ext cx="833569" cy="399103"/>
+          </a:xfrm>
+          <a:prstGeom prst="ellipse">
+            <a:avLst/>
+          </a:prstGeom>
+          <a:solidFill>
+            <a:schemeClr val="accent5">
+              <a:lumMod val="20000"/>
+              <a:lumOff val="80000"/>
+            </a:schemeClr>
+          </a:solidFill>
+        </p:spPr>
+        <p:style>
+          <a:lnRef idx="1">
+            <a:schemeClr val="accent6"/>
+          </a:lnRef>
+          <a:fillRef idx="2">
+            <a:schemeClr val="accent6"/>
+          </a:fillRef>
+          <a:effectRef idx="1">
+            <a:schemeClr val="accent6"/>
+          </a:effectRef>
+          <a:fontRef idx="minor">
+            <a:schemeClr val="dk1"/>
+          </a:fontRef>
+        </p:style>
+        <p:txBody>
+          <a:bodyPr lIns="36000" tIns="36000" rIns="36000" bIns="36000" rtlCol="0" anchor="ctr"/>
+          <a:lstStyle/>
+          <a:p>
+            <a:pPr algn="ctr"/>
+            <a:r>
+              <a:rPr kumimoji="1" lang="ja-JP" altLang="en-US" sz="1000" dirty="0"/>
+              <a:t>スレッド</a:t>
+            </a:r>
+          </a:p>
+        </p:txBody>
+      </p:sp>
+      <p:sp>
+        <p:nvSpPr>
+          <p:cNvPr id="11" name="楕円 10">
+            <a:extLst>
+              <a:ext uri="{FF2B5EF4-FFF2-40B4-BE49-F238E27FC236}">
+                <a16:creationId xmlns:a16="http://schemas.microsoft.com/office/drawing/2014/main" id="{57CAE738-4789-9B97-4E91-859DCCFEA2AE}"/>
+              </a:ext>
+            </a:extLst>
+          </p:cNvPr>
+          <p:cNvSpPr/>
+          <p:nvPr/>
+        </p:nvSpPr>
+        <p:spPr>
+          <a:xfrm>
+            <a:off x="5984016" y="4890818"/>
+            <a:ext cx="833569" cy="399103"/>
+          </a:xfrm>
+          <a:prstGeom prst="ellipse">
+            <a:avLst/>
+          </a:prstGeom>
+          <a:solidFill>
+            <a:schemeClr val="accent5">
+              <a:lumMod val="20000"/>
+              <a:lumOff val="80000"/>
+            </a:schemeClr>
+          </a:solidFill>
+        </p:spPr>
+        <p:style>
+          <a:lnRef idx="1">
+            <a:schemeClr val="accent6"/>
+          </a:lnRef>
+          <a:fillRef idx="2">
+            <a:schemeClr val="accent6"/>
+          </a:fillRef>
+          <a:effectRef idx="1">
+            <a:schemeClr val="accent6"/>
+          </a:effectRef>
+          <a:fontRef idx="minor">
+            <a:schemeClr val="dk1"/>
+          </a:fontRef>
+        </p:style>
+        <p:txBody>
+          <a:bodyPr lIns="36000" tIns="36000" rIns="36000" bIns="36000" rtlCol="0" anchor="ctr"/>
+          <a:lstStyle/>
+          <a:p>
+            <a:pPr algn="ctr"/>
+            <a:r>
+              <a:rPr kumimoji="1" lang="ja-JP" altLang="en-US" sz="1000" dirty="0"/>
+              <a:t>スレッド</a:t>
+            </a:r>
+          </a:p>
+        </p:txBody>
+      </p:sp>
+      <p:sp>
+        <p:nvSpPr>
+          <p:cNvPr id="12" name="楕円 11">
+            <a:extLst>
+              <a:ext uri="{FF2B5EF4-FFF2-40B4-BE49-F238E27FC236}">
+                <a16:creationId xmlns:a16="http://schemas.microsoft.com/office/drawing/2014/main" id="{21CA514E-C949-F804-F8CF-5D1A906E27AB}"/>
+              </a:ext>
+            </a:extLst>
+          </p:cNvPr>
+          <p:cNvSpPr/>
+          <p:nvPr/>
+        </p:nvSpPr>
+        <p:spPr>
+          <a:xfrm>
+            <a:off x="6585196" y="4527677"/>
+            <a:ext cx="833569" cy="399103"/>
+          </a:xfrm>
+          <a:prstGeom prst="ellipse">
+            <a:avLst/>
+          </a:prstGeom>
+          <a:solidFill>
+            <a:schemeClr val="accent5">
+              <a:lumMod val="20000"/>
+              <a:lumOff val="80000"/>
+            </a:schemeClr>
+          </a:solidFill>
+        </p:spPr>
+        <p:style>
+          <a:lnRef idx="1">
+            <a:schemeClr val="accent6"/>
+          </a:lnRef>
+          <a:fillRef idx="2">
+            <a:schemeClr val="accent6"/>
+          </a:fillRef>
+          <a:effectRef idx="1">
+            <a:schemeClr val="accent6"/>
+          </a:effectRef>
+          <a:fontRef idx="minor">
+            <a:schemeClr val="dk1"/>
+          </a:fontRef>
+        </p:style>
+        <p:txBody>
+          <a:bodyPr lIns="36000" tIns="36000" rIns="36000" bIns="36000" rtlCol="0" anchor="ctr"/>
+          <a:lstStyle/>
+          <a:p>
+            <a:pPr algn="ctr"/>
+            <a:r>
+              <a:rPr kumimoji="1" lang="ja-JP" altLang="en-US" sz="1000" dirty="0"/>
+              <a:t>スレッド</a:t>
+            </a:r>
+          </a:p>
+        </p:txBody>
+      </p:sp>
+      <p:sp>
+        <p:nvSpPr>
+          <p:cNvPr id="13" name="楕円 12">
+            <a:extLst>
+              <a:ext uri="{FF2B5EF4-FFF2-40B4-BE49-F238E27FC236}">
+                <a16:creationId xmlns:a16="http://schemas.microsoft.com/office/drawing/2014/main" id="{67E758E2-22E8-08E1-BAF7-431B70A13C57}"/>
+              </a:ext>
+            </a:extLst>
+          </p:cNvPr>
+          <p:cNvSpPr/>
+          <p:nvPr/>
+        </p:nvSpPr>
+        <p:spPr>
+          <a:xfrm>
+            <a:off x="6619299" y="5253959"/>
+            <a:ext cx="833569" cy="399103"/>
+          </a:xfrm>
+          <a:prstGeom prst="ellipse">
+            <a:avLst/>
+          </a:prstGeom>
+          <a:solidFill>
+            <a:schemeClr val="accent5">
+              <a:lumMod val="20000"/>
+              <a:lumOff val="80000"/>
+            </a:schemeClr>
+          </a:solidFill>
+        </p:spPr>
+        <p:style>
+          <a:lnRef idx="1">
+            <a:schemeClr val="accent6"/>
+          </a:lnRef>
+          <a:fillRef idx="2">
+            <a:schemeClr val="accent6"/>
+          </a:fillRef>
+          <a:effectRef idx="1">
+            <a:schemeClr val="accent6"/>
+          </a:effectRef>
+          <a:fontRef idx="minor">
+            <a:schemeClr val="dk1"/>
+          </a:fontRef>
+        </p:style>
+        <p:txBody>
+          <a:bodyPr lIns="36000" tIns="36000" rIns="36000" bIns="36000" rtlCol="0" anchor="ctr"/>
+          <a:lstStyle/>
+          <a:p>
+            <a:pPr algn="ctr"/>
+            <a:r>
+              <a:rPr kumimoji="1" lang="ja-JP" altLang="en-US" sz="1000" dirty="0"/>
+              <a:t>スレッド</a:t>
+            </a:r>
+          </a:p>
+        </p:txBody>
+      </p:sp>
+      <p:sp>
+        <p:nvSpPr>
+          <p:cNvPr id="14" name="楕円 13">
+            <a:extLst>
+              <a:ext uri="{FF2B5EF4-FFF2-40B4-BE49-F238E27FC236}">
+                <a16:creationId xmlns:a16="http://schemas.microsoft.com/office/drawing/2014/main" id="{BCD1883D-6496-AC87-7142-C95D26D7FEAB}"/>
+              </a:ext>
+            </a:extLst>
+          </p:cNvPr>
+          <p:cNvSpPr/>
+          <p:nvPr/>
+        </p:nvSpPr>
+        <p:spPr>
+          <a:xfrm>
+            <a:off x="7752192" y="4560040"/>
+            <a:ext cx="833569" cy="399103"/>
+          </a:xfrm>
+          <a:prstGeom prst="ellipse">
+            <a:avLst/>
+          </a:prstGeom>
+          <a:solidFill>
+            <a:schemeClr val="accent5">
+              <a:lumMod val="20000"/>
+              <a:lumOff val="80000"/>
+            </a:schemeClr>
+          </a:solidFill>
+        </p:spPr>
+        <p:style>
+          <a:lnRef idx="1">
+            <a:schemeClr val="accent6"/>
+          </a:lnRef>
+          <a:fillRef idx="2">
+            <a:schemeClr val="accent6"/>
+          </a:fillRef>
+          <a:effectRef idx="1">
+            <a:schemeClr val="accent6"/>
+          </a:effectRef>
+          <a:fontRef idx="minor">
+            <a:schemeClr val="dk1"/>
+          </a:fontRef>
+        </p:style>
+        <p:txBody>
+          <a:bodyPr lIns="36000" tIns="36000" rIns="36000" bIns="36000" rtlCol="0" anchor="ctr"/>
+          <a:lstStyle/>
+          <a:p>
+            <a:pPr algn="ctr"/>
+            <a:r>
+              <a:rPr kumimoji="1" lang="ja-JP" altLang="en-US" sz="1000" dirty="0"/>
+              <a:t>スレッド</a:t>
+            </a:r>
+          </a:p>
+        </p:txBody>
+      </p:sp>
+      <p:sp>
+        <p:nvSpPr>
+          <p:cNvPr id="15" name="楕円 14">
+            <a:extLst>
+              <a:ext uri="{FF2B5EF4-FFF2-40B4-BE49-F238E27FC236}">
+                <a16:creationId xmlns:a16="http://schemas.microsoft.com/office/drawing/2014/main" id="{B31A4699-B6D5-071F-4ACB-B2A741521356}"/>
+              </a:ext>
+            </a:extLst>
+          </p:cNvPr>
+          <p:cNvSpPr/>
+          <p:nvPr/>
+        </p:nvSpPr>
+        <p:spPr>
+          <a:xfrm>
+            <a:off x="8503248" y="5128273"/>
+            <a:ext cx="833569" cy="399103"/>
+          </a:xfrm>
+          <a:prstGeom prst="ellipse">
+            <a:avLst/>
+          </a:prstGeom>
+          <a:solidFill>
+            <a:schemeClr val="accent5">
+              <a:lumMod val="20000"/>
+              <a:lumOff val="80000"/>
+            </a:schemeClr>
+          </a:solidFill>
+        </p:spPr>
+        <p:style>
+          <a:lnRef idx="1">
+            <a:schemeClr val="accent6"/>
+          </a:lnRef>
+          <a:fillRef idx="2">
+            <a:schemeClr val="accent6"/>
+          </a:fillRef>
+          <a:effectRef idx="1">
+            <a:schemeClr val="accent6"/>
+          </a:effectRef>
+          <a:fontRef idx="minor">
+            <a:schemeClr val="dk1"/>
+          </a:fontRef>
+        </p:style>
+        <p:txBody>
+          <a:bodyPr lIns="36000" tIns="36000" rIns="36000" bIns="36000" rtlCol="0" anchor="ctr"/>
+          <a:lstStyle/>
+          <a:p>
+            <a:pPr algn="ctr"/>
+            <a:r>
+              <a:rPr kumimoji="1" lang="ja-JP" altLang="en-US" sz="1000" dirty="0"/>
+              <a:t>スレッド</a:t>
+            </a:r>
+          </a:p>
+        </p:txBody>
+      </p:sp>
+      <p:sp>
+        <p:nvSpPr>
+          <p:cNvPr id="16" name="楕円 15">
+            <a:extLst>
+              <a:ext uri="{FF2B5EF4-FFF2-40B4-BE49-F238E27FC236}">
+                <a16:creationId xmlns:a16="http://schemas.microsoft.com/office/drawing/2014/main" id="{CBDABFC3-7A01-9F29-4124-31C45201AA97}"/>
+              </a:ext>
+            </a:extLst>
+          </p:cNvPr>
+          <p:cNvSpPr/>
+          <p:nvPr/>
+        </p:nvSpPr>
+        <p:spPr>
+          <a:xfrm>
+            <a:off x="9900107" y="4499300"/>
+            <a:ext cx="833569" cy="399103"/>
+          </a:xfrm>
+          <a:prstGeom prst="ellipse">
+            <a:avLst/>
+          </a:prstGeom>
+          <a:solidFill>
+            <a:schemeClr val="accent5">
+              <a:lumMod val="20000"/>
+              <a:lumOff val="80000"/>
+            </a:schemeClr>
+          </a:solidFill>
+        </p:spPr>
+        <p:style>
+          <a:lnRef idx="1">
+            <a:schemeClr val="accent6"/>
+          </a:lnRef>
+          <a:fillRef idx="2">
+            <a:schemeClr val="accent6"/>
+          </a:fillRef>
+          <a:effectRef idx="1">
+            <a:schemeClr val="accent6"/>
+          </a:effectRef>
+          <a:fontRef idx="minor">
+            <a:schemeClr val="dk1"/>
+          </a:fontRef>
+        </p:style>
+        <p:txBody>
+          <a:bodyPr lIns="36000" tIns="36000" rIns="36000" bIns="36000" rtlCol="0" anchor="ctr"/>
+          <a:lstStyle/>
+          <a:p>
+            <a:pPr algn="ctr"/>
+            <a:r>
+              <a:rPr kumimoji="1" lang="ja-JP" altLang="en-US" sz="1000" dirty="0"/>
+              <a:t>スレッド</a:t>
+            </a:r>
+          </a:p>
+        </p:txBody>
+      </p:sp>
+      <p:sp>
+        <p:nvSpPr>
+          <p:cNvPr id="17" name="楕円 16">
+            <a:extLst>
+              <a:ext uri="{FF2B5EF4-FFF2-40B4-BE49-F238E27FC236}">
+                <a16:creationId xmlns:a16="http://schemas.microsoft.com/office/drawing/2014/main" id="{54C493E2-A74F-D557-61B9-5746EA8B7E44}"/>
+              </a:ext>
+            </a:extLst>
+          </p:cNvPr>
+          <p:cNvSpPr/>
+          <p:nvPr/>
+        </p:nvSpPr>
+        <p:spPr>
+          <a:xfrm>
+            <a:off x="10790929" y="4491715"/>
+            <a:ext cx="833569" cy="399103"/>
+          </a:xfrm>
+          <a:prstGeom prst="ellipse">
+            <a:avLst/>
+          </a:prstGeom>
+          <a:solidFill>
+            <a:schemeClr val="accent5">
+              <a:lumMod val="20000"/>
+              <a:lumOff val="80000"/>
+            </a:schemeClr>
+          </a:solidFill>
+        </p:spPr>
+        <p:style>
+          <a:lnRef idx="1">
+            <a:schemeClr val="accent6"/>
+          </a:lnRef>
+          <a:fillRef idx="2">
+            <a:schemeClr val="accent6"/>
+          </a:fillRef>
+          <a:effectRef idx="1">
+            <a:schemeClr val="accent6"/>
+          </a:effectRef>
+          <a:fontRef idx="minor">
+            <a:schemeClr val="dk1"/>
+          </a:fontRef>
+        </p:style>
+        <p:txBody>
+          <a:bodyPr lIns="36000" tIns="36000" rIns="36000" bIns="36000" rtlCol="0" anchor="ctr"/>
+          <a:lstStyle/>
+          <a:p>
+            <a:pPr algn="ctr"/>
+            <a:r>
+              <a:rPr kumimoji="1" lang="ja-JP" altLang="en-US" sz="1000" dirty="0"/>
+              <a:t>スレッド</a:t>
+            </a:r>
+          </a:p>
+        </p:txBody>
+      </p:sp>
+      <p:sp>
+        <p:nvSpPr>
+          <p:cNvPr id="18" name="楕円 17">
+            <a:extLst>
+              <a:ext uri="{FF2B5EF4-FFF2-40B4-BE49-F238E27FC236}">
+                <a16:creationId xmlns:a16="http://schemas.microsoft.com/office/drawing/2014/main" id="{E4E75D66-BDAA-C7ED-F391-9CB0C775F9B8}"/>
+              </a:ext>
+            </a:extLst>
+          </p:cNvPr>
+          <p:cNvSpPr/>
+          <p:nvPr/>
+        </p:nvSpPr>
+        <p:spPr>
+          <a:xfrm>
+            <a:off x="9881795" y="4997640"/>
+            <a:ext cx="833569" cy="399103"/>
+          </a:xfrm>
+          <a:prstGeom prst="ellipse">
+            <a:avLst/>
+          </a:prstGeom>
+          <a:solidFill>
+            <a:schemeClr val="accent5">
+              <a:lumMod val="20000"/>
+              <a:lumOff val="80000"/>
+            </a:schemeClr>
+          </a:solidFill>
+        </p:spPr>
+        <p:style>
+          <a:lnRef idx="1">
+            <a:schemeClr val="accent6"/>
+          </a:lnRef>
+          <a:fillRef idx="2">
+            <a:schemeClr val="accent6"/>
+          </a:fillRef>
+          <a:effectRef idx="1">
+            <a:schemeClr val="accent6"/>
+          </a:effectRef>
+          <a:fontRef idx="minor">
+            <a:schemeClr val="dk1"/>
+          </a:fontRef>
+        </p:style>
+        <p:txBody>
+          <a:bodyPr lIns="36000" tIns="36000" rIns="36000" bIns="36000" rtlCol="0" anchor="ctr"/>
+          <a:lstStyle/>
+          <a:p>
+            <a:pPr algn="ctr"/>
+            <a:r>
+              <a:rPr kumimoji="1" lang="ja-JP" altLang="en-US" sz="1000" dirty="0"/>
+              <a:t>スレッド</a:t>
+            </a:r>
+          </a:p>
+        </p:txBody>
+      </p:sp>
+      <p:sp>
+        <p:nvSpPr>
+          <p:cNvPr id="19" name="楕円 18">
+            <a:extLst>
+              <a:ext uri="{FF2B5EF4-FFF2-40B4-BE49-F238E27FC236}">
+                <a16:creationId xmlns:a16="http://schemas.microsoft.com/office/drawing/2014/main" id="{915D86C2-EC10-C1F0-A8B0-6EFECB7F3555}"/>
+              </a:ext>
+            </a:extLst>
+          </p:cNvPr>
+          <p:cNvSpPr/>
+          <p:nvPr/>
+        </p:nvSpPr>
+        <p:spPr>
+          <a:xfrm>
+            <a:off x="11047317" y="4890817"/>
+            <a:ext cx="833569" cy="399103"/>
+          </a:xfrm>
+          <a:prstGeom prst="ellipse">
+            <a:avLst/>
+          </a:prstGeom>
+          <a:solidFill>
+            <a:schemeClr val="accent5">
+              <a:lumMod val="20000"/>
+              <a:lumOff val="80000"/>
+            </a:schemeClr>
+          </a:solidFill>
+        </p:spPr>
+        <p:style>
+          <a:lnRef idx="1">
+            <a:schemeClr val="accent6"/>
+          </a:lnRef>
+          <a:fillRef idx="2">
+            <a:schemeClr val="accent6"/>
+          </a:fillRef>
+          <a:effectRef idx="1">
+            <a:schemeClr val="accent6"/>
+          </a:effectRef>
+          <a:fontRef idx="minor">
+            <a:schemeClr val="dk1"/>
+          </a:fontRef>
+        </p:style>
+        <p:txBody>
+          <a:bodyPr lIns="36000" tIns="36000" rIns="36000" bIns="36000" rtlCol="0" anchor="ctr"/>
+          <a:lstStyle/>
+          <a:p>
+            <a:pPr algn="ctr"/>
+            <a:r>
+              <a:rPr kumimoji="1" lang="ja-JP" altLang="en-US" sz="1000" dirty="0"/>
+              <a:t>スレッド</a:t>
+            </a:r>
+          </a:p>
+        </p:txBody>
+      </p:sp>
+      <p:sp>
+        <p:nvSpPr>
+          <p:cNvPr id="20" name="楕円 19">
+            <a:extLst>
+              <a:ext uri="{FF2B5EF4-FFF2-40B4-BE49-F238E27FC236}">
+                <a16:creationId xmlns:a16="http://schemas.microsoft.com/office/drawing/2014/main" id="{C66BD3E3-5FAA-3CE1-B570-0E6A50F31463}"/>
+              </a:ext>
+            </a:extLst>
+          </p:cNvPr>
+          <p:cNvSpPr/>
+          <p:nvPr/>
+        </p:nvSpPr>
+        <p:spPr>
+          <a:xfrm>
+            <a:off x="10621271" y="5270442"/>
+            <a:ext cx="833569" cy="399103"/>
+          </a:xfrm>
+          <a:prstGeom prst="ellipse">
+            <a:avLst/>
+          </a:prstGeom>
+          <a:solidFill>
+            <a:schemeClr val="accent5">
+              <a:lumMod val="20000"/>
+              <a:lumOff val="80000"/>
+            </a:schemeClr>
+          </a:solidFill>
+        </p:spPr>
+        <p:style>
+          <a:lnRef idx="1">
+            <a:schemeClr val="accent6"/>
+          </a:lnRef>
+          <a:fillRef idx="2">
+            <a:schemeClr val="accent6"/>
+          </a:fillRef>
+          <a:effectRef idx="1">
+            <a:schemeClr val="accent6"/>
+          </a:effectRef>
+          <a:fontRef idx="minor">
+            <a:schemeClr val="dk1"/>
+          </a:fontRef>
+        </p:style>
+        <p:txBody>
+          <a:bodyPr lIns="36000" tIns="36000" rIns="36000" bIns="36000" rtlCol="0" anchor="ctr"/>
+          <a:lstStyle/>
+          <a:p>
+            <a:pPr algn="ctr"/>
+            <a:r>
+              <a:rPr kumimoji="1" lang="ja-JP" altLang="en-US" sz="1000" dirty="0"/>
+              <a:t>スレッド</a:t>
+            </a:r>
+          </a:p>
+        </p:txBody>
+      </p:sp>
+    </p:spTree>
+    <p:extLst>
+      <p:ext uri="{BB962C8B-B14F-4D97-AF65-F5344CB8AC3E}">
+        <p14:creationId xmlns:p14="http://schemas.microsoft.com/office/powerpoint/2010/main" val="2938674263"/>
+      </p:ext>
+    </p:extLst>
+  </p:cSld>
+  <p:clrMapOvr>
+    <a:masterClrMapping/>
+  </p:clrMapOvr>
+</p:sld>
+</file>
+
+<file path=ppt/slides/slide20.xml><?xml version="1.0" encoding="utf-8"?>
+<p:sld xmlns:a="http://schemas.openxmlformats.org/drawingml/2006/main" xmlns:r="http://schemas.openxmlformats.org/officeDocument/2006/relationships" xmlns:p="http://schemas.openxmlformats.org/presentationml/2006/main">
+  <p:cSld>
+    <p:spTree>
+      <p:nvGrpSpPr>
+        <p:cNvPr id="1" name=""/>
+        <p:cNvGrpSpPr/>
+        <p:nvPr/>
+      </p:nvGrpSpPr>
+      <p:grpSpPr>
+        <a:xfrm>
+          <a:off x="0" y="0"/>
+          <a:ext cx="0" cy="0"/>
+          <a:chOff x="0" y="0"/>
+          <a:chExt cx="0" cy="0"/>
+        </a:xfrm>
+      </p:grpSpPr>
+      <p:sp>
+        <p:nvSpPr>
           <p:cNvPr id="54" name="正方形/長方形 53">
             <a:extLst>
               <a:ext uri="{FF2B5EF4-FFF2-40B4-BE49-F238E27FC236}">
@@ -17875,7 +19195,7 @@
             <a:fld id="{6C25B416-2A59-467F-9B4B-B66C83B82743}" type="slidenum">
               <a:rPr kumimoji="1" lang="ja-JP" altLang="en-US" smtClean="0"/>
               <a:pPr/>
-              <a:t>19</a:t>
+              <a:t>20</a:t>
             </a:fld>
             <a:endParaRPr kumimoji="1" lang="ja-JP" altLang="en-US"/>
           </a:p>
@@ -19576,7 +20896,7 @@
 </p:sld>
 </file>
 
-<file path=ppt/slides/slide2.xml><?xml version="1.0" encoding="utf-8"?>
+<file path=ppt/slides/slide21.xml><?xml version="1.0" encoding="utf-8"?>
 <p:sld xmlns:a="http://schemas.openxmlformats.org/drawingml/2006/main" xmlns:r="http://schemas.openxmlformats.org/officeDocument/2006/relationships" xmlns:p="http://schemas.openxmlformats.org/presentationml/2006/main">
   <p:cSld>
     <p:spTree>
@@ -19598,7 +20918,7 @@
           <p:cNvPr id="2" name="タイトル 1">
             <a:extLst>
               <a:ext uri="{FF2B5EF4-FFF2-40B4-BE49-F238E27FC236}">
-                <a16:creationId xmlns:a16="http://schemas.microsoft.com/office/drawing/2014/main" id="{1C4C2213-52E2-B605-4965-B8F651D015A1}"/>
+                <a16:creationId xmlns:a16="http://schemas.microsoft.com/office/drawing/2014/main" id="{91FC22FA-07B8-1309-3A13-D03A2C62CA9B}"/>
               </a:ext>
             </a:extLst>
           </p:cNvPr>
@@ -19623,7 +20943,7 @@
           <p:cNvPr id="3" name="スライド番号プレースホルダー 2">
             <a:extLst>
               <a:ext uri="{FF2B5EF4-FFF2-40B4-BE49-F238E27FC236}">
-                <a16:creationId xmlns:a16="http://schemas.microsoft.com/office/drawing/2014/main" id="{03FDD67B-AA03-9D5E-CC9A-FAB5C42085FE}"/>
+                <a16:creationId xmlns:a16="http://schemas.microsoft.com/office/drawing/2014/main" id="{C7054042-75BA-07FE-3EEC-54628AB0EFCB}"/>
               </a:ext>
             </a:extLst>
           </p:cNvPr>
@@ -19642,938 +20962,7 @@
             <a:fld id="{6C25B416-2A59-467F-9B4B-B66C83B82743}" type="slidenum">
               <a:rPr kumimoji="1" lang="ja-JP" altLang="en-US" smtClean="0"/>
               <a:pPr/>
-              <a:t>2</a:t>
-            </a:fld>
-            <a:endParaRPr kumimoji="1" lang="ja-JP" altLang="en-US"/>
-          </a:p>
-        </p:txBody>
-      </p:sp>
-      <p:sp>
-        <p:nvSpPr>
-          <p:cNvPr id="4" name="コンテンツ プレースホルダー 3">
-            <a:extLst>
-              <a:ext uri="{FF2B5EF4-FFF2-40B4-BE49-F238E27FC236}">
-                <a16:creationId xmlns:a16="http://schemas.microsoft.com/office/drawing/2014/main" id="{2800998E-9BCA-7A76-7435-8538F8C719AE}"/>
-              </a:ext>
-            </a:extLst>
-          </p:cNvPr>
-          <p:cNvSpPr>
-            <a:spLocks noGrp="1"/>
-          </p:cNvSpPr>
-          <p:nvPr>
-            <p:ph sz="quarter" idx="13"/>
-          </p:nvPr>
-        </p:nvSpPr>
-        <p:spPr/>
-        <p:txBody>
-          <a:bodyPr/>
-          <a:lstStyle/>
-          <a:p>
-            <a:endParaRPr kumimoji="1" lang="ja-JP" altLang="en-US"/>
-          </a:p>
-        </p:txBody>
-      </p:sp>
-      <p:sp>
-        <p:nvSpPr>
-          <p:cNvPr id="5" name="テキスト プレースホルダー 4">
-            <a:extLst>
-              <a:ext uri="{FF2B5EF4-FFF2-40B4-BE49-F238E27FC236}">
-                <a16:creationId xmlns:a16="http://schemas.microsoft.com/office/drawing/2014/main" id="{08F11553-9005-75BC-625A-A996DAAFB329}"/>
-              </a:ext>
-            </a:extLst>
-          </p:cNvPr>
-          <p:cNvSpPr>
-            <a:spLocks noGrp="1"/>
-          </p:cNvSpPr>
-          <p:nvPr>
-            <p:ph type="body" sz="quarter" idx="14"/>
-          </p:nvPr>
-        </p:nvSpPr>
-        <p:spPr/>
-        <p:txBody>
-          <a:bodyPr/>
-          <a:lstStyle/>
-          <a:p>
-            <a:endParaRPr kumimoji="1" lang="ja-JP" altLang="en-US"/>
-          </a:p>
-        </p:txBody>
-      </p:sp>
-      <p:sp>
-        <p:nvSpPr>
-          <p:cNvPr id="6" name="四角形: 角を丸くする 5">
-            <a:extLst>
-              <a:ext uri="{FF2B5EF4-FFF2-40B4-BE49-F238E27FC236}">
-                <a16:creationId xmlns:a16="http://schemas.microsoft.com/office/drawing/2014/main" id="{8DDCC916-1C79-526E-02B0-01C5142E5372}"/>
-              </a:ext>
-            </a:extLst>
-          </p:cNvPr>
-          <p:cNvSpPr/>
-          <p:nvPr/>
-        </p:nvSpPr>
-        <p:spPr>
-          <a:xfrm>
-            <a:off x="5481349" y="5803168"/>
-            <a:ext cx="6458055" cy="536829"/>
-          </a:xfrm>
-          <a:prstGeom prst="roundRect">
-            <a:avLst/>
-          </a:prstGeom>
-          <a:solidFill>
-            <a:schemeClr val="accent1">
-              <a:lumMod val="20000"/>
-              <a:lumOff val="80000"/>
-            </a:schemeClr>
-          </a:solidFill>
-        </p:spPr>
-        <p:style>
-          <a:lnRef idx="1">
-            <a:schemeClr val="accent1"/>
-          </a:lnRef>
-          <a:fillRef idx="2">
-            <a:schemeClr val="accent1"/>
-          </a:fillRef>
-          <a:effectRef idx="1">
-            <a:schemeClr val="accent1"/>
-          </a:effectRef>
-          <a:fontRef idx="minor">
-            <a:schemeClr val="dk1"/>
-          </a:fontRef>
-        </p:style>
-        <p:txBody>
-          <a:bodyPr rtlCol="0" anchor="ctr"/>
-          <a:lstStyle/>
-          <a:p>
-            <a:pPr algn="ctr"/>
-            <a:r>
-              <a:rPr kumimoji="1" lang="en-US" altLang="ja-JP" dirty="0"/>
-              <a:t>OS</a:t>
-            </a:r>
-            <a:endParaRPr kumimoji="1" lang="ja-JP" altLang="en-US" dirty="0"/>
-          </a:p>
-        </p:txBody>
-      </p:sp>
-      <p:sp>
-        <p:nvSpPr>
-          <p:cNvPr id="7" name="四角形: 角を丸くする 6">
-            <a:extLst>
-              <a:ext uri="{FF2B5EF4-FFF2-40B4-BE49-F238E27FC236}">
-                <a16:creationId xmlns:a16="http://schemas.microsoft.com/office/drawing/2014/main" id="{A7EB4928-9A6E-61A5-7776-9A4DF6A1D175}"/>
-              </a:ext>
-            </a:extLst>
-          </p:cNvPr>
-          <p:cNvSpPr/>
-          <p:nvPr/>
-        </p:nvSpPr>
-        <p:spPr>
-          <a:xfrm>
-            <a:off x="5481350" y="3981588"/>
-            <a:ext cx="2101604" cy="1747968"/>
-          </a:xfrm>
-          <a:prstGeom prst="roundRect">
-            <a:avLst/>
-          </a:prstGeom>
-          <a:solidFill>
-            <a:schemeClr val="accent2">
-              <a:lumMod val="20000"/>
-              <a:lumOff val="80000"/>
-            </a:schemeClr>
-          </a:solidFill>
-        </p:spPr>
-        <p:style>
-          <a:lnRef idx="1">
-            <a:schemeClr val="accent2"/>
-          </a:lnRef>
-          <a:fillRef idx="2">
-            <a:schemeClr val="accent2"/>
-          </a:fillRef>
-          <a:effectRef idx="1">
-            <a:schemeClr val="accent2"/>
-          </a:effectRef>
-          <a:fontRef idx="minor">
-            <a:schemeClr val="dk1"/>
-          </a:fontRef>
-        </p:style>
-        <p:txBody>
-          <a:bodyPr rtlCol="0" anchor="t"/>
-          <a:lstStyle/>
-          <a:p>
-            <a:pPr algn="ctr"/>
-            <a:r>
-              <a:rPr kumimoji="1" lang="ja-JP" altLang="en-US" dirty="0"/>
-              <a:t>プロセス</a:t>
-            </a:r>
-          </a:p>
-        </p:txBody>
-      </p:sp>
-      <p:sp>
-        <p:nvSpPr>
-          <p:cNvPr id="8" name="四角形: 角を丸くする 7">
-            <a:extLst>
-              <a:ext uri="{FF2B5EF4-FFF2-40B4-BE49-F238E27FC236}">
-                <a16:creationId xmlns:a16="http://schemas.microsoft.com/office/drawing/2014/main" id="{9200B03D-A629-92B9-B836-15436D31D99E}"/>
-              </a:ext>
-            </a:extLst>
-          </p:cNvPr>
-          <p:cNvSpPr/>
-          <p:nvPr/>
-        </p:nvSpPr>
-        <p:spPr>
-          <a:xfrm>
-            <a:off x="7659575" y="3981587"/>
-            <a:ext cx="2101604" cy="1747968"/>
-          </a:xfrm>
-          <a:prstGeom prst="roundRect">
-            <a:avLst/>
-          </a:prstGeom>
-          <a:solidFill>
-            <a:schemeClr val="accent2">
-              <a:lumMod val="20000"/>
-              <a:lumOff val="80000"/>
-            </a:schemeClr>
-          </a:solidFill>
-        </p:spPr>
-        <p:style>
-          <a:lnRef idx="1">
-            <a:schemeClr val="accent2"/>
-          </a:lnRef>
-          <a:fillRef idx="2">
-            <a:schemeClr val="accent2"/>
-          </a:fillRef>
-          <a:effectRef idx="1">
-            <a:schemeClr val="accent2"/>
-          </a:effectRef>
-          <a:fontRef idx="minor">
-            <a:schemeClr val="dk1"/>
-          </a:fontRef>
-        </p:style>
-        <p:txBody>
-          <a:bodyPr rtlCol="0" anchor="t"/>
-          <a:lstStyle/>
-          <a:p>
-            <a:pPr algn="ctr"/>
-            <a:r>
-              <a:rPr kumimoji="1" lang="ja-JP" altLang="en-US" dirty="0"/>
-              <a:t>プロセス</a:t>
-            </a:r>
-          </a:p>
-        </p:txBody>
-      </p:sp>
-      <p:sp>
-        <p:nvSpPr>
-          <p:cNvPr id="9" name="四角形: 角を丸くする 8">
-            <a:extLst>
-              <a:ext uri="{FF2B5EF4-FFF2-40B4-BE49-F238E27FC236}">
-                <a16:creationId xmlns:a16="http://schemas.microsoft.com/office/drawing/2014/main" id="{DDD577C3-56DB-2685-56FE-AD723AB484C9}"/>
-              </a:ext>
-            </a:extLst>
-          </p:cNvPr>
-          <p:cNvSpPr/>
-          <p:nvPr/>
-        </p:nvSpPr>
-        <p:spPr>
-          <a:xfrm>
-            <a:off x="9837800" y="3981587"/>
-            <a:ext cx="2101604" cy="1747968"/>
-          </a:xfrm>
-          <a:prstGeom prst="roundRect">
-            <a:avLst/>
-          </a:prstGeom>
-          <a:solidFill>
-            <a:schemeClr val="accent2">
-              <a:lumMod val="20000"/>
-              <a:lumOff val="80000"/>
-            </a:schemeClr>
-          </a:solidFill>
-        </p:spPr>
-        <p:style>
-          <a:lnRef idx="1">
-            <a:schemeClr val="accent2"/>
-          </a:lnRef>
-          <a:fillRef idx="2">
-            <a:schemeClr val="accent2"/>
-          </a:fillRef>
-          <a:effectRef idx="1">
-            <a:schemeClr val="accent2"/>
-          </a:effectRef>
-          <a:fontRef idx="minor">
-            <a:schemeClr val="dk1"/>
-          </a:fontRef>
-        </p:style>
-        <p:txBody>
-          <a:bodyPr rtlCol="0" anchor="t"/>
-          <a:lstStyle/>
-          <a:p>
-            <a:pPr algn="ctr"/>
-            <a:r>
-              <a:rPr kumimoji="1" lang="ja-JP" altLang="en-US" dirty="0"/>
-              <a:t>プロセス</a:t>
-            </a:r>
-          </a:p>
-        </p:txBody>
-      </p:sp>
-      <p:sp>
-        <p:nvSpPr>
-          <p:cNvPr id="10" name="楕円 9">
-            <a:extLst>
-              <a:ext uri="{FF2B5EF4-FFF2-40B4-BE49-F238E27FC236}">
-                <a16:creationId xmlns:a16="http://schemas.microsoft.com/office/drawing/2014/main" id="{CD263EFC-7B7A-DF14-EA1D-5A58CCF2F98E}"/>
-              </a:ext>
-            </a:extLst>
-          </p:cNvPr>
-          <p:cNvSpPr/>
-          <p:nvPr/>
-        </p:nvSpPr>
-        <p:spPr>
-          <a:xfrm>
-            <a:off x="5567232" y="4456468"/>
-            <a:ext cx="833569" cy="399103"/>
-          </a:xfrm>
-          <a:prstGeom prst="ellipse">
-            <a:avLst/>
-          </a:prstGeom>
-          <a:solidFill>
-            <a:schemeClr val="accent5">
-              <a:lumMod val="20000"/>
-              <a:lumOff val="80000"/>
-            </a:schemeClr>
-          </a:solidFill>
-        </p:spPr>
-        <p:style>
-          <a:lnRef idx="1">
-            <a:schemeClr val="accent6"/>
-          </a:lnRef>
-          <a:fillRef idx="2">
-            <a:schemeClr val="accent6"/>
-          </a:fillRef>
-          <a:effectRef idx="1">
-            <a:schemeClr val="accent6"/>
-          </a:effectRef>
-          <a:fontRef idx="minor">
-            <a:schemeClr val="dk1"/>
-          </a:fontRef>
-        </p:style>
-        <p:txBody>
-          <a:bodyPr lIns="36000" tIns="36000" rIns="36000" bIns="36000" rtlCol="0" anchor="ctr"/>
-          <a:lstStyle/>
-          <a:p>
-            <a:pPr algn="ctr"/>
-            <a:r>
-              <a:rPr kumimoji="1" lang="ja-JP" altLang="en-US" sz="1000" dirty="0"/>
-              <a:t>スレッド</a:t>
-            </a:r>
-          </a:p>
-        </p:txBody>
-      </p:sp>
-      <p:sp>
-        <p:nvSpPr>
-          <p:cNvPr id="11" name="楕円 10">
-            <a:extLst>
-              <a:ext uri="{FF2B5EF4-FFF2-40B4-BE49-F238E27FC236}">
-                <a16:creationId xmlns:a16="http://schemas.microsoft.com/office/drawing/2014/main" id="{57CAE738-4789-9B97-4E91-859DCCFEA2AE}"/>
-              </a:ext>
-            </a:extLst>
-          </p:cNvPr>
-          <p:cNvSpPr/>
-          <p:nvPr/>
-        </p:nvSpPr>
-        <p:spPr>
-          <a:xfrm>
-            <a:off x="5984016" y="4890818"/>
-            <a:ext cx="833569" cy="399103"/>
-          </a:xfrm>
-          <a:prstGeom prst="ellipse">
-            <a:avLst/>
-          </a:prstGeom>
-          <a:solidFill>
-            <a:schemeClr val="accent5">
-              <a:lumMod val="20000"/>
-              <a:lumOff val="80000"/>
-            </a:schemeClr>
-          </a:solidFill>
-        </p:spPr>
-        <p:style>
-          <a:lnRef idx="1">
-            <a:schemeClr val="accent6"/>
-          </a:lnRef>
-          <a:fillRef idx="2">
-            <a:schemeClr val="accent6"/>
-          </a:fillRef>
-          <a:effectRef idx="1">
-            <a:schemeClr val="accent6"/>
-          </a:effectRef>
-          <a:fontRef idx="minor">
-            <a:schemeClr val="dk1"/>
-          </a:fontRef>
-        </p:style>
-        <p:txBody>
-          <a:bodyPr lIns="36000" tIns="36000" rIns="36000" bIns="36000" rtlCol="0" anchor="ctr"/>
-          <a:lstStyle/>
-          <a:p>
-            <a:pPr algn="ctr"/>
-            <a:r>
-              <a:rPr kumimoji="1" lang="ja-JP" altLang="en-US" sz="1000" dirty="0"/>
-              <a:t>スレッド</a:t>
-            </a:r>
-          </a:p>
-        </p:txBody>
-      </p:sp>
-      <p:sp>
-        <p:nvSpPr>
-          <p:cNvPr id="12" name="楕円 11">
-            <a:extLst>
-              <a:ext uri="{FF2B5EF4-FFF2-40B4-BE49-F238E27FC236}">
-                <a16:creationId xmlns:a16="http://schemas.microsoft.com/office/drawing/2014/main" id="{21CA514E-C949-F804-F8CF-5D1A906E27AB}"/>
-              </a:ext>
-            </a:extLst>
-          </p:cNvPr>
-          <p:cNvSpPr/>
-          <p:nvPr/>
-        </p:nvSpPr>
-        <p:spPr>
-          <a:xfrm>
-            <a:off x="6585196" y="4527677"/>
-            <a:ext cx="833569" cy="399103"/>
-          </a:xfrm>
-          <a:prstGeom prst="ellipse">
-            <a:avLst/>
-          </a:prstGeom>
-          <a:solidFill>
-            <a:schemeClr val="accent5">
-              <a:lumMod val="20000"/>
-              <a:lumOff val="80000"/>
-            </a:schemeClr>
-          </a:solidFill>
-        </p:spPr>
-        <p:style>
-          <a:lnRef idx="1">
-            <a:schemeClr val="accent6"/>
-          </a:lnRef>
-          <a:fillRef idx="2">
-            <a:schemeClr val="accent6"/>
-          </a:fillRef>
-          <a:effectRef idx="1">
-            <a:schemeClr val="accent6"/>
-          </a:effectRef>
-          <a:fontRef idx="minor">
-            <a:schemeClr val="dk1"/>
-          </a:fontRef>
-        </p:style>
-        <p:txBody>
-          <a:bodyPr lIns="36000" tIns="36000" rIns="36000" bIns="36000" rtlCol="0" anchor="ctr"/>
-          <a:lstStyle/>
-          <a:p>
-            <a:pPr algn="ctr"/>
-            <a:r>
-              <a:rPr kumimoji="1" lang="ja-JP" altLang="en-US" sz="1000" dirty="0"/>
-              <a:t>スレッド</a:t>
-            </a:r>
-          </a:p>
-        </p:txBody>
-      </p:sp>
-      <p:sp>
-        <p:nvSpPr>
-          <p:cNvPr id="13" name="楕円 12">
-            <a:extLst>
-              <a:ext uri="{FF2B5EF4-FFF2-40B4-BE49-F238E27FC236}">
-                <a16:creationId xmlns:a16="http://schemas.microsoft.com/office/drawing/2014/main" id="{67E758E2-22E8-08E1-BAF7-431B70A13C57}"/>
-              </a:ext>
-            </a:extLst>
-          </p:cNvPr>
-          <p:cNvSpPr/>
-          <p:nvPr/>
-        </p:nvSpPr>
-        <p:spPr>
-          <a:xfrm>
-            <a:off x="6619299" y="5253959"/>
-            <a:ext cx="833569" cy="399103"/>
-          </a:xfrm>
-          <a:prstGeom prst="ellipse">
-            <a:avLst/>
-          </a:prstGeom>
-          <a:solidFill>
-            <a:schemeClr val="accent5">
-              <a:lumMod val="20000"/>
-              <a:lumOff val="80000"/>
-            </a:schemeClr>
-          </a:solidFill>
-        </p:spPr>
-        <p:style>
-          <a:lnRef idx="1">
-            <a:schemeClr val="accent6"/>
-          </a:lnRef>
-          <a:fillRef idx="2">
-            <a:schemeClr val="accent6"/>
-          </a:fillRef>
-          <a:effectRef idx="1">
-            <a:schemeClr val="accent6"/>
-          </a:effectRef>
-          <a:fontRef idx="minor">
-            <a:schemeClr val="dk1"/>
-          </a:fontRef>
-        </p:style>
-        <p:txBody>
-          <a:bodyPr lIns="36000" tIns="36000" rIns="36000" bIns="36000" rtlCol="0" anchor="ctr"/>
-          <a:lstStyle/>
-          <a:p>
-            <a:pPr algn="ctr"/>
-            <a:r>
-              <a:rPr kumimoji="1" lang="ja-JP" altLang="en-US" sz="1000" dirty="0"/>
-              <a:t>スレッド</a:t>
-            </a:r>
-          </a:p>
-        </p:txBody>
-      </p:sp>
-      <p:sp>
-        <p:nvSpPr>
-          <p:cNvPr id="14" name="楕円 13">
-            <a:extLst>
-              <a:ext uri="{FF2B5EF4-FFF2-40B4-BE49-F238E27FC236}">
-                <a16:creationId xmlns:a16="http://schemas.microsoft.com/office/drawing/2014/main" id="{BCD1883D-6496-AC87-7142-C95D26D7FEAB}"/>
-              </a:ext>
-            </a:extLst>
-          </p:cNvPr>
-          <p:cNvSpPr/>
-          <p:nvPr/>
-        </p:nvSpPr>
-        <p:spPr>
-          <a:xfrm>
-            <a:off x="7752192" y="4560040"/>
-            <a:ext cx="833569" cy="399103"/>
-          </a:xfrm>
-          <a:prstGeom prst="ellipse">
-            <a:avLst/>
-          </a:prstGeom>
-          <a:solidFill>
-            <a:schemeClr val="accent5">
-              <a:lumMod val="20000"/>
-              <a:lumOff val="80000"/>
-            </a:schemeClr>
-          </a:solidFill>
-        </p:spPr>
-        <p:style>
-          <a:lnRef idx="1">
-            <a:schemeClr val="accent6"/>
-          </a:lnRef>
-          <a:fillRef idx="2">
-            <a:schemeClr val="accent6"/>
-          </a:fillRef>
-          <a:effectRef idx="1">
-            <a:schemeClr val="accent6"/>
-          </a:effectRef>
-          <a:fontRef idx="minor">
-            <a:schemeClr val="dk1"/>
-          </a:fontRef>
-        </p:style>
-        <p:txBody>
-          <a:bodyPr lIns="36000" tIns="36000" rIns="36000" bIns="36000" rtlCol="0" anchor="ctr"/>
-          <a:lstStyle/>
-          <a:p>
-            <a:pPr algn="ctr"/>
-            <a:r>
-              <a:rPr kumimoji="1" lang="ja-JP" altLang="en-US" sz="1000" dirty="0"/>
-              <a:t>スレッド</a:t>
-            </a:r>
-          </a:p>
-        </p:txBody>
-      </p:sp>
-      <p:sp>
-        <p:nvSpPr>
-          <p:cNvPr id="15" name="楕円 14">
-            <a:extLst>
-              <a:ext uri="{FF2B5EF4-FFF2-40B4-BE49-F238E27FC236}">
-                <a16:creationId xmlns:a16="http://schemas.microsoft.com/office/drawing/2014/main" id="{B31A4699-B6D5-071F-4ACB-B2A741521356}"/>
-              </a:ext>
-            </a:extLst>
-          </p:cNvPr>
-          <p:cNvSpPr/>
-          <p:nvPr/>
-        </p:nvSpPr>
-        <p:spPr>
-          <a:xfrm>
-            <a:off x="8503248" y="5128273"/>
-            <a:ext cx="833569" cy="399103"/>
-          </a:xfrm>
-          <a:prstGeom prst="ellipse">
-            <a:avLst/>
-          </a:prstGeom>
-          <a:solidFill>
-            <a:schemeClr val="accent5">
-              <a:lumMod val="20000"/>
-              <a:lumOff val="80000"/>
-            </a:schemeClr>
-          </a:solidFill>
-        </p:spPr>
-        <p:style>
-          <a:lnRef idx="1">
-            <a:schemeClr val="accent6"/>
-          </a:lnRef>
-          <a:fillRef idx="2">
-            <a:schemeClr val="accent6"/>
-          </a:fillRef>
-          <a:effectRef idx="1">
-            <a:schemeClr val="accent6"/>
-          </a:effectRef>
-          <a:fontRef idx="minor">
-            <a:schemeClr val="dk1"/>
-          </a:fontRef>
-        </p:style>
-        <p:txBody>
-          <a:bodyPr lIns="36000" tIns="36000" rIns="36000" bIns="36000" rtlCol="0" anchor="ctr"/>
-          <a:lstStyle/>
-          <a:p>
-            <a:pPr algn="ctr"/>
-            <a:r>
-              <a:rPr kumimoji="1" lang="ja-JP" altLang="en-US" sz="1000" dirty="0"/>
-              <a:t>スレッド</a:t>
-            </a:r>
-          </a:p>
-        </p:txBody>
-      </p:sp>
-      <p:sp>
-        <p:nvSpPr>
-          <p:cNvPr id="16" name="楕円 15">
-            <a:extLst>
-              <a:ext uri="{FF2B5EF4-FFF2-40B4-BE49-F238E27FC236}">
-                <a16:creationId xmlns:a16="http://schemas.microsoft.com/office/drawing/2014/main" id="{CBDABFC3-7A01-9F29-4124-31C45201AA97}"/>
-              </a:ext>
-            </a:extLst>
-          </p:cNvPr>
-          <p:cNvSpPr/>
-          <p:nvPr/>
-        </p:nvSpPr>
-        <p:spPr>
-          <a:xfrm>
-            <a:off x="9900107" y="4499300"/>
-            <a:ext cx="833569" cy="399103"/>
-          </a:xfrm>
-          <a:prstGeom prst="ellipse">
-            <a:avLst/>
-          </a:prstGeom>
-          <a:solidFill>
-            <a:schemeClr val="accent5">
-              <a:lumMod val="20000"/>
-              <a:lumOff val="80000"/>
-            </a:schemeClr>
-          </a:solidFill>
-        </p:spPr>
-        <p:style>
-          <a:lnRef idx="1">
-            <a:schemeClr val="accent6"/>
-          </a:lnRef>
-          <a:fillRef idx="2">
-            <a:schemeClr val="accent6"/>
-          </a:fillRef>
-          <a:effectRef idx="1">
-            <a:schemeClr val="accent6"/>
-          </a:effectRef>
-          <a:fontRef idx="minor">
-            <a:schemeClr val="dk1"/>
-          </a:fontRef>
-        </p:style>
-        <p:txBody>
-          <a:bodyPr lIns="36000" tIns="36000" rIns="36000" bIns="36000" rtlCol="0" anchor="ctr"/>
-          <a:lstStyle/>
-          <a:p>
-            <a:pPr algn="ctr"/>
-            <a:r>
-              <a:rPr kumimoji="1" lang="ja-JP" altLang="en-US" sz="1000" dirty="0"/>
-              <a:t>スレッド</a:t>
-            </a:r>
-          </a:p>
-        </p:txBody>
-      </p:sp>
-      <p:sp>
-        <p:nvSpPr>
-          <p:cNvPr id="17" name="楕円 16">
-            <a:extLst>
-              <a:ext uri="{FF2B5EF4-FFF2-40B4-BE49-F238E27FC236}">
-                <a16:creationId xmlns:a16="http://schemas.microsoft.com/office/drawing/2014/main" id="{54C493E2-A74F-D557-61B9-5746EA8B7E44}"/>
-              </a:ext>
-            </a:extLst>
-          </p:cNvPr>
-          <p:cNvSpPr/>
-          <p:nvPr/>
-        </p:nvSpPr>
-        <p:spPr>
-          <a:xfrm>
-            <a:off x="10790929" y="4491715"/>
-            <a:ext cx="833569" cy="399103"/>
-          </a:xfrm>
-          <a:prstGeom prst="ellipse">
-            <a:avLst/>
-          </a:prstGeom>
-          <a:solidFill>
-            <a:schemeClr val="accent5">
-              <a:lumMod val="20000"/>
-              <a:lumOff val="80000"/>
-            </a:schemeClr>
-          </a:solidFill>
-        </p:spPr>
-        <p:style>
-          <a:lnRef idx="1">
-            <a:schemeClr val="accent6"/>
-          </a:lnRef>
-          <a:fillRef idx="2">
-            <a:schemeClr val="accent6"/>
-          </a:fillRef>
-          <a:effectRef idx="1">
-            <a:schemeClr val="accent6"/>
-          </a:effectRef>
-          <a:fontRef idx="minor">
-            <a:schemeClr val="dk1"/>
-          </a:fontRef>
-        </p:style>
-        <p:txBody>
-          <a:bodyPr lIns="36000" tIns="36000" rIns="36000" bIns="36000" rtlCol="0" anchor="ctr"/>
-          <a:lstStyle/>
-          <a:p>
-            <a:pPr algn="ctr"/>
-            <a:r>
-              <a:rPr kumimoji="1" lang="ja-JP" altLang="en-US" sz="1000" dirty="0"/>
-              <a:t>スレッド</a:t>
-            </a:r>
-          </a:p>
-        </p:txBody>
-      </p:sp>
-      <p:sp>
-        <p:nvSpPr>
-          <p:cNvPr id="18" name="楕円 17">
-            <a:extLst>
-              <a:ext uri="{FF2B5EF4-FFF2-40B4-BE49-F238E27FC236}">
-                <a16:creationId xmlns:a16="http://schemas.microsoft.com/office/drawing/2014/main" id="{E4E75D66-BDAA-C7ED-F391-9CB0C775F9B8}"/>
-              </a:ext>
-            </a:extLst>
-          </p:cNvPr>
-          <p:cNvSpPr/>
-          <p:nvPr/>
-        </p:nvSpPr>
-        <p:spPr>
-          <a:xfrm>
-            <a:off x="9881795" y="4997640"/>
-            <a:ext cx="833569" cy="399103"/>
-          </a:xfrm>
-          <a:prstGeom prst="ellipse">
-            <a:avLst/>
-          </a:prstGeom>
-          <a:solidFill>
-            <a:schemeClr val="accent5">
-              <a:lumMod val="20000"/>
-              <a:lumOff val="80000"/>
-            </a:schemeClr>
-          </a:solidFill>
-        </p:spPr>
-        <p:style>
-          <a:lnRef idx="1">
-            <a:schemeClr val="accent6"/>
-          </a:lnRef>
-          <a:fillRef idx="2">
-            <a:schemeClr val="accent6"/>
-          </a:fillRef>
-          <a:effectRef idx="1">
-            <a:schemeClr val="accent6"/>
-          </a:effectRef>
-          <a:fontRef idx="minor">
-            <a:schemeClr val="dk1"/>
-          </a:fontRef>
-        </p:style>
-        <p:txBody>
-          <a:bodyPr lIns="36000" tIns="36000" rIns="36000" bIns="36000" rtlCol="0" anchor="ctr"/>
-          <a:lstStyle/>
-          <a:p>
-            <a:pPr algn="ctr"/>
-            <a:r>
-              <a:rPr kumimoji="1" lang="ja-JP" altLang="en-US" sz="1000" dirty="0"/>
-              <a:t>スレッド</a:t>
-            </a:r>
-          </a:p>
-        </p:txBody>
-      </p:sp>
-      <p:sp>
-        <p:nvSpPr>
-          <p:cNvPr id="19" name="楕円 18">
-            <a:extLst>
-              <a:ext uri="{FF2B5EF4-FFF2-40B4-BE49-F238E27FC236}">
-                <a16:creationId xmlns:a16="http://schemas.microsoft.com/office/drawing/2014/main" id="{915D86C2-EC10-C1F0-A8B0-6EFECB7F3555}"/>
-              </a:ext>
-            </a:extLst>
-          </p:cNvPr>
-          <p:cNvSpPr/>
-          <p:nvPr/>
-        </p:nvSpPr>
-        <p:spPr>
-          <a:xfrm>
-            <a:off x="11047317" y="4890817"/>
-            <a:ext cx="833569" cy="399103"/>
-          </a:xfrm>
-          <a:prstGeom prst="ellipse">
-            <a:avLst/>
-          </a:prstGeom>
-          <a:solidFill>
-            <a:schemeClr val="accent5">
-              <a:lumMod val="20000"/>
-              <a:lumOff val="80000"/>
-            </a:schemeClr>
-          </a:solidFill>
-        </p:spPr>
-        <p:style>
-          <a:lnRef idx="1">
-            <a:schemeClr val="accent6"/>
-          </a:lnRef>
-          <a:fillRef idx="2">
-            <a:schemeClr val="accent6"/>
-          </a:fillRef>
-          <a:effectRef idx="1">
-            <a:schemeClr val="accent6"/>
-          </a:effectRef>
-          <a:fontRef idx="minor">
-            <a:schemeClr val="dk1"/>
-          </a:fontRef>
-        </p:style>
-        <p:txBody>
-          <a:bodyPr lIns="36000" tIns="36000" rIns="36000" bIns="36000" rtlCol="0" anchor="ctr"/>
-          <a:lstStyle/>
-          <a:p>
-            <a:pPr algn="ctr"/>
-            <a:r>
-              <a:rPr kumimoji="1" lang="ja-JP" altLang="en-US" sz="1000" dirty="0"/>
-              <a:t>スレッド</a:t>
-            </a:r>
-          </a:p>
-        </p:txBody>
-      </p:sp>
-      <p:sp>
-        <p:nvSpPr>
-          <p:cNvPr id="20" name="楕円 19">
-            <a:extLst>
-              <a:ext uri="{FF2B5EF4-FFF2-40B4-BE49-F238E27FC236}">
-                <a16:creationId xmlns:a16="http://schemas.microsoft.com/office/drawing/2014/main" id="{C66BD3E3-5FAA-3CE1-B570-0E6A50F31463}"/>
-              </a:ext>
-            </a:extLst>
-          </p:cNvPr>
-          <p:cNvSpPr/>
-          <p:nvPr/>
-        </p:nvSpPr>
-        <p:spPr>
-          <a:xfrm>
-            <a:off x="10621271" y="5270442"/>
-            <a:ext cx="833569" cy="399103"/>
-          </a:xfrm>
-          <a:prstGeom prst="ellipse">
-            <a:avLst/>
-          </a:prstGeom>
-          <a:solidFill>
-            <a:schemeClr val="accent5">
-              <a:lumMod val="20000"/>
-              <a:lumOff val="80000"/>
-            </a:schemeClr>
-          </a:solidFill>
-        </p:spPr>
-        <p:style>
-          <a:lnRef idx="1">
-            <a:schemeClr val="accent6"/>
-          </a:lnRef>
-          <a:fillRef idx="2">
-            <a:schemeClr val="accent6"/>
-          </a:fillRef>
-          <a:effectRef idx="1">
-            <a:schemeClr val="accent6"/>
-          </a:effectRef>
-          <a:fontRef idx="minor">
-            <a:schemeClr val="dk1"/>
-          </a:fontRef>
-        </p:style>
-        <p:txBody>
-          <a:bodyPr lIns="36000" tIns="36000" rIns="36000" bIns="36000" rtlCol="0" anchor="ctr"/>
-          <a:lstStyle/>
-          <a:p>
-            <a:pPr algn="ctr"/>
-            <a:r>
-              <a:rPr kumimoji="1" lang="ja-JP" altLang="en-US" sz="1000" dirty="0"/>
-              <a:t>スレッド</a:t>
-            </a:r>
-          </a:p>
-        </p:txBody>
-      </p:sp>
-    </p:spTree>
-    <p:extLst>
-      <p:ext uri="{BB962C8B-B14F-4D97-AF65-F5344CB8AC3E}">
-        <p14:creationId xmlns:p14="http://schemas.microsoft.com/office/powerpoint/2010/main" val="2938674263"/>
-      </p:ext>
-    </p:extLst>
-  </p:cSld>
-  <p:clrMapOvr>
-    <a:masterClrMapping/>
-  </p:clrMapOvr>
-</p:sld>
-</file>
-
-<file path=ppt/slides/slide20.xml><?xml version="1.0" encoding="utf-8"?>
-<p:sld xmlns:a="http://schemas.openxmlformats.org/drawingml/2006/main" xmlns:r="http://schemas.openxmlformats.org/officeDocument/2006/relationships" xmlns:p="http://schemas.openxmlformats.org/presentationml/2006/main">
-  <p:cSld>
-    <p:spTree>
-      <p:nvGrpSpPr>
-        <p:cNvPr id="1" name=""/>
-        <p:cNvGrpSpPr/>
-        <p:nvPr/>
-      </p:nvGrpSpPr>
-      <p:grpSpPr>
-        <a:xfrm>
-          <a:off x="0" y="0"/>
-          <a:ext cx="0" cy="0"/>
-          <a:chOff x="0" y="0"/>
-          <a:chExt cx="0" cy="0"/>
-        </a:xfrm>
-      </p:grpSpPr>
-      <p:sp>
-        <p:nvSpPr>
-          <p:cNvPr id="2" name="タイトル 1">
-            <a:extLst>
-              <a:ext uri="{FF2B5EF4-FFF2-40B4-BE49-F238E27FC236}">
-                <a16:creationId xmlns:a16="http://schemas.microsoft.com/office/drawing/2014/main" id="{91FC22FA-07B8-1309-3A13-D03A2C62CA9B}"/>
-              </a:ext>
-            </a:extLst>
-          </p:cNvPr>
-          <p:cNvSpPr>
-            <a:spLocks noGrp="1"/>
-          </p:cNvSpPr>
-          <p:nvPr>
-            <p:ph type="title"/>
-          </p:nvPr>
-        </p:nvSpPr>
-        <p:spPr/>
-        <p:txBody>
-          <a:bodyPr/>
-          <a:lstStyle/>
-          <a:p>
-            <a:endParaRPr kumimoji="1" lang="ja-JP" altLang="en-US"/>
-          </a:p>
-        </p:txBody>
-      </p:sp>
-      <p:sp>
-        <p:nvSpPr>
-          <p:cNvPr id="3" name="スライド番号プレースホルダー 2">
-            <a:extLst>
-              <a:ext uri="{FF2B5EF4-FFF2-40B4-BE49-F238E27FC236}">
-                <a16:creationId xmlns:a16="http://schemas.microsoft.com/office/drawing/2014/main" id="{C7054042-75BA-07FE-3EEC-54628AB0EFCB}"/>
-              </a:ext>
-            </a:extLst>
-          </p:cNvPr>
-          <p:cNvSpPr>
-            <a:spLocks noGrp="1"/>
-          </p:cNvSpPr>
-          <p:nvPr>
-            <p:ph type="sldNum" sz="quarter" idx="10"/>
-          </p:nvPr>
-        </p:nvSpPr>
-        <p:spPr/>
-        <p:txBody>
-          <a:bodyPr/>
-          <a:lstStyle/>
-          <a:p>
-            <a:fld id="{6C25B416-2A59-467F-9B4B-B66C83B82743}" type="slidenum">
-              <a:rPr kumimoji="1" lang="ja-JP" altLang="en-US" smtClean="0"/>
-              <a:pPr/>
-              <a:t>20</a:t>
+              <a:t>21</a:t>
             </a:fld>
             <a:endParaRPr kumimoji="1" lang="ja-JP" altLang="en-US"/>
           </a:p>
@@ -21508,9 +21897,7 @@
           </a:prstGeom>
           <a:ln>
             <a:solidFill>
-              <a:schemeClr val="accent3">
-                <a:lumMod val="75000"/>
-              </a:schemeClr>
+              <a:schemeClr val="accent3"/>
             </a:solidFill>
             <a:prstDash val="solid"/>
             <a:tailEnd type="oval"/>
@@ -21672,7 +22059,7 @@
 </p:sld>
 </file>
 
-<file path=ppt/slides/slide21.xml><?xml version="1.0" encoding="utf-8"?>
+<file path=ppt/slides/slide22.xml><?xml version="1.0" encoding="utf-8"?>
 <p:sld xmlns:a="http://schemas.openxmlformats.org/drawingml/2006/main" xmlns:r="http://schemas.openxmlformats.org/officeDocument/2006/relationships" xmlns:p="http://schemas.openxmlformats.org/presentationml/2006/main">
   <p:cSld>
     <p:spTree>
@@ -21783,7 +22170,7 @@
             <a:fld id="{6C25B416-2A59-467F-9B4B-B66C83B82743}" type="slidenum">
               <a:rPr kumimoji="1" lang="ja-JP" altLang="en-US" smtClean="0"/>
               <a:pPr/>
-              <a:t>21</a:t>
+              <a:t>22</a:t>
             </a:fld>
             <a:endParaRPr kumimoji="1" lang="ja-JP" altLang="en-US"/>
           </a:p>
@@ -23156,122 +23543,6 @@
 </p:sld>
 </file>
 
-<file path=ppt/slides/slide22.xml><?xml version="1.0" encoding="utf-8"?>
-<p:sld xmlns:a="http://schemas.openxmlformats.org/drawingml/2006/main" xmlns:r="http://schemas.openxmlformats.org/officeDocument/2006/relationships" xmlns:p="http://schemas.openxmlformats.org/presentationml/2006/main">
-  <p:cSld>
-    <p:spTree>
-      <p:nvGrpSpPr>
-        <p:cNvPr id="1" name=""/>
-        <p:cNvGrpSpPr/>
-        <p:nvPr/>
-      </p:nvGrpSpPr>
-      <p:grpSpPr>
-        <a:xfrm>
-          <a:off x="0" y="0"/>
-          <a:ext cx="0" cy="0"/>
-          <a:chOff x="0" y="0"/>
-          <a:chExt cx="0" cy="0"/>
-        </a:xfrm>
-      </p:grpSpPr>
-      <p:sp>
-        <p:nvSpPr>
-          <p:cNvPr id="2" name="タイトル 1">
-            <a:extLst>
-              <a:ext uri="{FF2B5EF4-FFF2-40B4-BE49-F238E27FC236}">
-                <a16:creationId xmlns:a16="http://schemas.microsoft.com/office/drawing/2014/main" id="{5C500768-26C0-E8E3-114E-C08BC0F3E912}"/>
-              </a:ext>
-            </a:extLst>
-          </p:cNvPr>
-          <p:cNvSpPr>
-            <a:spLocks noGrp="1"/>
-          </p:cNvSpPr>
-          <p:nvPr>
-            <p:ph type="title"/>
-          </p:nvPr>
-        </p:nvSpPr>
-        <p:spPr/>
-        <p:txBody>
-          <a:bodyPr/>
-          <a:lstStyle/>
-          <a:p>
-            <a:r>
-              <a:rPr kumimoji="1" lang="en-US" altLang="ja-JP" dirty="0"/>
-              <a:t>Web </a:t>
-            </a:r>
-            <a:r>
-              <a:rPr kumimoji="1" lang="ja-JP" altLang="en-US" dirty="0"/>
-              <a:t>アプリ</a:t>
-            </a:r>
-          </a:p>
-        </p:txBody>
-      </p:sp>
-      <p:sp>
-        <p:nvSpPr>
-          <p:cNvPr id="3" name="テキスト プレースホルダー 2">
-            <a:extLst>
-              <a:ext uri="{FF2B5EF4-FFF2-40B4-BE49-F238E27FC236}">
-                <a16:creationId xmlns:a16="http://schemas.microsoft.com/office/drawing/2014/main" id="{09D1B045-AA38-2BC7-F3E8-CF6703D6770B}"/>
-              </a:ext>
-            </a:extLst>
-          </p:cNvPr>
-          <p:cNvSpPr>
-            <a:spLocks noGrp="1"/>
-          </p:cNvSpPr>
-          <p:nvPr>
-            <p:ph type="body" idx="1"/>
-          </p:nvPr>
-        </p:nvSpPr>
-        <p:spPr/>
-        <p:txBody>
-          <a:bodyPr/>
-          <a:lstStyle/>
-          <a:p>
-            <a:endParaRPr kumimoji="1" lang="ja-JP" altLang="en-US"/>
-          </a:p>
-        </p:txBody>
-      </p:sp>
-      <p:sp>
-        <p:nvSpPr>
-          <p:cNvPr id="4" name="スライド番号プレースホルダー 3">
-            <a:extLst>
-              <a:ext uri="{FF2B5EF4-FFF2-40B4-BE49-F238E27FC236}">
-                <a16:creationId xmlns:a16="http://schemas.microsoft.com/office/drawing/2014/main" id="{5E767109-1927-EA2E-EED9-B3BE79B8B186}"/>
-              </a:ext>
-            </a:extLst>
-          </p:cNvPr>
-          <p:cNvSpPr>
-            <a:spLocks noGrp="1"/>
-          </p:cNvSpPr>
-          <p:nvPr>
-            <p:ph type="sldNum" sz="quarter" idx="12"/>
-          </p:nvPr>
-        </p:nvSpPr>
-        <p:spPr/>
-        <p:txBody>
-          <a:bodyPr/>
-          <a:lstStyle/>
-          <a:p>
-            <a:fld id="{6C25B416-2A59-467F-9B4B-B66C83B82743}" type="slidenum">
-              <a:rPr kumimoji="1" lang="ja-JP" altLang="en-US" smtClean="0"/>
-              <a:t>22</a:t>
-            </a:fld>
-            <a:endParaRPr kumimoji="1" lang="ja-JP" altLang="en-US"/>
-          </a:p>
-        </p:txBody>
-      </p:sp>
-    </p:spTree>
-    <p:extLst>
-      <p:ext uri="{BB962C8B-B14F-4D97-AF65-F5344CB8AC3E}">
-        <p14:creationId xmlns:p14="http://schemas.microsoft.com/office/powerpoint/2010/main" val="1392624115"/>
-      </p:ext>
-    </p:extLst>
-  </p:cSld>
-  <p:clrMapOvr>
-    <a:masterClrMapping/>
-  </p:clrMapOvr>
-</p:sld>
-</file>
-
 <file path=ppt/slides/slide23.xml><?xml version="1.0" encoding="utf-8"?>
 <p:sld xmlns:a="http://schemas.openxmlformats.org/drawingml/2006/main" xmlns:r="http://schemas.openxmlformats.org/officeDocument/2006/relationships" xmlns:p="http://schemas.openxmlformats.org/presentationml/2006/main">
   <p:cSld>
@@ -23294,7 +23565,7 @@
           <p:cNvPr id="2" name="タイトル 1">
             <a:extLst>
               <a:ext uri="{FF2B5EF4-FFF2-40B4-BE49-F238E27FC236}">
-                <a16:creationId xmlns:a16="http://schemas.microsoft.com/office/drawing/2014/main" id="{12F304BD-11DF-70A5-63A8-D94A26440E96}"/>
+                <a16:creationId xmlns:a16="http://schemas.microsoft.com/office/drawing/2014/main" id="{5C500768-26C0-E8E3-114E-C08BC0F3E912}"/>
               </a:ext>
             </a:extLst>
           </p:cNvPr>
@@ -23310,6 +23581,122 @@
           <a:bodyPr/>
           <a:lstStyle/>
           <a:p>
+            <a:r>
+              <a:rPr kumimoji="1" lang="en-US" altLang="ja-JP" dirty="0"/>
+              <a:t>Web </a:t>
+            </a:r>
+            <a:r>
+              <a:rPr kumimoji="1" lang="ja-JP" altLang="en-US" dirty="0"/>
+              <a:t>アプリ</a:t>
+            </a:r>
+          </a:p>
+        </p:txBody>
+      </p:sp>
+      <p:sp>
+        <p:nvSpPr>
+          <p:cNvPr id="3" name="テキスト プレースホルダー 2">
+            <a:extLst>
+              <a:ext uri="{FF2B5EF4-FFF2-40B4-BE49-F238E27FC236}">
+                <a16:creationId xmlns:a16="http://schemas.microsoft.com/office/drawing/2014/main" id="{09D1B045-AA38-2BC7-F3E8-CF6703D6770B}"/>
+              </a:ext>
+            </a:extLst>
+          </p:cNvPr>
+          <p:cNvSpPr>
+            <a:spLocks noGrp="1"/>
+          </p:cNvSpPr>
+          <p:nvPr>
+            <p:ph type="body" idx="1"/>
+          </p:nvPr>
+        </p:nvSpPr>
+        <p:spPr/>
+        <p:txBody>
+          <a:bodyPr/>
+          <a:lstStyle/>
+          <a:p>
+            <a:endParaRPr kumimoji="1" lang="ja-JP" altLang="en-US"/>
+          </a:p>
+        </p:txBody>
+      </p:sp>
+      <p:sp>
+        <p:nvSpPr>
+          <p:cNvPr id="4" name="スライド番号プレースホルダー 3">
+            <a:extLst>
+              <a:ext uri="{FF2B5EF4-FFF2-40B4-BE49-F238E27FC236}">
+                <a16:creationId xmlns:a16="http://schemas.microsoft.com/office/drawing/2014/main" id="{5E767109-1927-EA2E-EED9-B3BE79B8B186}"/>
+              </a:ext>
+            </a:extLst>
+          </p:cNvPr>
+          <p:cNvSpPr>
+            <a:spLocks noGrp="1"/>
+          </p:cNvSpPr>
+          <p:nvPr>
+            <p:ph type="sldNum" sz="quarter" idx="12"/>
+          </p:nvPr>
+        </p:nvSpPr>
+        <p:spPr/>
+        <p:txBody>
+          <a:bodyPr/>
+          <a:lstStyle/>
+          <a:p>
+            <a:fld id="{6C25B416-2A59-467F-9B4B-B66C83B82743}" type="slidenum">
+              <a:rPr kumimoji="1" lang="ja-JP" altLang="en-US" smtClean="0"/>
+              <a:t>23</a:t>
+            </a:fld>
+            <a:endParaRPr kumimoji="1" lang="ja-JP" altLang="en-US"/>
+          </a:p>
+        </p:txBody>
+      </p:sp>
+    </p:spTree>
+    <p:extLst>
+      <p:ext uri="{BB962C8B-B14F-4D97-AF65-F5344CB8AC3E}">
+        <p14:creationId xmlns:p14="http://schemas.microsoft.com/office/powerpoint/2010/main" val="1392624115"/>
+      </p:ext>
+    </p:extLst>
+  </p:cSld>
+  <p:clrMapOvr>
+    <a:masterClrMapping/>
+  </p:clrMapOvr>
+</p:sld>
+</file>
+
+<file path=ppt/slides/slide24.xml><?xml version="1.0" encoding="utf-8"?>
+<p:sld xmlns:a="http://schemas.openxmlformats.org/drawingml/2006/main" xmlns:r="http://schemas.openxmlformats.org/officeDocument/2006/relationships" xmlns:p="http://schemas.openxmlformats.org/presentationml/2006/main">
+  <p:cSld>
+    <p:spTree>
+      <p:nvGrpSpPr>
+        <p:cNvPr id="1" name=""/>
+        <p:cNvGrpSpPr/>
+        <p:nvPr/>
+      </p:nvGrpSpPr>
+      <p:grpSpPr>
+        <a:xfrm>
+          <a:off x="0" y="0"/>
+          <a:ext cx="0" cy="0"/>
+          <a:chOff x="0" y="0"/>
+          <a:chExt cx="0" cy="0"/>
+        </a:xfrm>
+      </p:grpSpPr>
+      <p:sp>
+        <p:nvSpPr>
+          <p:cNvPr id="2" name="タイトル 1">
+            <a:extLst>
+              <a:ext uri="{FF2B5EF4-FFF2-40B4-BE49-F238E27FC236}">
+                <a16:creationId xmlns:a16="http://schemas.microsoft.com/office/drawing/2014/main" id="{12F304BD-11DF-70A5-63A8-D94A26440E96}"/>
+              </a:ext>
+            </a:extLst>
+          </p:cNvPr>
+          <p:cNvSpPr>
+            <a:spLocks noGrp="1"/>
+          </p:cNvSpPr>
+          <p:nvPr>
+            <p:ph type="title"/>
+          </p:nvPr>
+        </p:nvSpPr>
+        <p:spPr/>
+        <p:txBody>
+          <a:bodyPr/>
+          <a:lstStyle/>
+          <a:p>
             <a:endParaRPr kumimoji="1" lang="ja-JP" altLang="en-US"/>
           </a:p>
         </p:txBody>
@@ -23338,7 +23725,7 @@
             <a:fld id="{6C25B416-2A59-467F-9B4B-B66C83B82743}" type="slidenum">
               <a:rPr kumimoji="1" lang="ja-JP" altLang="en-US" smtClean="0"/>
               <a:pPr/>
-              <a:t>23</a:t>
+              <a:t>24</a:t>
             </a:fld>
             <a:endParaRPr kumimoji="1" lang="ja-JP" altLang="en-US"/>
           </a:p>
@@ -25134,7 +25521,7 @@
 </p:sld>
 </file>
 
-<file path=ppt/slides/slide24.xml><?xml version="1.0" encoding="utf-8"?>
+<file path=ppt/slides/slide25.xml><?xml version="1.0" encoding="utf-8"?>
 <p:sld xmlns:a="http://schemas.openxmlformats.org/drawingml/2006/main" xmlns:r="http://schemas.openxmlformats.org/officeDocument/2006/relationships" xmlns:p="http://schemas.openxmlformats.org/presentationml/2006/main">
   <p:cSld>
     <p:spTree>
@@ -25200,7 +25587,7 @@
             <a:fld id="{6C25B416-2A59-467F-9B4B-B66C83B82743}" type="slidenum">
               <a:rPr kumimoji="1" lang="ja-JP" altLang="en-US" smtClean="0"/>
               <a:pPr/>
-              <a:t>24</a:t>
+              <a:t>25</a:t>
             </a:fld>
             <a:endParaRPr kumimoji="1" lang="ja-JP" altLang="en-US"/>
           </a:p>
@@ -26312,7 +26699,7 @@
 </p:sld>
 </file>
 
-<file path=ppt/slides/slide25.xml><?xml version="1.0" encoding="utf-8"?>
+<file path=ppt/slides/slide26.xml><?xml version="1.0" encoding="utf-8"?>
 <p:sld xmlns:a="http://schemas.openxmlformats.org/drawingml/2006/main" xmlns:r="http://schemas.openxmlformats.org/officeDocument/2006/relationships" xmlns:p="http://schemas.openxmlformats.org/presentationml/2006/main">
   <p:cSld>
     <p:spTree>
@@ -26378,7 +26765,7 @@
             <a:fld id="{6C25B416-2A59-467F-9B4B-B66C83B82743}" type="slidenum">
               <a:rPr kumimoji="1" lang="ja-JP" altLang="en-US" smtClean="0"/>
               <a:pPr/>
-              <a:t>25</a:t>
+              <a:t>26</a:t>
             </a:fld>
             <a:endParaRPr kumimoji="1" lang="ja-JP" altLang="en-US"/>
           </a:p>
@@ -27645,748 +28032,6 @@
 </p:sld>
 </file>
 
-<file path=ppt/slides/slide26.xml><?xml version="1.0" encoding="utf-8"?>
-<p:sld xmlns:a="http://schemas.openxmlformats.org/drawingml/2006/main" xmlns:r="http://schemas.openxmlformats.org/officeDocument/2006/relationships" xmlns:p="http://schemas.openxmlformats.org/presentationml/2006/main">
-  <p:cSld>
-    <p:spTree>
-      <p:nvGrpSpPr>
-        <p:cNvPr id="1" name=""/>
-        <p:cNvGrpSpPr/>
-        <p:nvPr/>
-      </p:nvGrpSpPr>
-      <p:grpSpPr>
-        <a:xfrm>
-          <a:off x="0" y="0"/>
-          <a:ext cx="0" cy="0"/>
-          <a:chOff x="0" y="0"/>
-          <a:chExt cx="0" cy="0"/>
-        </a:xfrm>
-      </p:grpSpPr>
-      <p:sp>
-        <p:nvSpPr>
-          <p:cNvPr id="2" name="タイトル 1">
-            <a:extLst>
-              <a:ext uri="{FF2B5EF4-FFF2-40B4-BE49-F238E27FC236}">
-                <a16:creationId xmlns:a16="http://schemas.microsoft.com/office/drawing/2014/main" id="{6173F3EB-DA58-A6E4-48DA-7F7B0203DE7F}"/>
-              </a:ext>
-            </a:extLst>
-          </p:cNvPr>
-          <p:cNvSpPr>
-            <a:spLocks noGrp="1"/>
-          </p:cNvSpPr>
-          <p:nvPr>
-            <p:ph type="title"/>
-          </p:nvPr>
-        </p:nvSpPr>
-        <p:spPr/>
-        <p:txBody>
-          <a:bodyPr/>
-          <a:lstStyle/>
-          <a:p>
-            <a:endParaRPr kumimoji="1" lang="ja-JP" altLang="en-US"/>
-          </a:p>
-        </p:txBody>
-      </p:sp>
-      <p:sp>
-        <p:nvSpPr>
-          <p:cNvPr id="3" name="スライド番号プレースホルダー 2">
-            <a:extLst>
-              <a:ext uri="{FF2B5EF4-FFF2-40B4-BE49-F238E27FC236}">
-                <a16:creationId xmlns:a16="http://schemas.microsoft.com/office/drawing/2014/main" id="{78862844-EC64-F3B4-C29C-E72761884B05}"/>
-              </a:ext>
-            </a:extLst>
-          </p:cNvPr>
-          <p:cNvSpPr>
-            <a:spLocks noGrp="1"/>
-          </p:cNvSpPr>
-          <p:nvPr>
-            <p:ph type="sldNum" sz="quarter" idx="10"/>
-          </p:nvPr>
-        </p:nvSpPr>
-        <p:spPr/>
-        <p:txBody>
-          <a:bodyPr/>
-          <a:lstStyle/>
-          <a:p>
-            <a:fld id="{6C25B416-2A59-467F-9B4B-B66C83B82743}" type="slidenum">
-              <a:rPr kumimoji="1" lang="ja-JP" altLang="en-US" smtClean="0"/>
-              <a:pPr/>
-              <a:t>26</a:t>
-            </a:fld>
-            <a:endParaRPr kumimoji="1" lang="ja-JP" altLang="en-US"/>
-          </a:p>
-        </p:txBody>
-      </p:sp>
-      <p:sp>
-        <p:nvSpPr>
-          <p:cNvPr id="4" name="コンテンツ プレースホルダー 3">
-            <a:extLst>
-              <a:ext uri="{FF2B5EF4-FFF2-40B4-BE49-F238E27FC236}">
-                <a16:creationId xmlns:a16="http://schemas.microsoft.com/office/drawing/2014/main" id="{C31F489D-2082-3505-ACFB-B13F92FDA27D}"/>
-              </a:ext>
-            </a:extLst>
-          </p:cNvPr>
-          <p:cNvSpPr>
-            <a:spLocks noGrp="1"/>
-          </p:cNvSpPr>
-          <p:nvPr>
-            <p:ph sz="quarter" idx="13"/>
-          </p:nvPr>
-        </p:nvSpPr>
-        <p:spPr/>
-        <p:txBody>
-          <a:bodyPr/>
-          <a:lstStyle/>
-          <a:p>
-            <a:endParaRPr kumimoji="1" lang="ja-JP" altLang="en-US"/>
-          </a:p>
-        </p:txBody>
-      </p:sp>
-      <p:sp>
-        <p:nvSpPr>
-          <p:cNvPr id="5" name="テキスト プレースホルダー 4">
-            <a:extLst>
-              <a:ext uri="{FF2B5EF4-FFF2-40B4-BE49-F238E27FC236}">
-                <a16:creationId xmlns:a16="http://schemas.microsoft.com/office/drawing/2014/main" id="{3F5A6F11-442A-F1E9-FF5E-6475C641367A}"/>
-              </a:ext>
-            </a:extLst>
-          </p:cNvPr>
-          <p:cNvSpPr>
-            <a:spLocks noGrp="1"/>
-          </p:cNvSpPr>
-          <p:nvPr>
-            <p:ph type="body" sz="quarter" idx="14"/>
-          </p:nvPr>
-        </p:nvSpPr>
-        <p:spPr/>
-        <p:txBody>
-          <a:bodyPr/>
-          <a:lstStyle/>
-          <a:p>
-            <a:endParaRPr kumimoji="1" lang="ja-JP" altLang="en-US"/>
-          </a:p>
-        </p:txBody>
-      </p:sp>
-      <p:pic>
-        <p:nvPicPr>
-          <p:cNvPr id="6" name="グラフィックス 5">
-            <a:extLst>
-              <a:ext uri="{FF2B5EF4-FFF2-40B4-BE49-F238E27FC236}">
-                <a16:creationId xmlns:a16="http://schemas.microsoft.com/office/drawing/2014/main" id="{14FD97F2-FB9D-C0AB-5964-199F67082795}"/>
-              </a:ext>
-            </a:extLst>
-          </p:cNvPr>
-          <p:cNvPicPr>
-            <a:picLocks noChangeAspect="1"/>
-          </p:cNvPicPr>
-          <p:nvPr/>
-        </p:nvPicPr>
-        <p:blipFill>
-          <a:blip r:embed="rId2">
-            <a:extLst>
-              <a:ext uri="{28A0092B-C50C-407E-A947-70E740481C1C}">
-                <a14:useLocalDpi xmlns:a14="http://schemas.microsoft.com/office/drawing/2010/main" val="0"/>
-              </a:ext>
-              <a:ext uri="{96DAC541-7B7A-43D3-8B79-37D633B846F1}">
-                <asvg:svgBlip xmlns:asvg="http://schemas.microsoft.com/office/drawing/2016/SVG/main" r:embed="rId3"/>
-              </a:ext>
-            </a:extLst>
-          </a:blip>
-          <a:stretch>
-            <a:fillRect/>
-          </a:stretch>
-        </p:blipFill>
-        <p:spPr>
-          <a:xfrm>
-            <a:off x="6058692" y="4630720"/>
-            <a:ext cx="621033" cy="621033"/>
-          </a:xfrm>
-          <a:prstGeom prst="rect">
-            <a:avLst/>
-          </a:prstGeom>
-        </p:spPr>
-      </p:pic>
-      <p:pic>
-        <p:nvPicPr>
-          <p:cNvPr id="7" name="グラフィックス 6">
-            <a:extLst>
-              <a:ext uri="{FF2B5EF4-FFF2-40B4-BE49-F238E27FC236}">
-                <a16:creationId xmlns:a16="http://schemas.microsoft.com/office/drawing/2014/main" id="{EE26DDE6-CD4B-95FB-4C10-9B86D374B609}"/>
-              </a:ext>
-            </a:extLst>
-          </p:cNvPr>
-          <p:cNvPicPr>
-            <a:picLocks noChangeAspect="1"/>
-          </p:cNvPicPr>
-          <p:nvPr/>
-        </p:nvPicPr>
-        <p:blipFill>
-          <a:blip r:embed="rId4">
-            <a:extLst>
-              <a:ext uri="{28A0092B-C50C-407E-A947-70E740481C1C}">
-                <a14:useLocalDpi xmlns:a14="http://schemas.microsoft.com/office/drawing/2010/main" val="0"/>
-              </a:ext>
-              <a:ext uri="{96DAC541-7B7A-43D3-8B79-37D633B846F1}">
-                <asvg:svgBlip xmlns:asvg="http://schemas.microsoft.com/office/drawing/2016/SVG/main" r:embed="rId5"/>
-              </a:ext>
-            </a:extLst>
-          </a:blip>
-          <a:stretch>
-            <a:fillRect/>
-          </a:stretch>
-        </p:blipFill>
-        <p:spPr>
-          <a:xfrm>
-            <a:off x="4741023" y="4630719"/>
-            <a:ext cx="543405" cy="621034"/>
-          </a:xfrm>
-          <a:prstGeom prst="rect">
-            <a:avLst/>
-          </a:prstGeom>
-        </p:spPr>
-      </p:pic>
-      <p:cxnSp>
-        <p:nvCxnSpPr>
-          <p:cNvPr id="8" name="直線矢印コネクタ 7">
-            <a:extLst>
-              <a:ext uri="{FF2B5EF4-FFF2-40B4-BE49-F238E27FC236}">
-                <a16:creationId xmlns:a16="http://schemas.microsoft.com/office/drawing/2014/main" id="{3CA57BAC-69FD-C45A-0A71-63063E8C323A}"/>
-              </a:ext>
-            </a:extLst>
-          </p:cNvPr>
-          <p:cNvCxnSpPr/>
-          <p:nvPr/>
-        </p:nvCxnSpPr>
-        <p:spPr>
-          <a:xfrm>
-            <a:off x="5389684" y="4852108"/>
-            <a:ext cx="578900" cy="0"/>
-          </a:xfrm>
-          <a:prstGeom prst="straightConnector1">
-            <a:avLst/>
-          </a:prstGeom>
-          <a:ln>
-            <a:tailEnd type="triangle"/>
-          </a:ln>
-        </p:spPr>
-        <p:style>
-          <a:lnRef idx="1">
-            <a:schemeClr val="accent1"/>
-          </a:lnRef>
-          <a:fillRef idx="0">
-            <a:schemeClr val="accent1"/>
-          </a:fillRef>
-          <a:effectRef idx="0">
-            <a:schemeClr val="accent1"/>
-          </a:effectRef>
-          <a:fontRef idx="minor">
-            <a:schemeClr val="tx1"/>
-          </a:fontRef>
-        </p:style>
-      </p:cxnSp>
-      <p:cxnSp>
-        <p:nvCxnSpPr>
-          <p:cNvPr id="9" name="直線矢印コネクタ 8">
-            <a:extLst>
-              <a:ext uri="{FF2B5EF4-FFF2-40B4-BE49-F238E27FC236}">
-                <a16:creationId xmlns:a16="http://schemas.microsoft.com/office/drawing/2014/main" id="{C51ADA48-0A1A-5D6F-B786-F654FE6F9A1F}"/>
-              </a:ext>
-            </a:extLst>
-          </p:cNvPr>
-          <p:cNvCxnSpPr/>
-          <p:nvPr/>
-        </p:nvCxnSpPr>
-        <p:spPr>
-          <a:xfrm>
-            <a:off x="5389684" y="4934658"/>
-            <a:ext cx="578900" cy="0"/>
-          </a:xfrm>
-          <a:prstGeom prst="straightConnector1">
-            <a:avLst/>
-          </a:prstGeom>
-          <a:ln>
-            <a:tailEnd type="triangle"/>
-          </a:ln>
-        </p:spPr>
-        <p:style>
-          <a:lnRef idx="1">
-            <a:schemeClr val="accent1"/>
-          </a:lnRef>
-          <a:fillRef idx="0">
-            <a:schemeClr val="accent1"/>
-          </a:fillRef>
-          <a:effectRef idx="0">
-            <a:schemeClr val="accent1"/>
-          </a:effectRef>
-          <a:fontRef idx="minor">
-            <a:schemeClr val="tx1"/>
-          </a:fontRef>
-        </p:style>
-      </p:cxnSp>
-      <p:cxnSp>
-        <p:nvCxnSpPr>
-          <p:cNvPr id="10" name="直線矢印コネクタ 9">
-            <a:extLst>
-              <a:ext uri="{FF2B5EF4-FFF2-40B4-BE49-F238E27FC236}">
-                <a16:creationId xmlns:a16="http://schemas.microsoft.com/office/drawing/2014/main" id="{35D88AD9-39C6-455E-5901-8A224D12BDD1}"/>
-              </a:ext>
-            </a:extLst>
-          </p:cNvPr>
-          <p:cNvCxnSpPr/>
-          <p:nvPr/>
-        </p:nvCxnSpPr>
-        <p:spPr>
-          <a:xfrm>
-            <a:off x="5388405" y="5013416"/>
-            <a:ext cx="578900" cy="0"/>
-          </a:xfrm>
-          <a:prstGeom prst="straightConnector1">
-            <a:avLst/>
-          </a:prstGeom>
-          <a:ln>
-            <a:tailEnd type="triangle"/>
-          </a:ln>
-        </p:spPr>
-        <p:style>
-          <a:lnRef idx="1">
-            <a:schemeClr val="accent1"/>
-          </a:lnRef>
-          <a:fillRef idx="0">
-            <a:schemeClr val="accent1"/>
-          </a:fillRef>
-          <a:effectRef idx="0">
-            <a:schemeClr val="accent1"/>
-          </a:effectRef>
-          <a:fontRef idx="minor">
-            <a:schemeClr val="tx1"/>
-          </a:fontRef>
-        </p:style>
-      </p:cxnSp>
-      <p:pic>
-        <p:nvPicPr>
-          <p:cNvPr id="11" name="グラフィックス 10">
-            <a:extLst>
-              <a:ext uri="{FF2B5EF4-FFF2-40B4-BE49-F238E27FC236}">
-                <a16:creationId xmlns:a16="http://schemas.microsoft.com/office/drawing/2014/main" id="{FA31B1FC-E161-78DB-2622-87B7D3656D36}"/>
-              </a:ext>
-            </a:extLst>
-          </p:cNvPr>
-          <p:cNvPicPr>
-            <a:picLocks noChangeAspect="1"/>
-          </p:cNvPicPr>
-          <p:nvPr/>
-        </p:nvPicPr>
-        <p:blipFill>
-          <a:blip r:embed="rId6">
-            <a:extLst>
-              <a:ext uri="{28A0092B-C50C-407E-A947-70E740481C1C}">
-                <a14:useLocalDpi xmlns:a14="http://schemas.microsoft.com/office/drawing/2010/main" val="0"/>
-              </a:ext>
-              <a:ext uri="{96DAC541-7B7A-43D3-8B79-37D633B846F1}">
-                <asvg:svgBlip xmlns:asvg="http://schemas.microsoft.com/office/drawing/2016/SVG/main" r:embed="rId7"/>
-              </a:ext>
-            </a:extLst>
-          </a:blip>
-          <a:stretch>
-            <a:fillRect/>
-          </a:stretch>
-        </p:blipFill>
-        <p:spPr>
-          <a:xfrm>
-            <a:off x="3016588" y="4386228"/>
-            <a:ext cx="247650" cy="304800"/>
-          </a:xfrm>
-          <a:prstGeom prst="rect">
-            <a:avLst/>
-          </a:prstGeom>
-        </p:spPr>
-      </p:pic>
-      <p:pic>
-        <p:nvPicPr>
-          <p:cNvPr id="12" name="グラフィックス 11">
-            <a:extLst>
-              <a:ext uri="{FF2B5EF4-FFF2-40B4-BE49-F238E27FC236}">
-                <a16:creationId xmlns:a16="http://schemas.microsoft.com/office/drawing/2014/main" id="{E50DF03C-5031-2964-9679-F2E420EF4C31}"/>
-              </a:ext>
-            </a:extLst>
-          </p:cNvPr>
-          <p:cNvPicPr>
-            <a:picLocks noChangeAspect="1"/>
-          </p:cNvPicPr>
-          <p:nvPr/>
-        </p:nvPicPr>
-        <p:blipFill>
-          <a:blip r:embed="rId6">
-            <a:extLst>
-              <a:ext uri="{28A0092B-C50C-407E-A947-70E740481C1C}">
-                <a14:useLocalDpi xmlns:a14="http://schemas.microsoft.com/office/drawing/2010/main" val="0"/>
-              </a:ext>
-              <a:ext uri="{96DAC541-7B7A-43D3-8B79-37D633B846F1}">
-                <asvg:svgBlip xmlns:asvg="http://schemas.microsoft.com/office/drawing/2016/SVG/main" r:embed="rId7"/>
-              </a:ext>
-            </a:extLst>
-          </a:blip>
-          <a:stretch>
-            <a:fillRect/>
-          </a:stretch>
-        </p:blipFill>
-        <p:spPr>
-          <a:xfrm>
-            <a:off x="3219788" y="4708616"/>
-            <a:ext cx="247650" cy="304800"/>
-          </a:xfrm>
-          <a:prstGeom prst="rect">
-            <a:avLst/>
-          </a:prstGeom>
-        </p:spPr>
-      </p:pic>
-      <p:pic>
-        <p:nvPicPr>
-          <p:cNvPr id="13" name="グラフィックス 12">
-            <a:extLst>
-              <a:ext uri="{FF2B5EF4-FFF2-40B4-BE49-F238E27FC236}">
-                <a16:creationId xmlns:a16="http://schemas.microsoft.com/office/drawing/2014/main" id="{FE96DF41-C77D-017B-4E43-3DDE4058365B}"/>
-              </a:ext>
-            </a:extLst>
-          </p:cNvPr>
-          <p:cNvPicPr>
-            <a:picLocks noChangeAspect="1"/>
-          </p:cNvPicPr>
-          <p:nvPr/>
-        </p:nvPicPr>
-        <p:blipFill>
-          <a:blip r:embed="rId6">
-            <a:extLst>
-              <a:ext uri="{28A0092B-C50C-407E-A947-70E740481C1C}">
-                <a14:useLocalDpi xmlns:a14="http://schemas.microsoft.com/office/drawing/2010/main" val="0"/>
-              </a:ext>
-              <a:ext uri="{96DAC541-7B7A-43D3-8B79-37D633B846F1}">
-                <asvg:svgBlip xmlns:asvg="http://schemas.microsoft.com/office/drawing/2016/SVG/main" r:embed="rId7"/>
-              </a:ext>
-            </a:extLst>
-          </a:blip>
-          <a:stretch>
-            <a:fillRect/>
-          </a:stretch>
-        </p:blipFill>
-        <p:spPr>
-          <a:xfrm>
-            <a:off x="3004576" y="5013416"/>
-            <a:ext cx="247650" cy="304800"/>
-          </a:xfrm>
-          <a:prstGeom prst="rect">
-            <a:avLst/>
-          </a:prstGeom>
-        </p:spPr>
-      </p:pic>
-      <p:pic>
-        <p:nvPicPr>
-          <p:cNvPr id="14" name="グラフィックス 13">
-            <a:extLst>
-              <a:ext uri="{FF2B5EF4-FFF2-40B4-BE49-F238E27FC236}">
-                <a16:creationId xmlns:a16="http://schemas.microsoft.com/office/drawing/2014/main" id="{1F49F506-710C-0EC3-639B-1A81243EED7D}"/>
-              </a:ext>
-            </a:extLst>
-          </p:cNvPr>
-          <p:cNvPicPr>
-            <a:picLocks noChangeAspect="1"/>
-          </p:cNvPicPr>
-          <p:nvPr/>
-        </p:nvPicPr>
-        <p:blipFill>
-          <a:blip r:embed="rId6">
-            <a:extLst>
-              <a:ext uri="{28A0092B-C50C-407E-A947-70E740481C1C}">
-                <a14:useLocalDpi xmlns:a14="http://schemas.microsoft.com/office/drawing/2010/main" val="0"/>
-              </a:ext>
-              <a:ext uri="{96DAC541-7B7A-43D3-8B79-37D633B846F1}">
-                <asvg:svgBlip xmlns:asvg="http://schemas.microsoft.com/office/drawing/2016/SVG/main" r:embed="rId7"/>
-              </a:ext>
-            </a:extLst>
-          </a:blip>
-          <a:stretch>
-            <a:fillRect/>
-          </a:stretch>
-        </p:blipFill>
-        <p:spPr>
-          <a:xfrm>
-            <a:off x="3327667" y="5251753"/>
-            <a:ext cx="247650" cy="304800"/>
-          </a:xfrm>
-          <a:prstGeom prst="rect">
-            <a:avLst/>
-          </a:prstGeom>
-        </p:spPr>
-      </p:pic>
-      <p:cxnSp>
-        <p:nvCxnSpPr>
-          <p:cNvPr id="15" name="直線矢印コネクタ 14">
-            <a:extLst>
-              <a:ext uri="{FF2B5EF4-FFF2-40B4-BE49-F238E27FC236}">
-                <a16:creationId xmlns:a16="http://schemas.microsoft.com/office/drawing/2014/main" id="{877B0D3B-A531-6073-3BBD-8451DA365F2C}"/>
-              </a:ext>
-            </a:extLst>
-          </p:cNvPr>
-          <p:cNvCxnSpPr>
-            <a:cxnSpLocks/>
-            <a:stCxn id="11" idx="3"/>
-            <a:endCxn id="7" idx="1"/>
-          </p:cNvCxnSpPr>
-          <p:nvPr/>
-        </p:nvCxnSpPr>
-        <p:spPr>
-          <a:xfrm>
-            <a:off x="3264238" y="4538628"/>
-            <a:ext cx="1476785" cy="402608"/>
-          </a:xfrm>
-          <a:prstGeom prst="straightConnector1">
-            <a:avLst/>
-          </a:prstGeom>
-          <a:ln>
-            <a:tailEnd type="triangle"/>
-          </a:ln>
-        </p:spPr>
-        <p:style>
-          <a:lnRef idx="1">
-            <a:schemeClr val="accent1"/>
-          </a:lnRef>
-          <a:fillRef idx="0">
-            <a:schemeClr val="accent1"/>
-          </a:fillRef>
-          <a:effectRef idx="0">
-            <a:schemeClr val="accent1"/>
-          </a:effectRef>
-          <a:fontRef idx="minor">
-            <a:schemeClr val="tx1"/>
-          </a:fontRef>
-        </p:style>
-      </p:cxnSp>
-      <p:cxnSp>
-        <p:nvCxnSpPr>
-          <p:cNvPr id="16" name="直線矢印コネクタ 15">
-            <a:extLst>
-              <a:ext uri="{FF2B5EF4-FFF2-40B4-BE49-F238E27FC236}">
-                <a16:creationId xmlns:a16="http://schemas.microsoft.com/office/drawing/2014/main" id="{C917B397-B744-A7B1-A67F-978951722298}"/>
-              </a:ext>
-            </a:extLst>
-          </p:cNvPr>
-          <p:cNvCxnSpPr>
-            <a:cxnSpLocks/>
-            <a:stCxn id="12" idx="3"/>
-            <a:endCxn id="7" idx="1"/>
-          </p:cNvCxnSpPr>
-          <p:nvPr/>
-        </p:nvCxnSpPr>
-        <p:spPr>
-          <a:xfrm>
-            <a:off x="3467438" y="4861016"/>
-            <a:ext cx="1273585" cy="80220"/>
-          </a:xfrm>
-          <a:prstGeom prst="straightConnector1">
-            <a:avLst/>
-          </a:prstGeom>
-          <a:ln>
-            <a:tailEnd type="triangle"/>
-          </a:ln>
-        </p:spPr>
-        <p:style>
-          <a:lnRef idx="1">
-            <a:schemeClr val="accent1"/>
-          </a:lnRef>
-          <a:fillRef idx="0">
-            <a:schemeClr val="accent1"/>
-          </a:fillRef>
-          <a:effectRef idx="0">
-            <a:schemeClr val="accent1"/>
-          </a:effectRef>
-          <a:fontRef idx="minor">
-            <a:schemeClr val="tx1"/>
-          </a:fontRef>
-        </p:style>
-      </p:cxnSp>
-      <p:cxnSp>
-        <p:nvCxnSpPr>
-          <p:cNvPr id="17" name="直線矢印コネクタ 16">
-            <a:extLst>
-              <a:ext uri="{FF2B5EF4-FFF2-40B4-BE49-F238E27FC236}">
-                <a16:creationId xmlns:a16="http://schemas.microsoft.com/office/drawing/2014/main" id="{C7640E3B-0700-88B1-009A-D6C04DE861E5}"/>
-              </a:ext>
-            </a:extLst>
-          </p:cNvPr>
-          <p:cNvCxnSpPr>
-            <a:cxnSpLocks/>
-            <a:stCxn id="13" idx="3"/>
-            <a:endCxn id="7" idx="1"/>
-          </p:cNvCxnSpPr>
-          <p:nvPr/>
-        </p:nvCxnSpPr>
-        <p:spPr>
-          <a:xfrm flipV="1">
-            <a:off x="3252226" y="4941236"/>
-            <a:ext cx="1488797" cy="224580"/>
-          </a:xfrm>
-          <a:prstGeom prst="straightConnector1">
-            <a:avLst/>
-          </a:prstGeom>
-          <a:ln>
-            <a:tailEnd type="triangle"/>
-          </a:ln>
-        </p:spPr>
-        <p:style>
-          <a:lnRef idx="1">
-            <a:schemeClr val="accent1"/>
-          </a:lnRef>
-          <a:fillRef idx="0">
-            <a:schemeClr val="accent1"/>
-          </a:fillRef>
-          <a:effectRef idx="0">
-            <a:schemeClr val="accent1"/>
-          </a:effectRef>
-          <a:fontRef idx="minor">
-            <a:schemeClr val="tx1"/>
-          </a:fontRef>
-        </p:style>
-      </p:cxnSp>
-      <p:cxnSp>
-        <p:nvCxnSpPr>
-          <p:cNvPr id="18" name="直線矢印コネクタ 17">
-            <a:extLst>
-              <a:ext uri="{FF2B5EF4-FFF2-40B4-BE49-F238E27FC236}">
-                <a16:creationId xmlns:a16="http://schemas.microsoft.com/office/drawing/2014/main" id="{BD545375-2E48-25E7-9EE8-AFB2634027A0}"/>
-              </a:ext>
-            </a:extLst>
-          </p:cNvPr>
-          <p:cNvCxnSpPr>
-            <a:cxnSpLocks/>
-            <a:stCxn id="14" idx="3"/>
-            <a:endCxn id="7" idx="1"/>
-          </p:cNvCxnSpPr>
-          <p:nvPr/>
-        </p:nvCxnSpPr>
-        <p:spPr>
-          <a:xfrm flipV="1">
-            <a:off x="3575317" y="4941236"/>
-            <a:ext cx="1165706" cy="462917"/>
-          </a:xfrm>
-          <a:prstGeom prst="straightConnector1">
-            <a:avLst/>
-          </a:prstGeom>
-          <a:ln>
-            <a:tailEnd type="triangle"/>
-          </a:ln>
-        </p:spPr>
-        <p:style>
-          <a:lnRef idx="1">
-            <a:schemeClr val="accent1"/>
-          </a:lnRef>
-          <a:fillRef idx="0">
-            <a:schemeClr val="accent1"/>
-          </a:fillRef>
-          <a:effectRef idx="0">
-            <a:schemeClr val="accent1"/>
-          </a:effectRef>
-          <a:fontRef idx="minor">
-            <a:schemeClr val="tx1"/>
-          </a:fontRef>
-        </p:style>
-      </p:cxnSp>
-      <p:sp>
-        <p:nvSpPr>
-          <p:cNvPr id="19" name="テキスト ボックス 18">
-            <a:extLst>
-              <a:ext uri="{FF2B5EF4-FFF2-40B4-BE49-F238E27FC236}">
-                <a16:creationId xmlns:a16="http://schemas.microsoft.com/office/drawing/2014/main" id="{AE9D3C72-670C-C771-4D37-61CEDF60597F}"/>
-              </a:ext>
-            </a:extLst>
-          </p:cNvPr>
-          <p:cNvSpPr txBox="1"/>
-          <p:nvPr/>
-        </p:nvSpPr>
-        <p:spPr>
-          <a:xfrm>
-            <a:off x="4658788" y="5318216"/>
-            <a:ext cx="494046" cy="261610"/>
-          </a:xfrm>
-          <a:prstGeom prst="rect">
-            <a:avLst/>
-          </a:prstGeom>
-          <a:noFill/>
-        </p:spPr>
-        <p:txBody>
-          <a:bodyPr wrap="none" rtlCol="0">
-            <a:spAutoFit/>
-          </a:bodyPr>
-          <a:lstStyle/>
-          <a:p>
-            <a:r>
-              <a:rPr kumimoji="1" lang="en-US" altLang="ja-JP" sz="1100" dirty="0">
-                <a:latin typeface="Meiryo UI" panose="020B0604030504040204" pitchFamily="50" charset="-128"/>
-                <a:ea typeface="Meiryo UI" panose="020B0604030504040204" pitchFamily="50" charset="-128"/>
-              </a:rPr>
-              <a:t>Web</a:t>
-            </a:r>
-            <a:endParaRPr kumimoji="1" lang="ja-JP" altLang="en-US" sz="1100" dirty="0">
-              <a:latin typeface="Meiryo UI" panose="020B0604030504040204" pitchFamily="50" charset="-128"/>
-              <a:ea typeface="Meiryo UI" panose="020B0604030504040204" pitchFamily="50" charset="-128"/>
-            </a:endParaRPr>
-          </a:p>
-        </p:txBody>
-      </p:sp>
-      <p:sp>
-        <p:nvSpPr>
-          <p:cNvPr id="20" name="テキスト ボックス 19">
-            <a:extLst>
-              <a:ext uri="{FF2B5EF4-FFF2-40B4-BE49-F238E27FC236}">
-                <a16:creationId xmlns:a16="http://schemas.microsoft.com/office/drawing/2014/main" id="{986402DF-EFBB-3779-D475-DAAD24B9CC01}"/>
-              </a:ext>
-            </a:extLst>
-          </p:cNvPr>
-          <p:cNvSpPr txBox="1"/>
-          <p:nvPr/>
-        </p:nvSpPr>
-        <p:spPr>
-          <a:xfrm>
-            <a:off x="6058692" y="5307441"/>
-            <a:ext cx="453970" cy="261610"/>
-          </a:xfrm>
-          <a:prstGeom prst="rect">
-            <a:avLst/>
-          </a:prstGeom>
-          <a:noFill/>
-        </p:spPr>
-        <p:txBody>
-          <a:bodyPr wrap="none" rtlCol="0">
-            <a:spAutoFit/>
-          </a:bodyPr>
-          <a:lstStyle/>
-          <a:p>
-            <a:r>
-              <a:rPr kumimoji="1" lang="en-US" altLang="ja-JP" sz="1100" dirty="0">
-                <a:latin typeface="Meiryo UI" panose="020B0604030504040204" pitchFamily="50" charset="-128"/>
-                <a:ea typeface="Meiryo UI" panose="020B0604030504040204" pitchFamily="50" charset="-128"/>
-              </a:rPr>
-              <a:t>App</a:t>
-            </a:r>
-            <a:endParaRPr kumimoji="1" lang="ja-JP" altLang="en-US" sz="1100" dirty="0">
-              <a:latin typeface="Meiryo UI" panose="020B0604030504040204" pitchFamily="50" charset="-128"/>
-              <a:ea typeface="Meiryo UI" panose="020B0604030504040204" pitchFamily="50" charset="-128"/>
-            </a:endParaRPr>
-          </a:p>
-        </p:txBody>
-      </p:sp>
-    </p:spTree>
-    <p:extLst>
-      <p:ext uri="{BB962C8B-B14F-4D97-AF65-F5344CB8AC3E}">
-        <p14:creationId xmlns:p14="http://schemas.microsoft.com/office/powerpoint/2010/main" val="3261024853"/>
-      </p:ext>
-    </p:extLst>
-  </p:cSld>
-  <p:clrMapOvr>
-    <a:masterClrMapping/>
-  </p:clrMapOvr>
-</p:sld>
-</file>
-
 <file path=ppt/slides/slide27.xml><?xml version="1.0" encoding="utf-8"?>
 <p:sld xmlns:a="http://schemas.openxmlformats.org/drawingml/2006/main" xmlns:r="http://schemas.openxmlformats.org/officeDocument/2006/relationships" xmlns:p="http://schemas.openxmlformats.org/presentationml/2006/main">
   <p:cSld>
@@ -28409,7 +28054,7 @@
           <p:cNvPr id="2" name="タイトル 1">
             <a:extLst>
               <a:ext uri="{FF2B5EF4-FFF2-40B4-BE49-F238E27FC236}">
-                <a16:creationId xmlns:a16="http://schemas.microsoft.com/office/drawing/2014/main" id="{5C500768-26C0-E8E3-114E-C08BC0F3E912}"/>
+                <a16:creationId xmlns:a16="http://schemas.microsoft.com/office/drawing/2014/main" id="{6173F3EB-DA58-A6E4-48DA-7F7B0203DE7F}"/>
               </a:ext>
             </a:extLst>
           </p:cNvPr>
@@ -28425,24 +28070,16 @@
           <a:bodyPr/>
           <a:lstStyle/>
           <a:p>
-            <a:r>
-              <a:rPr lang="en-US" altLang="ja-JP" dirty="0"/>
-              <a:t>HTTP </a:t>
-            </a:r>
-            <a:r>
-              <a:rPr lang="ja-JP" altLang="en-US" dirty="0"/>
-              <a:t>サービス</a:t>
-            </a:r>
-            <a:endParaRPr kumimoji="1" lang="ja-JP" altLang="en-US" dirty="0"/>
+            <a:endParaRPr kumimoji="1" lang="ja-JP" altLang="en-US"/>
           </a:p>
         </p:txBody>
       </p:sp>
       <p:sp>
         <p:nvSpPr>
-          <p:cNvPr id="3" name="テキスト プレースホルダー 2">
-            <a:extLst>
-              <a:ext uri="{FF2B5EF4-FFF2-40B4-BE49-F238E27FC236}">
-                <a16:creationId xmlns:a16="http://schemas.microsoft.com/office/drawing/2014/main" id="{09D1B045-AA38-2BC7-F3E8-CF6703D6770B}"/>
+          <p:cNvPr id="3" name="スライド番号プレースホルダー 2">
+            <a:extLst>
+              <a:ext uri="{FF2B5EF4-FFF2-40B4-BE49-F238E27FC236}">
+                <a16:creationId xmlns:a16="http://schemas.microsoft.com/office/drawing/2014/main" id="{78862844-EC64-F3B4-C29C-E72761884B05}"/>
               </a:ext>
             </a:extLst>
           </p:cNvPr>
@@ -28450,7 +28087,7 @@
             <a:spLocks noGrp="1"/>
           </p:cNvSpPr>
           <p:nvPr>
-            <p:ph type="body" idx="1"/>
+            <p:ph type="sldNum" sz="quarter" idx="10"/>
           </p:nvPr>
         </p:nvSpPr>
         <p:spPr/>
@@ -28458,16 +28095,21 @@
           <a:bodyPr/>
           <a:lstStyle/>
           <a:p>
+            <a:fld id="{6C25B416-2A59-467F-9B4B-B66C83B82743}" type="slidenum">
+              <a:rPr kumimoji="1" lang="ja-JP" altLang="en-US" smtClean="0"/>
+              <a:pPr/>
+              <a:t>27</a:t>
+            </a:fld>
             <a:endParaRPr kumimoji="1" lang="ja-JP" altLang="en-US"/>
           </a:p>
         </p:txBody>
       </p:sp>
       <p:sp>
         <p:nvSpPr>
-          <p:cNvPr id="4" name="スライド番号プレースホルダー 3">
-            <a:extLst>
-              <a:ext uri="{FF2B5EF4-FFF2-40B4-BE49-F238E27FC236}">
-                <a16:creationId xmlns:a16="http://schemas.microsoft.com/office/drawing/2014/main" id="{5E767109-1927-EA2E-EED9-B3BE79B8B186}"/>
+          <p:cNvPr id="4" name="コンテンツ プレースホルダー 3">
+            <a:extLst>
+              <a:ext uri="{FF2B5EF4-FFF2-40B4-BE49-F238E27FC236}">
+                <a16:creationId xmlns:a16="http://schemas.microsoft.com/office/drawing/2014/main" id="{C31F489D-2082-3505-ACFB-B13F92FDA27D}"/>
               </a:ext>
             </a:extLst>
           </p:cNvPr>
@@ -28475,7 +28117,7 @@
             <a:spLocks noGrp="1"/>
           </p:cNvSpPr>
           <p:nvPr>
-            <p:ph type="sldNum" sz="quarter" idx="12"/>
+            <p:ph sz="quarter" idx="13"/>
           </p:nvPr>
         </p:nvSpPr>
         <p:spPr/>
@@ -28483,18 +28125,646 @@
           <a:bodyPr/>
           <a:lstStyle/>
           <a:p>
-            <a:fld id="{6C25B416-2A59-467F-9B4B-B66C83B82743}" type="slidenum">
-              <a:rPr kumimoji="1" lang="ja-JP" altLang="en-US" smtClean="0"/>
-              <a:t>27</a:t>
-            </a:fld>
             <a:endParaRPr kumimoji="1" lang="ja-JP" altLang="en-US"/>
+          </a:p>
+        </p:txBody>
+      </p:sp>
+      <p:sp>
+        <p:nvSpPr>
+          <p:cNvPr id="5" name="テキスト プレースホルダー 4">
+            <a:extLst>
+              <a:ext uri="{FF2B5EF4-FFF2-40B4-BE49-F238E27FC236}">
+                <a16:creationId xmlns:a16="http://schemas.microsoft.com/office/drawing/2014/main" id="{3F5A6F11-442A-F1E9-FF5E-6475C641367A}"/>
+              </a:ext>
+            </a:extLst>
+          </p:cNvPr>
+          <p:cNvSpPr>
+            <a:spLocks noGrp="1"/>
+          </p:cNvSpPr>
+          <p:nvPr>
+            <p:ph type="body" sz="quarter" idx="14"/>
+          </p:nvPr>
+        </p:nvSpPr>
+        <p:spPr/>
+        <p:txBody>
+          <a:bodyPr/>
+          <a:lstStyle/>
+          <a:p>
+            <a:endParaRPr kumimoji="1" lang="ja-JP" altLang="en-US"/>
+          </a:p>
+        </p:txBody>
+      </p:sp>
+      <p:pic>
+        <p:nvPicPr>
+          <p:cNvPr id="6" name="グラフィックス 5">
+            <a:extLst>
+              <a:ext uri="{FF2B5EF4-FFF2-40B4-BE49-F238E27FC236}">
+                <a16:creationId xmlns:a16="http://schemas.microsoft.com/office/drawing/2014/main" id="{14FD97F2-FB9D-C0AB-5964-199F67082795}"/>
+              </a:ext>
+            </a:extLst>
+          </p:cNvPr>
+          <p:cNvPicPr>
+            <a:picLocks noChangeAspect="1"/>
+          </p:cNvPicPr>
+          <p:nvPr/>
+        </p:nvPicPr>
+        <p:blipFill>
+          <a:blip r:embed="rId2">
+            <a:extLst>
+              <a:ext uri="{28A0092B-C50C-407E-A947-70E740481C1C}">
+                <a14:useLocalDpi xmlns:a14="http://schemas.microsoft.com/office/drawing/2010/main" val="0"/>
+              </a:ext>
+              <a:ext uri="{96DAC541-7B7A-43D3-8B79-37D633B846F1}">
+                <asvg:svgBlip xmlns:asvg="http://schemas.microsoft.com/office/drawing/2016/SVG/main" r:embed="rId3"/>
+              </a:ext>
+            </a:extLst>
+          </a:blip>
+          <a:stretch>
+            <a:fillRect/>
+          </a:stretch>
+        </p:blipFill>
+        <p:spPr>
+          <a:xfrm>
+            <a:off x="6058692" y="4630720"/>
+            <a:ext cx="621033" cy="621033"/>
+          </a:xfrm>
+          <a:prstGeom prst="rect">
+            <a:avLst/>
+          </a:prstGeom>
+        </p:spPr>
+      </p:pic>
+      <p:pic>
+        <p:nvPicPr>
+          <p:cNvPr id="7" name="グラフィックス 6">
+            <a:extLst>
+              <a:ext uri="{FF2B5EF4-FFF2-40B4-BE49-F238E27FC236}">
+                <a16:creationId xmlns:a16="http://schemas.microsoft.com/office/drawing/2014/main" id="{EE26DDE6-CD4B-95FB-4C10-9B86D374B609}"/>
+              </a:ext>
+            </a:extLst>
+          </p:cNvPr>
+          <p:cNvPicPr>
+            <a:picLocks noChangeAspect="1"/>
+          </p:cNvPicPr>
+          <p:nvPr/>
+        </p:nvPicPr>
+        <p:blipFill>
+          <a:blip r:embed="rId4">
+            <a:extLst>
+              <a:ext uri="{28A0092B-C50C-407E-A947-70E740481C1C}">
+                <a14:useLocalDpi xmlns:a14="http://schemas.microsoft.com/office/drawing/2010/main" val="0"/>
+              </a:ext>
+              <a:ext uri="{96DAC541-7B7A-43D3-8B79-37D633B846F1}">
+                <asvg:svgBlip xmlns:asvg="http://schemas.microsoft.com/office/drawing/2016/SVG/main" r:embed="rId5"/>
+              </a:ext>
+            </a:extLst>
+          </a:blip>
+          <a:stretch>
+            <a:fillRect/>
+          </a:stretch>
+        </p:blipFill>
+        <p:spPr>
+          <a:xfrm>
+            <a:off x="4741023" y="4630719"/>
+            <a:ext cx="543405" cy="621034"/>
+          </a:xfrm>
+          <a:prstGeom prst="rect">
+            <a:avLst/>
+          </a:prstGeom>
+        </p:spPr>
+      </p:pic>
+      <p:cxnSp>
+        <p:nvCxnSpPr>
+          <p:cNvPr id="8" name="直線矢印コネクタ 7">
+            <a:extLst>
+              <a:ext uri="{FF2B5EF4-FFF2-40B4-BE49-F238E27FC236}">
+                <a16:creationId xmlns:a16="http://schemas.microsoft.com/office/drawing/2014/main" id="{3CA57BAC-69FD-C45A-0A71-63063E8C323A}"/>
+              </a:ext>
+            </a:extLst>
+          </p:cNvPr>
+          <p:cNvCxnSpPr/>
+          <p:nvPr/>
+        </p:nvCxnSpPr>
+        <p:spPr>
+          <a:xfrm>
+            <a:off x="5389684" y="4852108"/>
+            <a:ext cx="578900" cy="0"/>
+          </a:xfrm>
+          <a:prstGeom prst="straightConnector1">
+            <a:avLst/>
+          </a:prstGeom>
+          <a:ln>
+            <a:tailEnd type="triangle"/>
+          </a:ln>
+        </p:spPr>
+        <p:style>
+          <a:lnRef idx="1">
+            <a:schemeClr val="accent1"/>
+          </a:lnRef>
+          <a:fillRef idx="0">
+            <a:schemeClr val="accent1"/>
+          </a:fillRef>
+          <a:effectRef idx="0">
+            <a:schemeClr val="accent1"/>
+          </a:effectRef>
+          <a:fontRef idx="minor">
+            <a:schemeClr val="tx1"/>
+          </a:fontRef>
+        </p:style>
+      </p:cxnSp>
+      <p:cxnSp>
+        <p:nvCxnSpPr>
+          <p:cNvPr id="9" name="直線矢印コネクタ 8">
+            <a:extLst>
+              <a:ext uri="{FF2B5EF4-FFF2-40B4-BE49-F238E27FC236}">
+                <a16:creationId xmlns:a16="http://schemas.microsoft.com/office/drawing/2014/main" id="{C51ADA48-0A1A-5D6F-B786-F654FE6F9A1F}"/>
+              </a:ext>
+            </a:extLst>
+          </p:cNvPr>
+          <p:cNvCxnSpPr/>
+          <p:nvPr/>
+        </p:nvCxnSpPr>
+        <p:spPr>
+          <a:xfrm>
+            <a:off x="5389684" y="4934658"/>
+            <a:ext cx="578900" cy="0"/>
+          </a:xfrm>
+          <a:prstGeom prst="straightConnector1">
+            <a:avLst/>
+          </a:prstGeom>
+          <a:ln>
+            <a:tailEnd type="triangle"/>
+          </a:ln>
+        </p:spPr>
+        <p:style>
+          <a:lnRef idx="1">
+            <a:schemeClr val="accent1"/>
+          </a:lnRef>
+          <a:fillRef idx="0">
+            <a:schemeClr val="accent1"/>
+          </a:fillRef>
+          <a:effectRef idx="0">
+            <a:schemeClr val="accent1"/>
+          </a:effectRef>
+          <a:fontRef idx="minor">
+            <a:schemeClr val="tx1"/>
+          </a:fontRef>
+        </p:style>
+      </p:cxnSp>
+      <p:cxnSp>
+        <p:nvCxnSpPr>
+          <p:cNvPr id="10" name="直線矢印コネクタ 9">
+            <a:extLst>
+              <a:ext uri="{FF2B5EF4-FFF2-40B4-BE49-F238E27FC236}">
+                <a16:creationId xmlns:a16="http://schemas.microsoft.com/office/drawing/2014/main" id="{35D88AD9-39C6-455E-5901-8A224D12BDD1}"/>
+              </a:ext>
+            </a:extLst>
+          </p:cNvPr>
+          <p:cNvCxnSpPr/>
+          <p:nvPr/>
+        </p:nvCxnSpPr>
+        <p:spPr>
+          <a:xfrm>
+            <a:off x="5388405" y="5013416"/>
+            <a:ext cx="578900" cy="0"/>
+          </a:xfrm>
+          <a:prstGeom prst="straightConnector1">
+            <a:avLst/>
+          </a:prstGeom>
+          <a:ln>
+            <a:tailEnd type="triangle"/>
+          </a:ln>
+        </p:spPr>
+        <p:style>
+          <a:lnRef idx="1">
+            <a:schemeClr val="accent1"/>
+          </a:lnRef>
+          <a:fillRef idx="0">
+            <a:schemeClr val="accent1"/>
+          </a:fillRef>
+          <a:effectRef idx="0">
+            <a:schemeClr val="accent1"/>
+          </a:effectRef>
+          <a:fontRef idx="minor">
+            <a:schemeClr val="tx1"/>
+          </a:fontRef>
+        </p:style>
+      </p:cxnSp>
+      <p:pic>
+        <p:nvPicPr>
+          <p:cNvPr id="11" name="グラフィックス 10">
+            <a:extLst>
+              <a:ext uri="{FF2B5EF4-FFF2-40B4-BE49-F238E27FC236}">
+                <a16:creationId xmlns:a16="http://schemas.microsoft.com/office/drawing/2014/main" id="{FA31B1FC-E161-78DB-2622-87B7D3656D36}"/>
+              </a:ext>
+            </a:extLst>
+          </p:cNvPr>
+          <p:cNvPicPr>
+            <a:picLocks noChangeAspect="1"/>
+          </p:cNvPicPr>
+          <p:nvPr/>
+        </p:nvPicPr>
+        <p:blipFill>
+          <a:blip r:embed="rId6">
+            <a:extLst>
+              <a:ext uri="{28A0092B-C50C-407E-A947-70E740481C1C}">
+                <a14:useLocalDpi xmlns:a14="http://schemas.microsoft.com/office/drawing/2010/main" val="0"/>
+              </a:ext>
+              <a:ext uri="{96DAC541-7B7A-43D3-8B79-37D633B846F1}">
+                <asvg:svgBlip xmlns:asvg="http://schemas.microsoft.com/office/drawing/2016/SVG/main" r:embed="rId7"/>
+              </a:ext>
+            </a:extLst>
+          </a:blip>
+          <a:stretch>
+            <a:fillRect/>
+          </a:stretch>
+        </p:blipFill>
+        <p:spPr>
+          <a:xfrm>
+            <a:off x="3016588" y="4386228"/>
+            <a:ext cx="247650" cy="304800"/>
+          </a:xfrm>
+          <a:prstGeom prst="rect">
+            <a:avLst/>
+          </a:prstGeom>
+        </p:spPr>
+      </p:pic>
+      <p:pic>
+        <p:nvPicPr>
+          <p:cNvPr id="12" name="グラフィックス 11">
+            <a:extLst>
+              <a:ext uri="{FF2B5EF4-FFF2-40B4-BE49-F238E27FC236}">
+                <a16:creationId xmlns:a16="http://schemas.microsoft.com/office/drawing/2014/main" id="{E50DF03C-5031-2964-9679-F2E420EF4C31}"/>
+              </a:ext>
+            </a:extLst>
+          </p:cNvPr>
+          <p:cNvPicPr>
+            <a:picLocks noChangeAspect="1"/>
+          </p:cNvPicPr>
+          <p:nvPr/>
+        </p:nvPicPr>
+        <p:blipFill>
+          <a:blip r:embed="rId6">
+            <a:extLst>
+              <a:ext uri="{28A0092B-C50C-407E-A947-70E740481C1C}">
+                <a14:useLocalDpi xmlns:a14="http://schemas.microsoft.com/office/drawing/2010/main" val="0"/>
+              </a:ext>
+              <a:ext uri="{96DAC541-7B7A-43D3-8B79-37D633B846F1}">
+                <asvg:svgBlip xmlns:asvg="http://schemas.microsoft.com/office/drawing/2016/SVG/main" r:embed="rId7"/>
+              </a:ext>
+            </a:extLst>
+          </a:blip>
+          <a:stretch>
+            <a:fillRect/>
+          </a:stretch>
+        </p:blipFill>
+        <p:spPr>
+          <a:xfrm>
+            <a:off x="3219788" y="4708616"/>
+            <a:ext cx="247650" cy="304800"/>
+          </a:xfrm>
+          <a:prstGeom prst="rect">
+            <a:avLst/>
+          </a:prstGeom>
+        </p:spPr>
+      </p:pic>
+      <p:pic>
+        <p:nvPicPr>
+          <p:cNvPr id="13" name="グラフィックス 12">
+            <a:extLst>
+              <a:ext uri="{FF2B5EF4-FFF2-40B4-BE49-F238E27FC236}">
+                <a16:creationId xmlns:a16="http://schemas.microsoft.com/office/drawing/2014/main" id="{FE96DF41-C77D-017B-4E43-3DDE4058365B}"/>
+              </a:ext>
+            </a:extLst>
+          </p:cNvPr>
+          <p:cNvPicPr>
+            <a:picLocks noChangeAspect="1"/>
+          </p:cNvPicPr>
+          <p:nvPr/>
+        </p:nvPicPr>
+        <p:blipFill>
+          <a:blip r:embed="rId6">
+            <a:extLst>
+              <a:ext uri="{28A0092B-C50C-407E-A947-70E740481C1C}">
+                <a14:useLocalDpi xmlns:a14="http://schemas.microsoft.com/office/drawing/2010/main" val="0"/>
+              </a:ext>
+              <a:ext uri="{96DAC541-7B7A-43D3-8B79-37D633B846F1}">
+                <asvg:svgBlip xmlns:asvg="http://schemas.microsoft.com/office/drawing/2016/SVG/main" r:embed="rId7"/>
+              </a:ext>
+            </a:extLst>
+          </a:blip>
+          <a:stretch>
+            <a:fillRect/>
+          </a:stretch>
+        </p:blipFill>
+        <p:spPr>
+          <a:xfrm>
+            <a:off x="3004576" y="5013416"/>
+            <a:ext cx="247650" cy="304800"/>
+          </a:xfrm>
+          <a:prstGeom prst="rect">
+            <a:avLst/>
+          </a:prstGeom>
+        </p:spPr>
+      </p:pic>
+      <p:pic>
+        <p:nvPicPr>
+          <p:cNvPr id="14" name="グラフィックス 13">
+            <a:extLst>
+              <a:ext uri="{FF2B5EF4-FFF2-40B4-BE49-F238E27FC236}">
+                <a16:creationId xmlns:a16="http://schemas.microsoft.com/office/drawing/2014/main" id="{1F49F506-710C-0EC3-639B-1A81243EED7D}"/>
+              </a:ext>
+            </a:extLst>
+          </p:cNvPr>
+          <p:cNvPicPr>
+            <a:picLocks noChangeAspect="1"/>
+          </p:cNvPicPr>
+          <p:nvPr/>
+        </p:nvPicPr>
+        <p:blipFill>
+          <a:blip r:embed="rId6">
+            <a:extLst>
+              <a:ext uri="{28A0092B-C50C-407E-A947-70E740481C1C}">
+                <a14:useLocalDpi xmlns:a14="http://schemas.microsoft.com/office/drawing/2010/main" val="0"/>
+              </a:ext>
+              <a:ext uri="{96DAC541-7B7A-43D3-8B79-37D633B846F1}">
+                <asvg:svgBlip xmlns:asvg="http://schemas.microsoft.com/office/drawing/2016/SVG/main" r:embed="rId7"/>
+              </a:ext>
+            </a:extLst>
+          </a:blip>
+          <a:stretch>
+            <a:fillRect/>
+          </a:stretch>
+        </p:blipFill>
+        <p:spPr>
+          <a:xfrm>
+            <a:off x="3327667" y="5251753"/>
+            <a:ext cx="247650" cy="304800"/>
+          </a:xfrm>
+          <a:prstGeom prst="rect">
+            <a:avLst/>
+          </a:prstGeom>
+        </p:spPr>
+      </p:pic>
+      <p:cxnSp>
+        <p:nvCxnSpPr>
+          <p:cNvPr id="15" name="直線矢印コネクタ 14">
+            <a:extLst>
+              <a:ext uri="{FF2B5EF4-FFF2-40B4-BE49-F238E27FC236}">
+                <a16:creationId xmlns:a16="http://schemas.microsoft.com/office/drawing/2014/main" id="{877B0D3B-A531-6073-3BBD-8451DA365F2C}"/>
+              </a:ext>
+            </a:extLst>
+          </p:cNvPr>
+          <p:cNvCxnSpPr>
+            <a:cxnSpLocks/>
+            <a:stCxn id="11" idx="3"/>
+            <a:endCxn id="7" idx="1"/>
+          </p:cNvCxnSpPr>
+          <p:nvPr/>
+        </p:nvCxnSpPr>
+        <p:spPr>
+          <a:xfrm>
+            <a:off x="3264238" y="4538628"/>
+            <a:ext cx="1476785" cy="402608"/>
+          </a:xfrm>
+          <a:prstGeom prst="straightConnector1">
+            <a:avLst/>
+          </a:prstGeom>
+          <a:ln>
+            <a:tailEnd type="triangle"/>
+          </a:ln>
+        </p:spPr>
+        <p:style>
+          <a:lnRef idx="1">
+            <a:schemeClr val="accent1"/>
+          </a:lnRef>
+          <a:fillRef idx="0">
+            <a:schemeClr val="accent1"/>
+          </a:fillRef>
+          <a:effectRef idx="0">
+            <a:schemeClr val="accent1"/>
+          </a:effectRef>
+          <a:fontRef idx="minor">
+            <a:schemeClr val="tx1"/>
+          </a:fontRef>
+        </p:style>
+      </p:cxnSp>
+      <p:cxnSp>
+        <p:nvCxnSpPr>
+          <p:cNvPr id="16" name="直線矢印コネクタ 15">
+            <a:extLst>
+              <a:ext uri="{FF2B5EF4-FFF2-40B4-BE49-F238E27FC236}">
+                <a16:creationId xmlns:a16="http://schemas.microsoft.com/office/drawing/2014/main" id="{C917B397-B744-A7B1-A67F-978951722298}"/>
+              </a:ext>
+            </a:extLst>
+          </p:cNvPr>
+          <p:cNvCxnSpPr>
+            <a:cxnSpLocks/>
+            <a:stCxn id="12" idx="3"/>
+            <a:endCxn id="7" idx="1"/>
+          </p:cNvCxnSpPr>
+          <p:nvPr/>
+        </p:nvCxnSpPr>
+        <p:spPr>
+          <a:xfrm>
+            <a:off x="3467438" y="4861016"/>
+            <a:ext cx="1273585" cy="80220"/>
+          </a:xfrm>
+          <a:prstGeom prst="straightConnector1">
+            <a:avLst/>
+          </a:prstGeom>
+          <a:ln>
+            <a:tailEnd type="triangle"/>
+          </a:ln>
+        </p:spPr>
+        <p:style>
+          <a:lnRef idx="1">
+            <a:schemeClr val="accent1"/>
+          </a:lnRef>
+          <a:fillRef idx="0">
+            <a:schemeClr val="accent1"/>
+          </a:fillRef>
+          <a:effectRef idx="0">
+            <a:schemeClr val="accent1"/>
+          </a:effectRef>
+          <a:fontRef idx="minor">
+            <a:schemeClr val="tx1"/>
+          </a:fontRef>
+        </p:style>
+      </p:cxnSp>
+      <p:cxnSp>
+        <p:nvCxnSpPr>
+          <p:cNvPr id="17" name="直線矢印コネクタ 16">
+            <a:extLst>
+              <a:ext uri="{FF2B5EF4-FFF2-40B4-BE49-F238E27FC236}">
+                <a16:creationId xmlns:a16="http://schemas.microsoft.com/office/drawing/2014/main" id="{C7640E3B-0700-88B1-009A-D6C04DE861E5}"/>
+              </a:ext>
+            </a:extLst>
+          </p:cNvPr>
+          <p:cNvCxnSpPr>
+            <a:cxnSpLocks/>
+            <a:stCxn id="13" idx="3"/>
+            <a:endCxn id="7" idx="1"/>
+          </p:cNvCxnSpPr>
+          <p:nvPr/>
+        </p:nvCxnSpPr>
+        <p:spPr>
+          <a:xfrm flipV="1">
+            <a:off x="3252226" y="4941236"/>
+            <a:ext cx="1488797" cy="224580"/>
+          </a:xfrm>
+          <a:prstGeom prst="straightConnector1">
+            <a:avLst/>
+          </a:prstGeom>
+          <a:ln>
+            <a:tailEnd type="triangle"/>
+          </a:ln>
+        </p:spPr>
+        <p:style>
+          <a:lnRef idx="1">
+            <a:schemeClr val="accent1"/>
+          </a:lnRef>
+          <a:fillRef idx="0">
+            <a:schemeClr val="accent1"/>
+          </a:fillRef>
+          <a:effectRef idx="0">
+            <a:schemeClr val="accent1"/>
+          </a:effectRef>
+          <a:fontRef idx="minor">
+            <a:schemeClr val="tx1"/>
+          </a:fontRef>
+        </p:style>
+      </p:cxnSp>
+      <p:cxnSp>
+        <p:nvCxnSpPr>
+          <p:cNvPr id="18" name="直線矢印コネクタ 17">
+            <a:extLst>
+              <a:ext uri="{FF2B5EF4-FFF2-40B4-BE49-F238E27FC236}">
+                <a16:creationId xmlns:a16="http://schemas.microsoft.com/office/drawing/2014/main" id="{BD545375-2E48-25E7-9EE8-AFB2634027A0}"/>
+              </a:ext>
+            </a:extLst>
+          </p:cNvPr>
+          <p:cNvCxnSpPr>
+            <a:cxnSpLocks/>
+            <a:stCxn id="14" idx="3"/>
+            <a:endCxn id="7" idx="1"/>
+          </p:cNvCxnSpPr>
+          <p:nvPr/>
+        </p:nvCxnSpPr>
+        <p:spPr>
+          <a:xfrm flipV="1">
+            <a:off x="3575317" y="4941236"/>
+            <a:ext cx="1165706" cy="462917"/>
+          </a:xfrm>
+          <a:prstGeom prst="straightConnector1">
+            <a:avLst/>
+          </a:prstGeom>
+          <a:ln>
+            <a:tailEnd type="triangle"/>
+          </a:ln>
+        </p:spPr>
+        <p:style>
+          <a:lnRef idx="1">
+            <a:schemeClr val="accent1"/>
+          </a:lnRef>
+          <a:fillRef idx="0">
+            <a:schemeClr val="accent1"/>
+          </a:fillRef>
+          <a:effectRef idx="0">
+            <a:schemeClr val="accent1"/>
+          </a:effectRef>
+          <a:fontRef idx="minor">
+            <a:schemeClr val="tx1"/>
+          </a:fontRef>
+        </p:style>
+      </p:cxnSp>
+      <p:sp>
+        <p:nvSpPr>
+          <p:cNvPr id="19" name="テキスト ボックス 18">
+            <a:extLst>
+              <a:ext uri="{FF2B5EF4-FFF2-40B4-BE49-F238E27FC236}">
+                <a16:creationId xmlns:a16="http://schemas.microsoft.com/office/drawing/2014/main" id="{AE9D3C72-670C-C771-4D37-61CEDF60597F}"/>
+              </a:ext>
+            </a:extLst>
+          </p:cNvPr>
+          <p:cNvSpPr txBox="1"/>
+          <p:nvPr/>
+        </p:nvSpPr>
+        <p:spPr>
+          <a:xfrm>
+            <a:off x="4658788" y="5318216"/>
+            <a:ext cx="494046" cy="261610"/>
+          </a:xfrm>
+          <a:prstGeom prst="rect">
+            <a:avLst/>
+          </a:prstGeom>
+          <a:noFill/>
+        </p:spPr>
+        <p:txBody>
+          <a:bodyPr wrap="none" rtlCol="0">
+            <a:spAutoFit/>
+          </a:bodyPr>
+          <a:lstStyle/>
+          <a:p>
+            <a:r>
+              <a:rPr kumimoji="1" lang="en-US" altLang="ja-JP" sz="1100" dirty="0">
+                <a:latin typeface="Meiryo UI" panose="020B0604030504040204" pitchFamily="50" charset="-128"/>
+                <a:ea typeface="Meiryo UI" panose="020B0604030504040204" pitchFamily="50" charset="-128"/>
+              </a:rPr>
+              <a:t>Web</a:t>
+            </a:r>
+            <a:endParaRPr kumimoji="1" lang="ja-JP" altLang="en-US" sz="1100" dirty="0">
+              <a:latin typeface="Meiryo UI" panose="020B0604030504040204" pitchFamily="50" charset="-128"/>
+              <a:ea typeface="Meiryo UI" panose="020B0604030504040204" pitchFamily="50" charset="-128"/>
+            </a:endParaRPr>
+          </a:p>
+        </p:txBody>
+      </p:sp>
+      <p:sp>
+        <p:nvSpPr>
+          <p:cNvPr id="20" name="テキスト ボックス 19">
+            <a:extLst>
+              <a:ext uri="{FF2B5EF4-FFF2-40B4-BE49-F238E27FC236}">
+                <a16:creationId xmlns:a16="http://schemas.microsoft.com/office/drawing/2014/main" id="{986402DF-EFBB-3779-D475-DAAD24B9CC01}"/>
+              </a:ext>
+            </a:extLst>
+          </p:cNvPr>
+          <p:cNvSpPr txBox="1"/>
+          <p:nvPr/>
+        </p:nvSpPr>
+        <p:spPr>
+          <a:xfrm>
+            <a:off x="6058692" y="5307441"/>
+            <a:ext cx="453970" cy="261610"/>
+          </a:xfrm>
+          <a:prstGeom prst="rect">
+            <a:avLst/>
+          </a:prstGeom>
+          <a:noFill/>
+        </p:spPr>
+        <p:txBody>
+          <a:bodyPr wrap="none" rtlCol="0">
+            <a:spAutoFit/>
+          </a:bodyPr>
+          <a:lstStyle/>
+          <a:p>
+            <a:r>
+              <a:rPr kumimoji="1" lang="en-US" altLang="ja-JP" sz="1100" dirty="0">
+                <a:latin typeface="Meiryo UI" panose="020B0604030504040204" pitchFamily="50" charset="-128"/>
+                <a:ea typeface="Meiryo UI" panose="020B0604030504040204" pitchFamily="50" charset="-128"/>
+              </a:rPr>
+              <a:t>App</a:t>
+            </a:r>
+            <a:endParaRPr kumimoji="1" lang="ja-JP" altLang="en-US" sz="1100" dirty="0">
+              <a:latin typeface="Meiryo UI" panose="020B0604030504040204" pitchFamily="50" charset="-128"/>
+              <a:ea typeface="Meiryo UI" panose="020B0604030504040204" pitchFamily="50" charset="-128"/>
+            </a:endParaRPr>
           </a:p>
         </p:txBody>
       </p:sp>
     </p:spTree>
     <p:extLst>
       <p:ext uri="{BB962C8B-B14F-4D97-AF65-F5344CB8AC3E}">
-        <p14:creationId xmlns:p14="http://schemas.microsoft.com/office/powerpoint/2010/main" val="1311438441"/>
+        <p14:creationId xmlns:p14="http://schemas.microsoft.com/office/powerpoint/2010/main" val="3261024853"/>
       </p:ext>
     </p:extLst>
   </p:cSld>
@@ -28526,7 +28796,7 @@
           <p:cNvPr id="2" name="タイトル 1">
             <a:extLst>
               <a:ext uri="{FF2B5EF4-FFF2-40B4-BE49-F238E27FC236}">
-                <a16:creationId xmlns:a16="http://schemas.microsoft.com/office/drawing/2014/main" id="{12F304BD-11DF-70A5-63A8-D94A26440E96}"/>
+                <a16:creationId xmlns:a16="http://schemas.microsoft.com/office/drawing/2014/main" id="{5C500768-26C0-E8E3-114E-C08BC0F3E912}"/>
               </a:ext>
             </a:extLst>
           </p:cNvPr>
@@ -28542,6 +28812,123 @@
           <a:bodyPr/>
           <a:lstStyle/>
           <a:p>
+            <a:r>
+              <a:rPr lang="en-US" altLang="ja-JP" dirty="0"/>
+              <a:t>HTTP </a:t>
+            </a:r>
+            <a:r>
+              <a:rPr lang="ja-JP" altLang="en-US" dirty="0"/>
+              <a:t>サービス</a:t>
+            </a:r>
+            <a:endParaRPr kumimoji="1" lang="ja-JP" altLang="en-US" dirty="0"/>
+          </a:p>
+        </p:txBody>
+      </p:sp>
+      <p:sp>
+        <p:nvSpPr>
+          <p:cNvPr id="3" name="テキスト プレースホルダー 2">
+            <a:extLst>
+              <a:ext uri="{FF2B5EF4-FFF2-40B4-BE49-F238E27FC236}">
+                <a16:creationId xmlns:a16="http://schemas.microsoft.com/office/drawing/2014/main" id="{09D1B045-AA38-2BC7-F3E8-CF6703D6770B}"/>
+              </a:ext>
+            </a:extLst>
+          </p:cNvPr>
+          <p:cNvSpPr>
+            <a:spLocks noGrp="1"/>
+          </p:cNvSpPr>
+          <p:nvPr>
+            <p:ph type="body" idx="1"/>
+          </p:nvPr>
+        </p:nvSpPr>
+        <p:spPr/>
+        <p:txBody>
+          <a:bodyPr/>
+          <a:lstStyle/>
+          <a:p>
+            <a:endParaRPr kumimoji="1" lang="ja-JP" altLang="en-US"/>
+          </a:p>
+        </p:txBody>
+      </p:sp>
+      <p:sp>
+        <p:nvSpPr>
+          <p:cNvPr id="4" name="スライド番号プレースホルダー 3">
+            <a:extLst>
+              <a:ext uri="{FF2B5EF4-FFF2-40B4-BE49-F238E27FC236}">
+                <a16:creationId xmlns:a16="http://schemas.microsoft.com/office/drawing/2014/main" id="{5E767109-1927-EA2E-EED9-B3BE79B8B186}"/>
+              </a:ext>
+            </a:extLst>
+          </p:cNvPr>
+          <p:cNvSpPr>
+            <a:spLocks noGrp="1"/>
+          </p:cNvSpPr>
+          <p:nvPr>
+            <p:ph type="sldNum" sz="quarter" idx="12"/>
+          </p:nvPr>
+        </p:nvSpPr>
+        <p:spPr/>
+        <p:txBody>
+          <a:bodyPr/>
+          <a:lstStyle/>
+          <a:p>
+            <a:fld id="{6C25B416-2A59-467F-9B4B-B66C83B82743}" type="slidenum">
+              <a:rPr kumimoji="1" lang="ja-JP" altLang="en-US" smtClean="0"/>
+              <a:t>28</a:t>
+            </a:fld>
+            <a:endParaRPr kumimoji="1" lang="ja-JP" altLang="en-US"/>
+          </a:p>
+        </p:txBody>
+      </p:sp>
+    </p:spTree>
+    <p:extLst>
+      <p:ext uri="{BB962C8B-B14F-4D97-AF65-F5344CB8AC3E}">
+        <p14:creationId xmlns:p14="http://schemas.microsoft.com/office/powerpoint/2010/main" val="1311438441"/>
+      </p:ext>
+    </p:extLst>
+  </p:cSld>
+  <p:clrMapOvr>
+    <a:masterClrMapping/>
+  </p:clrMapOvr>
+</p:sld>
+</file>
+
+<file path=ppt/slides/slide29.xml><?xml version="1.0" encoding="utf-8"?>
+<p:sld xmlns:a="http://schemas.openxmlformats.org/drawingml/2006/main" xmlns:r="http://schemas.openxmlformats.org/officeDocument/2006/relationships" xmlns:p="http://schemas.openxmlformats.org/presentationml/2006/main">
+  <p:cSld>
+    <p:spTree>
+      <p:nvGrpSpPr>
+        <p:cNvPr id="1" name=""/>
+        <p:cNvGrpSpPr/>
+        <p:nvPr/>
+      </p:nvGrpSpPr>
+      <p:grpSpPr>
+        <a:xfrm>
+          <a:off x="0" y="0"/>
+          <a:ext cx="0" cy="0"/>
+          <a:chOff x="0" y="0"/>
+          <a:chExt cx="0" cy="0"/>
+        </a:xfrm>
+      </p:grpSpPr>
+      <p:sp>
+        <p:nvSpPr>
+          <p:cNvPr id="2" name="タイトル 1">
+            <a:extLst>
+              <a:ext uri="{FF2B5EF4-FFF2-40B4-BE49-F238E27FC236}">
+                <a16:creationId xmlns:a16="http://schemas.microsoft.com/office/drawing/2014/main" id="{12F304BD-11DF-70A5-63A8-D94A26440E96}"/>
+              </a:ext>
+            </a:extLst>
+          </p:cNvPr>
+          <p:cNvSpPr>
+            <a:spLocks noGrp="1"/>
+          </p:cNvSpPr>
+          <p:nvPr>
+            <p:ph type="title"/>
+          </p:nvPr>
+        </p:nvSpPr>
+        <p:spPr/>
+        <p:txBody>
+          <a:bodyPr/>
+          <a:lstStyle/>
+          <a:p>
             <a:endParaRPr kumimoji="1" lang="ja-JP" altLang="en-US"/>
           </a:p>
         </p:txBody>
@@ -28570,7 +28957,7 @@
             <a:fld id="{6C25B416-2A59-467F-9B4B-B66C83B82743}" type="slidenum">
               <a:rPr kumimoji="1" lang="ja-JP" altLang="en-US" smtClean="0"/>
               <a:pPr/>
-              <a:t>28</a:t>
+              <a:t>29</a:t>
             </a:fld>
             <a:endParaRPr kumimoji="1" lang="ja-JP" altLang="en-US"/>
           </a:p>
@@ -30359,2564 +30746,6 @@
     <p:extLst>
       <p:ext uri="{BB962C8B-B14F-4D97-AF65-F5344CB8AC3E}">
         <p14:creationId xmlns:p14="http://schemas.microsoft.com/office/powerpoint/2010/main" val="561280667"/>
-      </p:ext>
-    </p:extLst>
-  </p:cSld>
-  <p:clrMapOvr>
-    <a:masterClrMapping/>
-  </p:clrMapOvr>
-</p:sld>
-</file>
-
-<file path=ppt/slides/slide29.xml><?xml version="1.0" encoding="utf-8"?>
-<p:sld xmlns:a="http://schemas.openxmlformats.org/drawingml/2006/main" xmlns:r="http://schemas.openxmlformats.org/officeDocument/2006/relationships" xmlns:p="http://schemas.openxmlformats.org/presentationml/2006/main">
-  <p:cSld>
-    <p:spTree>
-      <p:nvGrpSpPr>
-        <p:cNvPr id="1" name=""/>
-        <p:cNvGrpSpPr/>
-        <p:nvPr/>
-      </p:nvGrpSpPr>
-      <p:grpSpPr>
-        <a:xfrm>
-          <a:off x="0" y="0"/>
-          <a:ext cx="0" cy="0"/>
-          <a:chOff x="0" y="0"/>
-          <a:chExt cx="0" cy="0"/>
-        </a:xfrm>
-      </p:grpSpPr>
-      <p:sp>
-        <p:nvSpPr>
-          <p:cNvPr id="6" name="正方形/長方形 5">
-            <a:extLst>
-              <a:ext uri="{FF2B5EF4-FFF2-40B4-BE49-F238E27FC236}">
-                <a16:creationId xmlns:a16="http://schemas.microsoft.com/office/drawing/2014/main" id="{25E9558A-519F-D488-D88A-A885AFDBF246}"/>
-              </a:ext>
-            </a:extLst>
-          </p:cNvPr>
-          <p:cNvSpPr/>
-          <p:nvPr/>
-        </p:nvSpPr>
-        <p:spPr>
-          <a:xfrm>
-            <a:off x="3839182" y="2470150"/>
-            <a:ext cx="3867904" cy="2076450"/>
-          </a:xfrm>
-          <a:prstGeom prst="rect">
-            <a:avLst/>
-          </a:prstGeom>
-          <a:solidFill>
-            <a:schemeClr val="accent2">
-              <a:lumMod val="20000"/>
-              <a:lumOff val="80000"/>
-            </a:schemeClr>
-          </a:solidFill>
-          <a:ln>
-            <a:solidFill>
-              <a:schemeClr val="tx2"/>
-            </a:solidFill>
-          </a:ln>
-        </p:spPr>
-        <p:style>
-          <a:lnRef idx="2">
-            <a:schemeClr val="accent1">
-              <a:shade val="15000"/>
-            </a:schemeClr>
-          </a:lnRef>
-          <a:fillRef idx="1">
-            <a:schemeClr val="accent1"/>
-          </a:fillRef>
-          <a:effectRef idx="0">
-            <a:schemeClr val="accent1"/>
-          </a:effectRef>
-          <a:fontRef idx="minor">
-            <a:schemeClr val="lt1"/>
-          </a:fontRef>
-        </p:style>
-        <p:txBody>
-          <a:bodyPr rtlCol="0" anchor="ctr"/>
-          <a:lstStyle/>
-          <a:p>
-            <a:pPr algn="ctr"/>
-            <a:endParaRPr kumimoji="1" lang="ja-JP" altLang="en-US"/>
-          </a:p>
-        </p:txBody>
-      </p:sp>
-      <p:sp>
-        <p:nvSpPr>
-          <p:cNvPr id="2" name="タイトル 1">
-            <a:extLst>
-              <a:ext uri="{FF2B5EF4-FFF2-40B4-BE49-F238E27FC236}">
-                <a16:creationId xmlns:a16="http://schemas.microsoft.com/office/drawing/2014/main" id="{28D88E62-1814-84E4-8ED1-52422A8D0C06}"/>
-              </a:ext>
-            </a:extLst>
-          </p:cNvPr>
-          <p:cNvSpPr>
-            <a:spLocks noGrp="1"/>
-          </p:cNvSpPr>
-          <p:nvPr>
-            <p:ph type="title"/>
-          </p:nvPr>
-        </p:nvSpPr>
-        <p:spPr/>
-        <p:txBody>
-          <a:bodyPr/>
-          <a:lstStyle/>
-          <a:p>
-            <a:endParaRPr kumimoji="1" lang="ja-JP" altLang="en-US"/>
-          </a:p>
-        </p:txBody>
-      </p:sp>
-      <p:sp>
-        <p:nvSpPr>
-          <p:cNvPr id="3" name="スライド番号プレースホルダー 2">
-            <a:extLst>
-              <a:ext uri="{FF2B5EF4-FFF2-40B4-BE49-F238E27FC236}">
-                <a16:creationId xmlns:a16="http://schemas.microsoft.com/office/drawing/2014/main" id="{5AEB9E95-1116-0ACA-046A-BEE30A948C9B}"/>
-              </a:ext>
-            </a:extLst>
-          </p:cNvPr>
-          <p:cNvSpPr>
-            <a:spLocks noGrp="1"/>
-          </p:cNvSpPr>
-          <p:nvPr>
-            <p:ph type="sldNum" sz="quarter" idx="10"/>
-          </p:nvPr>
-        </p:nvSpPr>
-        <p:spPr/>
-        <p:txBody>
-          <a:bodyPr/>
-          <a:lstStyle/>
-          <a:p>
-            <a:fld id="{6C25B416-2A59-467F-9B4B-B66C83B82743}" type="slidenum">
-              <a:rPr kumimoji="1" lang="ja-JP" altLang="en-US" smtClean="0"/>
-              <a:pPr/>
-              <a:t>29</a:t>
-            </a:fld>
-            <a:endParaRPr kumimoji="1" lang="ja-JP" altLang="en-US"/>
-          </a:p>
-        </p:txBody>
-      </p:sp>
-      <p:sp>
-        <p:nvSpPr>
-          <p:cNvPr id="5" name="テキスト プレースホルダー 4">
-            <a:extLst>
-              <a:ext uri="{FF2B5EF4-FFF2-40B4-BE49-F238E27FC236}">
-                <a16:creationId xmlns:a16="http://schemas.microsoft.com/office/drawing/2014/main" id="{DC135B2D-D09A-8B3E-1BF4-28655B2629B8}"/>
-              </a:ext>
-            </a:extLst>
-          </p:cNvPr>
-          <p:cNvSpPr>
-            <a:spLocks noGrp="1"/>
-          </p:cNvSpPr>
-          <p:nvPr>
-            <p:ph type="body" sz="quarter" idx="14"/>
-          </p:nvPr>
-        </p:nvSpPr>
-        <p:spPr/>
-        <p:txBody>
-          <a:bodyPr/>
-          <a:lstStyle/>
-          <a:p>
-            <a:endParaRPr kumimoji="1" lang="ja-JP" altLang="en-US"/>
-          </a:p>
-        </p:txBody>
-      </p:sp>
-      <p:sp>
-        <p:nvSpPr>
-          <p:cNvPr id="7" name="正方形/長方形 6">
-            <a:extLst>
-              <a:ext uri="{FF2B5EF4-FFF2-40B4-BE49-F238E27FC236}">
-                <a16:creationId xmlns:a16="http://schemas.microsoft.com/office/drawing/2014/main" id="{0D109E0C-5835-B8AB-59C0-E8C5BC69432F}"/>
-              </a:ext>
-            </a:extLst>
-          </p:cNvPr>
-          <p:cNvSpPr/>
-          <p:nvPr/>
-        </p:nvSpPr>
-        <p:spPr>
-          <a:xfrm>
-            <a:off x="4254324" y="3382230"/>
-            <a:ext cx="1026263" cy="261880"/>
-          </a:xfrm>
-          <a:prstGeom prst="rect">
-            <a:avLst/>
-          </a:prstGeom>
-          <a:solidFill>
-            <a:schemeClr val="accent1">
-              <a:lumMod val="20000"/>
-              <a:lumOff val="80000"/>
-            </a:schemeClr>
-          </a:solidFill>
-        </p:spPr>
-        <p:style>
-          <a:lnRef idx="2">
-            <a:schemeClr val="dk1"/>
-          </a:lnRef>
-          <a:fillRef idx="1">
-            <a:schemeClr val="lt1"/>
-          </a:fillRef>
-          <a:effectRef idx="0">
-            <a:schemeClr val="dk1"/>
-          </a:effectRef>
-          <a:fontRef idx="minor">
-            <a:schemeClr val="dk1"/>
-          </a:fontRef>
-        </p:style>
-        <p:txBody>
-          <a:bodyPr wrap="none" lIns="0" tIns="0" rIns="0" bIns="0" rtlCol="0" anchor="ctr"/>
-          <a:lstStyle/>
-          <a:p>
-            <a:pPr algn="ctr"/>
-            <a:r>
-              <a:rPr kumimoji="1" lang="ja-JP" altLang="en-US" sz="1000" dirty="0">
-                <a:latin typeface="Meiryo UI" panose="020B0604030504040204" pitchFamily="50" charset="-128"/>
-                <a:ea typeface="Meiryo UI" panose="020B0604030504040204" pitchFamily="50" charset="-128"/>
-              </a:rPr>
-              <a:t>①受信処理</a:t>
-            </a:r>
-          </a:p>
-        </p:txBody>
-      </p:sp>
-      <p:sp>
-        <p:nvSpPr>
-          <p:cNvPr id="8" name="正方形/長方形 7">
-            <a:extLst>
-              <a:ext uri="{FF2B5EF4-FFF2-40B4-BE49-F238E27FC236}">
-                <a16:creationId xmlns:a16="http://schemas.microsoft.com/office/drawing/2014/main" id="{A395F8B7-F43F-57E5-52CA-B0D470BF32AB}"/>
-              </a:ext>
-            </a:extLst>
-          </p:cNvPr>
-          <p:cNvSpPr/>
-          <p:nvPr/>
-        </p:nvSpPr>
-        <p:spPr>
-          <a:xfrm>
-            <a:off x="3737163" y="3407052"/>
-            <a:ext cx="195822" cy="213726"/>
-          </a:xfrm>
-          <a:prstGeom prst="rect">
-            <a:avLst/>
-          </a:prstGeom>
-          <a:solidFill>
-            <a:schemeClr val="accent5">
-              <a:lumMod val="75000"/>
-            </a:schemeClr>
-          </a:solidFill>
-          <a:ln>
-            <a:noFill/>
-          </a:ln>
-        </p:spPr>
-        <p:style>
-          <a:lnRef idx="2">
-            <a:schemeClr val="accent5">
-              <a:shade val="15000"/>
-            </a:schemeClr>
-          </a:lnRef>
-          <a:fillRef idx="1">
-            <a:schemeClr val="accent5"/>
-          </a:fillRef>
-          <a:effectRef idx="0">
-            <a:schemeClr val="accent5"/>
-          </a:effectRef>
-          <a:fontRef idx="minor">
-            <a:schemeClr val="lt1"/>
-          </a:fontRef>
-        </p:style>
-        <p:txBody>
-          <a:bodyPr rtlCol="0" anchor="ctr"/>
-          <a:lstStyle/>
-          <a:p>
-            <a:pPr algn="ctr"/>
-            <a:endParaRPr kumimoji="1" lang="ja-JP" altLang="en-US"/>
-          </a:p>
-        </p:txBody>
-      </p:sp>
-      <p:pic>
-        <p:nvPicPr>
-          <p:cNvPr id="12" name="コンテンツ プレースホルダー 7">
-            <a:extLst>
-              <a:ext uri="{FF2B5EF4-FFF2-40B4-BE49-F238E27FC236}">
-                <a16:creationId xmlns:a16="http://schemas.microsoft.com/office/drawing/2014/main" id="{DA8B018A-0ACF-C22A-93FF-C7E82700C1C8}"/>
-              </a:ext>
-            </a:extLst>
-          </p:cNvPr>
-          <p:cNvPicPr>
-            <a:picLocks noChangeAspect="1"/>
-          </p:cNvPicPr>
-          <p:nvPr/>
-        </p:nvPicPr>
-        <p:blipFill>
-          <a:blip r:embed="rId2">
-            <a:extLst>
-              <a:ext uri="{28A0092B-C50C-407E-A947-70E740481C1C}">
-                <a14:useLocalDpi xmlns:a14="http://schemas.microsoft.com/office/drawing/2010/main" val="0"/>
-              </a:ext>
-              <a:ext uri="{96DAC541-7B7A-43D3-8B79-37D633B846F1}">
-                <asvg:svgBlip xmlns:asvg="http://schemas.microsoft.com/office/drawing/2016/SVG/main" r:embed="rId3"/>
-              </a:ext>
-            </a:extLst>
-          </a:blip>
-          <a:stretch>
-            <a:fillRect/>
-          </a:stretch>
-        </p:blipFill>
-        <p:spPr>
-          <a:xfrm>
-            <a:off x="2608286" y="3257541"/>
-            <a:ext cx="505782" cy="505782"/>
-          </a:xfrm>
-          <a:prstGeom prst="rect">
-            <a:avLst/>
-          </a:prstGeom>
-        </p:spPr>
-      </p:pic>
-      <p:pic>
-        <p:nvPicPr>
-          <p:cNvPr id="13" name="コンテンツ プレースホルダー 7">
-            <a:extLst>
-              <a:ext uri="{FF2B5EF4-FFF2-40B4-BE49-F238E27FC236}">
-                <a16:creationId xmlns:a16="http://schemas.microsoft.com/office/drawing/2014/main" id="{E3DC7B42-B8CF-A46A-62E7-CF1B9775A920}"/>
-              </a:ext>
-            </a:extLst>
-          </p:cNvPr>
-          <p:cNvPicPr>
-            <a:picLocks noChangeAspect="1"/>
-          </p:cNvPicPr>
-          <p:nvPr/>
-        </p:nvPicPr>
-        <p:blipFill>
-          <a:blip r:embed="rId2">
-            <a:extLst>
-              <a:ext uri="{28A0092B-C50C-407E-A947-70E740481C1C}">
-                <a14:useLocalDpi xmlns:a14="http://schemas.microsoft.com/office/drawing/2010/main" val="0"/>
-              </a:ext>
-              <a:ext uri="{96DAC541-7B7A-43D3-8B79-37D633B846F1}">
-                <asvg:svgBlip xmlns:asvg="http://schemas.microsoft.com/office/drawing/2016/SVG/main" r:embed="rId3"/>
-              </a:ext>
-            </a:extLst>
-          </a:blip>
-          <a:stretch>
-            <a:fillRect/>
-          </a:stretch>
-        </p:blipFill>
-        <p:spPr>
-          <a:xfrm>
-            <a:off x="2403480" y="2979647"/>
-            <a:ext cx="505782" cy="505782"/>
-          </a:xfrm>
-          <a:prstGeom prst="rect">
-            <a:avLst/>
-          </a:prstGeom>
-        </p:spPr>
-      </p:pic>
-      <p:pic>
-        <p:nvPicPr>
-          <p:cNvPr id="14" name="コンテンツ プレースホルダー 7">
-            <a:extLst>
-              <a:ext uri="{FF2B5EF4-FFF2-40B4-BE49-F238E27FC236}">
-                <a16:creationId xmlns:a16="http://schemas.microsoft.com/office/drawing/2014/main" id="{A1240013-7CAC-F0DD-2799-95A51BAA3912}"/>
-              </a:ext>
-            </a:extLst>
-          </p:cNvPr>
-          <p:cNvPicPr>
-            <a:picLocks noChangeAspect="1"/>
-          </p:cNvPicPr>
-          <p:nvPr/>
-        </p:nvPicPr>
-        <p:blipFill>
-          <a:blip r:embed="rId2">
-            <a:extLst>
-              <a:ext uri="{28A0092B-C50C-407E-A947-70E740481C1C}">
-                <a14:useLocalDpi xmlns:a14="http://schemas.microsoft.com/office/drawing/2010/main" val="0"/>
-              </a:ext>
-              <a:ext uri="{96DAC541-7B7A-43D3-8B79-37D633B846F1}">
-                <asvg:svgBlip xmlns:asvg="http://schemas.microsoft.com/office/drawing/2016/SVG/main" r:embed="rId3"/>
-              </a:ext>
-            </a:extLst>
-          </a:blip>
-          <a:stretch>
-            <a:fillRect/>
-          </a:stretch>
-        </p:blipFill>
-        <p:spPr>
-          <a:xfrm>
-            <a:off x="2516864" y="3620309"/>
-            <a:ext cx="505782" cy="505782"/>
-          </a:xfrm>
-          <a:prstGeom prst="rect">
-            <a:avLst/>
-          </a:prstGeom>
-        </p:spPr>
-      </p:pic>
-      <p:pic>
-        <p:nvPicPr>
-          <p:cNvPr id="15" name="コンテンツ プレースホルダー 7">
-            <a:extLst>
-              <a:ext uri="{FF2B5EF4-FFF2-40B4-BE49-F238E27FC236}">
-                <a16:creationId xmlns:a16="http://schemas.microsoft.com/office/drawing/2014/main" id="{4446F8A4-1376-ED98-D6F9-FA9173D06000}"/>
-              </a:ext>
-            </a:extLst>
-          </p:cNvPr>
-          <p:cNvPicPr>
-            <a:picLocks noChangeAspect="1"/>
-          </p:cNvPicPr>
-          <p:nvPr/>
-        </p:nvPicPr>
-        <p:blipFill>
-          <a:blip r:embed="rId2">
-            <a:extLst>
-              <a:ext uri="{28A0092B-C50C-407E-A947-70E740481C1C}">
-                <a14:useLocalDpi xmlns:a14="http://schemas.microsoft.com/office/drawing/2010/main" val="0"/>
-              </a:ext>
-              <a:ext uri="{96DAC541-7B7A-43D3-8B79-37D633B846F1}">
-                <asvg:svgBlip xmlns:asvg="http://schemas.microsoft.com/office/drawing/2016/SVG/main" r:embed="rId3"/>
-              </a:ext>
-            </a:extLst>
-          </a:blip>
-          <a:stretch>
-            <a:fillRect/>
-          </a:stretch>
-        </p:blipFill>
-        <p:spPr>
-          <a:xfrm>
-            <a:off x="2312058" y="3342415"/>
-            <a:ext cx="505782" cy="505782"/>
-          </a:xfrm>
-          <a:prstGeom prst="rect">
-            <a:avLst/>
-          </a:prstGeom>
-        </p:spPr>
-      </p:pic>
-      <p:sp>
-        <p:nvSpPr>
-          <p:cNvPr id="16" name="テキスト ボックス 15">
-            <a:extLst>
-              <a:ext uri="{FF2B5EF4-FFF2-40B4-BE49-F238E27FC236}">
-                <a16:creationId xmlns:a16="http://schemas.microsoft.com/office/drawing/2014/main" id="{E925D23B-25DC-E97A-F24F-670FF95748E1}"/>
-              </a:ext>
-            </a:extLst>
-          </p:cNvPr>
-          <p:cNvSpPr txBox="1"/>
-          <p:nvPr/>
-        </p:nvSpPr>
-        <p:spPr>
-          <a:xfrm>
-            <a:off x="2244602" y="3485429"/>
-            <a:ext cx="647934" cy="276999"/>
-          </a:xfrm>
-          <a:prstGeom prst="rect">
-            <a:avLst/>
-          </a:prstGeom>
-          <a:noFill/>
-        </p:spPr>
-        <p:txBody>
-          <a:bodyPr wrap="none" rtlCol="0">
-            <a:spAutoFit/>
-          </a:bodyPr>
-          <a:lstStyle/>
-          <a:p>
-            <a:r>
-              <a:rPr kumimoji="1" lang="ja-JP" altLang="en-US" sz="1200" dirty="0">
-                <a:latin typeface="Meiryo UI" panose="020B0604030504040204" pitchFamily="50" charset="-128"/>
-                <a:ea typeface="Meiryo UI" panose="020B0604030504040204" pitchFamily="50" charset="-128"/>
-              </a:rPr>
-              <a:t>ブラウザ</a:t>
-            </a:r>
-          </a:p>
-        </p:txBody>
-      </p:sp>
-      <p:cxnSp>
-        <p:nvCxnSpPr>
-          <p:cNvPr id="17" name="直線矢印コネクタ 16">
-            <a:extLst>
-              <a:ext uri="{FF2B5EF4-FFF2-40B4-BE49-F238E27FC236}">
-                <a16:creationId xmlns:a16="http://schemas.microsoft.com/office/drawing/2014/main" id="{AE06B958-A9A8-B2A6-7634-155C331A40E1}"/>
-              </a:ext>
-            </a:extLst>
-          </p:cNvPr>
-          <p:cNvCxnSpPr>
-            <a:cxnSpLocks/>
-            <a:stCxn id="12" idx="3"/>
-            <a:endCxn id="8" idx="1"/>
-          </p:cNvCxnSpPr>
-          <p:nvPr/>
-        </p:nvCxnSpPr>
-        <p:spPr>
-          <a:xfrm>
-            <a:off x="3114068" y="3510432"/>
-            <a:ext cx="623095" cy="3483"/>
-          </a:xfrm>
-          <a:prstGeom prst="straightConnector1">
-            <a:avLst/>
-          </a:prstGeom>
-          <a:ln>
-            <a:solidFill>
-              <a:schemeClr val="tx1"/>
-            </a:solidFill>
-            <a:tailEnd type="triangle"/>
-          </a:ln>
-        </p:spPr>
-        <p:style>
-          <a:lnRef idx="1">
-            <a:schemeClr val="accent1"/>
-          </a:lnRef>
-          <a:fillRef idx="0">
-            <a:schemeClr val="accent1"/>
-          </a:fillRef>
-          <a:effectRef idx="0">
-            <a:schemeClr val="accent1"/>
-          </a:effectRef>
-          <a:fontRef idx="minor">
-            <a:schemeClr val="tx1"/>
-          </a:fontRef>
-        </p:style>
-      </p:cxnSp>
-      <p:cxnSp>
-        <p:nvCxnSpPr>
-          <p:cNvPr id="22" name="直線矢印コネクタ 21">
-            <a:extLst>
-              <a:ext uri="{FF2B5EF4-FFF2-40B4-BE49-F238E27FC236}">
-                <a16:creationId xmlns:a16="http://schemas.microsoft.com/office/drawing/2014/main" id="{EA69C7F3-2887-7D37-541E-F237918E4E65}"/>
-              </a:ext>
-            </a:extLst>
-          </p:cNvPr>
-          <p:cNvCxnSpPr>
-            <a:cxnSpLocks/>
-            <a:stCxn id="15" idx="3"/>
-            <a:endCxn id="8" idx="1"/>
-          </p:cNvCxnSpPr>
-          <p:nvPr/>
-        </p:nvCxnSpPr>
-        <p:spPr>
-          <a:xfrm flipV="1">
-            <a:off x="2817840" y="3513915"/>
-            <a:ext cx="919323" cy="81391"/>
-          </a:xfrm>
-          <a:prstGeom prst="straightConnector1">
-            <a:avLst/>
-          </a:prstGeom>
-          <a:ln>
-            <a:solidFill>
-              <a:schemeClr val="tx1"/>
-            </a:solidFill>
-            <a:tailEnd type="triangle"/>
-          </a:ln>
-        </p:spPr>
-        <p:style>
-          <a:lnRef idx="1">
-            <a:schemeClr val="accent1"/>
-          </a:lnRef>
-          <a:fillRef idx="0">
-            <a:schemeClr val="accent1"/>
-          </a:fillRef>
-          <a:effectRef idx="0">
-            <a:schemeClr val="accent1"/>
-          </a:effectRef>
-          <a:fontRef idx="minor">
-            <a:schemeClr val="tx1"/>
-          </a:fontRef>
-        </p:style>
-      </p:cxnSp>
-      <p:cxnSp>
-        <p:nvCxnSpPr>
-          <p:cNvPr id="27" name="直線矢印コネクタ 26">
-            <a:extLst>
-              <a:ext uri="{FF2B5EF4-FFF2-40B4-BE49-F238E27FC236}">
-                <a16:creationId xmlns:a16="http://schemas.microsoft.com/office/drawing/2014/main" id="{1B1BF37B-9B21-A27A-9487-0EED325608EA}"/>
-              </a:ext>
-            </a:extLst>
-          </p:cNvPr>
-          <p:cNvCxnSpPr>
-            <a:cxnSpLocks/>
-            <a:stCxn id="14" idx="3"/>
-            <a:endCxn id="8" idx="1"/>
-          </p:cNvCxnSpPr>
-          <p:nvPr/>
-        </p:nvCxnSpPr>
-        <p:spPr>
-          <a:xfrm flipV="1">
-            <a:off x="3022646" y="3513915"/>
-            <a:ext cx="714517" cy="359285"/>
-          </a:xfrm>
-          <a:prstGeom prst="straightConnector1">
-            <a:avLst/>
-          </a:prstGeom>
-          <a:ln>
-            <a:solidFill>
-              <a:schemeClr val="tx1"/>
-            </a:solidFill>
-            <a:tailEnd type="triangle"/>
-          </a:ln>
-        </p:spPr>
-        <p:style>
-          <a:lnRef idx="1">
-            <a:schemeClr val="accent1"/>
-          </a:lnRef>
-          <a:fillRef idx="0">
-            <a:schemeClr val="accent1"/>
-          </a:fillRef>
-          <a:effectRef idx="0">
-            <a:schemeClr val="accent1"/>
-          </a:effectRef>
-          <a:fontRef idx="minor">
-            <a:schemeClr val="tx1"/>
-          </a:fontRef>
-        </p:style>
-      </p:cxnSp>
-      <p:cxnSp>
-        <p:nvCxnSpPr>
-          <p:cNvPr id="30" name="直線矢印コネクタ 29">
-            <a:extLst>
-              <a:ext uri="{FF2B5EF4-FFF2-40B4-BE49-F238E27FC236}">
-                <a16:creationId xmlns:a16="http://schemas.microsoft.com/office/drawing/2014/main" id="{2C2057DE-051A-97DF-8B9E-43E6D39D5032}"/>
-              </a:ext>
-            </a:extLst>
-          </p:cNvPr>
-          <p:cNvCxnSpPr>
-            <a:cxnSpLocks/>
-            <a:stCxn id="13" idx="3"/>
-            <a:endCxn id="8" idx="1"/>
-          </p:cNvCxnSpPr>
-          <p:nvPr/>
-        </p:nvCxnSpPr>
-        <p:spPr>
-          <a:xfrm>
-            <a:off x="2909262" y="3232538"/>
-            <a:ext cx="827901" cy="281377"/>
-          </a:xfrm>
-          <a:prstGeom prst="straightConnector1">
-            <a:avLst/>
-          </a:prstGeom>
-          <a:ln>
-            <a:solidFill>
-              <a:schemeClr val="tx1"/>
-            </a:solidFill>
-            <a:tailEnd type="triangle"/>
-          </a:ln>
-        </p:spPr>
-        <p:style>
-          <a:lnRef idx="1">
-            <a:schemeClr val="accent1"/>
-          </a:lnRef>
-          <a:fillRef idx="0">
-            <a:schemeClr val="accent1"/>
-          </a:fillRef>
-          <a:effectRef idx="0">
-            <a:schemeClr val="accent1"/>
-          </a:effectRef>
-          <a:fontRef idx="minor">
-            <a:schemeClr val="tx1"/>
-          </a:fontRef>
-        </p:style>
-      </p:cxnSp>
-      <p:grpSp>
-        <p:nvGrpSpPr>
-          <p:cNvPr id="33" name="グループ化 32">
-            <a:extLst>
-              <a:ext uri="{FF2B5EF4-FFF2-40B4-BE49-F238E27FC236}">
-                <a16:creationId xmlns:a16="http://schemas.microsoft.com/office/drawing/2014/main" id="{CC58BF88-5ACA-2536-38AA-429E76AC8901}"/>
-              </a:ext>
-            </a:extLst>
-          </p:cNvPr>
-          <p:cNvGrpSpPr/>
-          <p:nvPr/>
-        </p:nvGrpSpPr>
-        <p:grpSpPr>
-          <a:xfrm rot="16200000">
-            <a:off x="5685585" y="3286336"/>
-            <a:ext cx="318581" cy="461685"/>
-            <a:chOff x="2995256" y="5384007"/>
-            <a:chExt cx="345064" cy="500064"/>
-          </a:xfrm>
-        </p:grpSpPr>
-        <p:sp>
-          <p:nvSpPr>
-            <p:cNvPr id="34" name="左大かっこ 33">
-              <a:extLst>
-                <a:ext uri="{FF2B5EF4-FFF2-40B4-BE49-F238E27FC236}">
-                  <a16:creationId xmlns:a16="http://schemas.microsoft.com/office/drawing/2014/main" id="{D2BE75DA-B066-4625-6827-6425CA83BCEA}"/>
-                </a:ext>
-              </a:extLst>
-            </p:cNvPr>
-            <p:cNvSpPr/>
-            <p:nvPr/>
-          </p:nvSpPr>
-          <p:spPr>
-            <a:xfrm>
-              <a:off x="3268320" y="5384007"/>
-              <a:ext cx="72000" cy="500064"/>
-            </a:xfrm>
-            <a:prstGeom prst="leftBracket">
-              <a:avLst>
-                <a:gd name="adj" fmla="val 40648"/>
-              </a:avLst>
-            </a:prstGeom>
-          </p:spPr>
-          <p:style>
-            <a:lnRef idx="1">
-              <a:schemeClr val="dk1"/>
-            </a:lnRef>
-            <a:fillRef idx="0">
-              <a:schemeClr val="dk1"/>
-            </a:fillRef>
-            <a:effectRef idx="0">
-              <a:schemeClr val="dk1"/>
-            </a:effectRef>
-            <a:fontRef idx="minor">
-              <a:schemeClr val="tx1"/>
-            </a:fontRef>
-          </p:style>
-          <p:txBody>
-            <a:bodyPr rtlCol="0" anchor="ctr"/>
-            <a:lstStyle/>
-            <a:p>
-              <a:pPr algn="ctr"/>
-              <a:endParaRPr kumimoji="1" lang="ja-JP" altLang="en-US"/>
-            </a:p>
-          </p:txBody>
-        </p:sp>
-        <p:sp>
-          <p:nvSpPr>
-            <p:cNvPr id="35" name="右大かっこ 34">
-              <a:extLst>
-                <a:ext uri="{FF2B5EF4-FFF2-40B4-BE49-F238E27FC236}">
-                  <a16:creationId xmlns:a16="http://schemas.microsoft.com/office/drawing/2014/main" id="{721B1BA0-BF95-3F82-0D2D-BBAFF2E1C009}"/>
-                </a:ext>
-              </a:extLst>
-            </p:cNvPr>
-            <p:cNvSpPr/>
-            <p:nvPr/>
-          </p:nvSpPr>
-          <p:spPr>
-            <a:xfrm>
-              <a:off x="2995256" y="5384007"/>
-              <a:ext cx="72000" cy="500064"/>
-            </a:xfrm>
-            <a:prstGeom prst="rightBracket">
-              <a:avLst>
-                <a:gd name="adj" fmla="val 36919"/>
-              </a:avLst>
-            </a:prstGeom>
-          </p:spPr>
-          <p:style>
-            <a:lnRef idx="1">
-              <a:schemeClr val="dk1"/>
-            </a:lnRef>
-            <a:fillRef idx="0">
-              <a:schemeClr val="dk1"/>
-            </a:fillRef>
-            <a:effectRef idx="0">
-              <a:schemeClr val="dk1"/>
-            </a:effectRef>
-            <a:fontRef idx="minor">
-              <a:schemeClr val="tx1"/>
-            </a:fontRef>
-          </p:style>
-          <p:txBody>
-            <a:bodyPr rtlCol="0" anchor="ctr"/>
-            <a:lstStyle/>
-            <a:p>
-              <a:pPr algn="ctr"/>
-              <a:endParaRPr kumimoji="1" lang="ja-JP" altLang="en-US"/>
-            </a:p>
-          </p:txBody>
-        </p:sp>
-        <p:grpSp>
-          <p:nvGrpSpPr>
-            <p:cNvPr id="36" name="グループ化 35">
-              <a:extLst>
-                <a:ext uri="{FF2B5EF4-FFF2-40B4-BE49-F238E27FC236}">
-                  <a16:creationId xmlns:a16="http://schemas.microsoft.com/office/drawing/2014/main" id="{9345D073-6DC0-3F60-89CB-F4D212537E66}"/>
-                </a:ext>
-              </a:extLst>
-            </p:cNvPr>
-            <p:cNvGrpSpPr/>
-            <p:nvPr/>
-          </p:nvGrpSpPr>
-          <p:grpSpPr>
-            <a:xfrm>
-              <a:off x="3084444" y="5384007"/>
-              <a:ext cx="166688" cy="500064"/>
-              <a:chOff x="3286850" y="5393532"/>
-              <a:chExt cx="166688" cy="500064"/>
-            </a:xfrm>
-          </p:grpSpPr>
-          <p:sp>
-            <p:nvSpPr>
-              <p:cNvPr id="37" name="楕円 36">
-                <a:extLst>
-                  <a:ext uri="{FF2B5EF4-FFF2-40B4-BE49-F238E27FC236}">
-                    <a16:creationId xmlns:a16="http://schemas.microsoft.com/office/drawing/2014/main" id="{BA89CBAA-692E-5A63-50CB-8F10CCD751C2}"/>
-                  </a:ext>
-                </a:extLst>
-              </p:cNvPr>
-              <p:cNvSpPr/>
-              <p:nvPr/>
-            </p:nvSpPr>
-            <p:spPr>
-              <a:xfrm>
-                <a:off x="3286850" y="5393532"/>
-                <a:ext cx="166688" cy="166688"/>
-              </a:xfrm>
-              <a:prstGeom prst="ellipse">
-                <a:avLst/>
-              </a:prstGeom>
-              <a:solidFill>
-                <a:schemeClr val="accent1"/>
-              </a:solidFill>
-              <a:ln>
-                <a:noFill/>
-              </a:ln>
-            </p:spPr>
-            <p:style>
-              <a:lnRef idx="3">
-                <a:schemeClr val="lt1"/>
-              </a:lnRef>
-              <a:fillRef idx="1">
-                <a:schemeClr val="accent2"/>
-              </a:fillRef>
-              <a:effectRef idx="1">
-                <a:schemeClr val="accent2"/>
-              </a:effectRef>
-              <a:fontRef idx="minor">
-                <a:schemeClr val="lt1"/>
-              </a:fontRef>
-            </p:style>
-            <p:txBody>
-              <a:bodyPr rtlCol="0" anchor="ctr"/>
-              <a:lstStyle/>
-              <a:p>
-                <a:pPr algn="ctr"/>
-                <a:endParaRPr kumimoji="1" lang="ja-JP" altLang="en-US"/>
-              </a:p>
-            </p:txBody>
-          </p:sp>
-          <p:sp>
-            <p:nvSpPr>
-              <p:cNvPr id="38" name="楕円 37">
-                <a:extLst>
-                  <a:ext uri="{FF2B5EF4-FFF2-40B4-BE49-F238E27FC236}">
-                    <a16:creationId xmlns:a16="http://schemas.microsoft.com/office/drawing/2014/main" id="{6E6C7512-FC9B-E0F9-FEC0-1B88541403B2}"/>
-                  </a:ext>
-                </a:extLst>
-              </p:cNvPr>
-              <p:cNvSpPr/>
-              <p:nvPr/>
-            </p:nvSpPr>
-            <p:spPr>
-              <a:xfrm>
-                <a:off x="3286850" y="5560220"/>
-                <a:ext cx="166688" cy="166688"/>
-              </a:xfrm>
-              <a:prstGeom prst="ellipse">
-                <a:avLst/>
-              </a:prstGeom>
-              <a:solidFill>
-                <a:schemeClr val="accent1"/>
-              </a:solidFill>
-              <a:ln>
-                <a:noFill/>
-              </a:ln>
-            </p:spPr>
-            <p:style>
-              <a:lnRef idx="3">
-                <a:schemeClr val="lt1"/>
-              </a:lnRef>
-              <a:fillRef idx="1">
-                <a:schemeClr val="accent2"/>
-              </a:fillRef>
-              <a:effectRef idx="1">
-                <a:schemeClr val="accent2"/>
-              </a:effectRef>
-              <a:fontRef idx="minor">
-                <a:schemeClr val="lt1"/>
-              </a:fontRef>
-            </p:style>
-            <p:txBody>
-              <a:bodyPr rtlCol="0" anchor="ctr"/>
-              <a:lstStyle/>
-              <a:p>
-                <a:pPr algn="ctr"/>
-                <a:endParaRPr kumimoji="1" lang="ja-JP" altLang="en-US"/>
-              </a:p>
-            </p:txBody>
-          </p:sp>
-          <p:sp>
-            <p:nvSpPr>
-              <p:cNvPr id="39" name="楕円 38">
-                <a:extLst>
-                  <a:ext uri="{FF2B5EF4-FFF2-40B4-BE49-F238E27FC236}">
-                    <a16:creationId xmlns:a16="http://schemas.microsoft.com/office/drawing/2014/main" id="{697A600E-F7D5-EB63-70B5-114BFEF93EB2}"/>
-                  </a:ext>
-                </a:extLst>
-              </p:cNvPr>
-              <p:cNvSpPr/>
-              <p:nvPr/>
-            </p:nvSpPr>
-            <p:spPr>
-              <a:xfrm>
-                <a:off x="3286850" y="5726908"/>
-                <a:ext cx="166688" cy="166688"/>
-              </a:xfrm>
-              <a:prstGeom prst="ellipse">
-                <a:avLst/>
-              </a:prstGeom>
-              <a:solidFill>
-                <a:schemeClr val="accent1"/>
-              </a:solidFill>
-              <a:ln>
-                <a:noFill/>
-              </a:ln>
-            </p:spPr>
-            <p:style>
-              <a:lnRef idx="3">
-                <a:schemeClr val="lt1"/>
-              </a:lnRef>
-              <a:fillRef idx="1">
-                <a:schemeClr val="accent2"/>
-              </a:fillRef>
-              <a:effectRef idx="1">
-                <a:schemeClr val="accent2"/>
-              </a:effectRef>
-              <a:fontRef idx="minor">
-                <a:schemeClr val="lt1"/>
-              </a:fontRef>
-            </p:style>
-            <p:txBody>
-              <a:bodyPr rtlCol="0" anchor="ctr"/>
-              <a:lstStyle/>
-              <a:p>
-                <a:pPr algn="ctr"/>
-                <a:endParaRPr kumimoji="1" lang="ja-JP" altLang="en-US"/>
-              </a:p>
-            </p:txBody>
-          </p:sp>
-        </p:grpSp>
-      </p:grpSp>
-      <p:cxnSp>
-        <p:nvCxnSpPr>
-          <p:cNvPr id="40" name="直線矢印コネクタ 39">
-            <a:extLst>
-              <a:ext uri="{FF2B5EF4-FFF2-40B4-BE49-F238E27FC236}">
-                <a16:creationId xmlns:a16="http://schemas.microsoft.com/office/drawing/2014/main" id="{0A71BF10-6DD4-A2FE-FB93-ADAD94128C5F}"/>
-              </a:ext>
-            </a:extLst>
-          </p:cNvPr>
-          <p:cNvCxnSpPr>
-            <a:cxnSpLocks/>
-            <a:stCxn id="7" idx="3"/>
-            <a:endCxn id="37" idx="0"/>
-          </p:cNvCxnSpPr>
-          <p:nvPr/>
-        </p:nvCxnSpPr>
-        <p:spPr>
-          <a:xfrm>
-            <a:off x="5280587" y="3513170"/>
-            <a:ext cx="333446" cy="4008"/>
-          </a:xfrm>
-          <a:prstGeom prst="straightConnector1">
-            <a:avLst/>
-          </a:prstGeom>
-          <a:ln>
-            <a:solidFill>
-              <a:schemeClr val="tx1"/>
-            </a:solidFill>
-            <a:tailEnd type="triangle"/>
-          </a:ln>
-        </p:spPr>
-        <p:style>
-          <a:lnRef idx="1">
-            <a:schemeClr val="accent1"/>
-          </a:lnRef>
-          <a:fillRef idx="0">
-            <a:schemeClr val="accent1"/>
-          </a:fillRef>
-          <a:effectRef idx="0">
-            <a:schemeClr val="accent1"/>
-          </a:effectRef>
-          <a:fontRef idx="minor">
-            <a:schemeClr val="tx1"/>
-          </a:fontRef>
-        </p:style>
-      </p:cxnSp>
-      <p:cxnSp>
-        <p:nvCxnSpPr>
-          <p:cNvPr id="44" name="直線矢印コネクタ 43">
-            <a:extLst>
-              <a:ext uri="{FF2B5EF4-FFF2-40B4-BE49-F238E27FC236}">
-                <a16:creationId xmlns:a16="http://schemas.microsoft.com/office/drawing/2014/main" id="{56706557-CB10-91A6-F5FC-E184F3CBCDE8}"/>
-              </a:ext>
-            </a:extLst>
-          </p:cNvPr>
-          <p:cNvCxnSpPr>
-            <a:cxnSpLocks/>
-            <a:stCxn id="7" idx="1"/>
-            <a:endCxn id="8" idx="3"/>
-          </p:cNvCxnSpPr>
-          <p:nvPr/>
-        </p:nvCxnSpPr>
-        <p:spPr>
-          <a:xfrm flipH="1">
-            <a:off x="3932985" y="3513170"/>
-            <a:ext cx="321339" cy="745"/>
-          </a:xfrm>
-          <a:prstGeom prst="straightConnector1">
-            <a:avLst/>
-          </a:prstGeom>
-          <a:ln>
-            <a:solidFill>
-              <a:schemeClr val="tx1"/>
-            </a:solidFill>
-            <a:tailEnd type="triangle"/>
-          </a:ln>
-        </p:spPr>
-        <p:style>
-          <a:lnRef idx="1">
-            <a:schemeClr val="accent1"/>
-          </a:lnRef>
-          <a:fillRef idx="0">
-            <a:schemeClr val="accent1"/>
-          </a:fillRef>
-          <a:effectRef idx="0">
-            <a:schemeClr val="accent1"/>
-          </a:effectRef>
-          <a:fontRef idx="minor">
-            <a:schemeClr val="tx1"/>
-          </a:fontRef>
-        </p:style>
-      </p:cxnSp>
-      <p:sp>
-        <p:nvSpPr>
-          <p:cNvPr id="47" name="テキスト ボックス 46">
-            <a:extLst>
-              <a:ext uri="{FF2B5EF4-FFF2-40B4-BE49-F238E27FC236}">
-                <a16:creationId xmlns:a16="http://schemas.microsoft.com/office/drawing/2014/main" id="{391049C0-F3D8-AF8F-034F-5875F69108B1}"/>
-              </a:ext>
-            </a:extLst>
-          </p:cNvPr>
-          <p:cNvSpPr txBox="1"/>
-          <p:nvPr/>
-        </p:nvSpPr>
-        <p:spPr>
-          <a:xfrm>
-            <a:off x="3483054" y="3580707"/>
-            <a:ext cx="704039" cy="215444"/>
-          </a:xfrm>
-          <a:prstGeom prst="rect">
-            <a:avLst/>
-          </a:prstGeom>
-          <a:noFill/>
-        </p:spPr>
-        <p:txBody>
-          <a:bodyPr wrap="none" rtlCol="0">
-            <a:spAutoFit/>
-          </a:bodyPr>
-          <a:lstStyle/>
-          <a:p>
-            <a:r>
-              <a:rPr kumimoji="1" lang="ja-JP" altLang="en-US" sz="800" dirty="0">
-                <a:latin typeface="Meiryo UI" panose="020B0604030504040204" pitchFamily="50" charset="-128"/>
-                <a:ea typeface="Meiryo UI" panose="020B0604030504040204" pitchFamily="50" charset="-128"/>
-              </a:rPr>
-              <a:t>通信チャネル</a:t>
-            </a:r>
-          </a:p>
-        </p:txBody>
-      </p:sp>
-      <p:sp>
-        <p:nvSpPr>
-          <p:cNvPr id="48" name="正方形/長方形 47">
-            <a:extLst>
-              <a:ext uri="{FF2B5EF4-FFF2-40B4-BE49-F238E27FC236}">
-                <a16:creationId xmlns:a16="http://schemas.microsoft.com/office/drawing/2014/main" id="{91B99B35-8B0A-7365-1DEA-43D8AC580F22}"/>
-              </a:ext>
-            </a:extLst>
-          </p:cNvPr>
-          <p:cNvSpPr/>
-          <p:nvPr/>
-        </p:nvSpPr>
-        <p:spPr>
-          <a:xfrm>
-            <a:off x="6540173" y="2677506"/>
-            <a:ext cx="1026263" cy="261880"/>
-          </a:xfrm>
-          <a:prstGeom prst="rect">
-            <a:avLst/>
-          </a:prstGeom>
-          <a:solidFill>
-            <a:schemeClr val="accent1">
-              <a:lumMod val="20000"/>
-              <a:lumOff val="80000"/>
-            </a:schemeClr>
-          </a:solidFill>
-        </p:spPr>
-        <p:style>
-          <a:lnRef idx="2">
-            <a:schemeClr val="dk1"/>
-          </a:lnRef>
-          <a:fillRef idx="1">
-            <a:schemeClr val="lt1"/>
-          </a:fillRef>
-          <a:effectRef idx="0">
-            <a:schemeClr val="dk1"/>
-          </a:effectRef>
-          <a:fontRef idx="minor">
-            <a:schemeClr val="dk1"/>
-          </a:fontRef>
-        </p:style>
-        <p:txBody>
-          <a:bodyPr wrap="none" lIns="0" tIns="0" rIns="0" bIns="0" rtlCol="0" anchor="ctr"/>
-          <a:lstStyle/>
-          <a:p>
-            <a:pPr algn="ctr"/>
-            <a:r>
-              <a:rPr kumimoji="1" lang="ja-JP" altLang="en-US" sz="1000" dirty="0">
-                <a:latin typeface="Meiryo UI" panose="020B0604030504040204" pitchFamily="50" charset="-128"/>
-                <a:ea typeface="Meiryo UI" panose="020B0604030504040204" pitchFamily="50" charset="-128"/>
-              </a:rPr>
-              <a:t>③ワーカースレッド</a:t>
-            </a:r>
-          </a:p>
-        </p:txBody>
-      </p:sp>
-      <p:sp>
-        <p:nvSpPr>
-          <p:cNvPr id="49" name="正方形/長方形 48">
-            <a:extLst>
-              <a:ext uri="{FF2B5EF4-FFF2-40B4-BE49-F238E27FC236}">
-                <a16:creationId xmlns:a16="http://schemas.microsoft.com/office/drawing/2014/main" id="{7EE8D3C4-B45D-CE8B-62D1-CF5AE5797AE9}"/>
-              </a:ext>
-            </a:extLst>
-          </p:cNvPr>
-          <p:cNvSpPr/>
-          <p:nvPr/>
-        </p:nvSpPr>
-        <p:spPr>
-          <a:xfrm>
-            <a:off x="6540173" y="3141309"/>
-            <a:ext cx="1026263" cy="261880"/>
-          </a:xfrm>
-          <a:prstGeom prst="rect">
-            <a:avLst/>
-          </a:prstGeom>
-          <a:solidFill>
-            <a:schemeClr val="accent1">
-              <a:lumMod val="20000"/>
-              <a:lumOff val="80000"/>
-            </a:schemeClr>
-          </a:solidFill>
-        </p:spPr>
-        <p:style>
-          <a:lnRef idx="2">
-            <a:schemeClr val="dk1"/>
-          </a:lnRef>
-          <a:fillRef idx="1">
-            <a:schemeClr val="lt1"/>
-          </a:fillRef>
-          <a:effectRef idx="0">
-            <a:schemeClr val="dk1"/>
-          </a:effectRef>
-          <a:fontRef idx="minor">
-            <a:schemeClr val="dk1"/>
-          </a:fontRef>
-        </p:style>
-        <p:txBody>
-          <a:bodyPr wrap="none" lIns="0" tIns="0" rIns="0" bIns="0" rtlCol="0" anchor="ctr"/>
-          <a:lstStyle/>
-          <a:p>
-            <a:pPr algn="ctr"/>
-            <a:r>
-              <a:rPr kumimoji="1" lang="ja-JP" altLang="en-US" sz="1000" dirty="0">
-                <a:latin typeface="Meiryo UI" panose="020B0604030504040204" pitchFamily="50" charset="-128"/>
-                <a:ea typeface="Meiryo UI" panose="020B0604030504040204" pitchFamily="50" charset="-128"/>
-              </a:rPr>
-              <a:t>③ワーカースレッド</a:t>
-            </a:r>
-          </a:p>
-        </p:txBody>
-      </p:sp>
-      <p:sp>
-        <p:nvSpPr>
-          <p:cNvPr id="50" name="正方形/長方形 49">
-            <a:extLst>
-              <a:ext uri="{FF2B5EF4-FFF2-40B4-BE49-F238E27FC236}">
-                <a16:creationId xmlns:a16="http://schemas.microsoft.com/office/drawing/2014/main" id="{CF591BED-79E1-BDD4-EFA7-D99B25CA2432}"/>
-              </a:ext>
-            </a:extLst>
-          </p:cNvPr>
-          <p:cNvSpPr/>
-          <p:nvPr/>
-        </p:nvSpPr>
-        <p:spPr>
-          <a:xfrm>
-            <a:off x="6540173" y="3674350"/>
-            <a:ext cx="1026263" cy="261880"/>
-          </a:xfrm>
-          <a:prstGeom prst="rect">
-            <a:avLst/>
-          </a:prstGeom>
-          <a:solidFill>
-            <a:schemeClr val="accent1">
-              <a:lumMod val="20000"/>
-              <a:lumOff val="80000"/>
-            </a:schemeClr>
-          </a:solidFill>
-        </p:spPr>
-        <p:style>
-          <a:lnRef idx="2">
-            <a:schemeClr val="dk1"/>
-          </a:lnRef>
-          <a:fillRef idx="1">
-            <a:schemeClr val="lt1"/>
-          </a:fillRef>
-          <a:effectRef idx="0">
-            <a:schemeClr val="dk1"/>
-          </a:effectRef>
-          <a:fontRef idx="minor">
-            <a:schemeClr val="dk1"/>
-          </a:fontRef>
-        </p:style>
-        <p:txBody>
-          <a:bodyPr wrap="none" lIns="0" tIns="0" rIns="0" bIns="0" rtlCol="0" anchor="ctr"/>
-          <a:lstStyle/>
-          <a:p>
-            <a:pPr algn="ctr"/>
-            <a:r>
-              <a:rPr kumimoji="1" lang="ja-JP" altLang="en-US" sz="1000" dirty="0">
-                <a:latin typeface="Meiryo UI" panose="020B0604030504040204" pitchFamily="50" charset="-128"/>
-                <a:ea typeface="Meiryo UI" panose="020B0604030504040204" pitchFamily="50" charset="-128"/>
-              </a:rPr>
-              <a:t>③ワーカースレッド</a:t>
-            </a:r>
-          </a:p>
-        </p:txBody>
-      </p:sp>
-      <p:sp>
-        <p:nvSpPr>
-          <p:cNvPr id="51" name="正方形/長方形 50">
-            <a:extLst>
-              <a:ext uri="{FF2B5EF4-FFF2-40B4-BE49-F238E27FC236}">
-                <a16:creationId xmlns:a16="http://schemas.microsoft.com/office/drawing/2014/main" id="{9711BFFF-1E20-7CA9-F9FE-39BB8EE3F35A}"/>
-              </a:ext>
-            </a:extLst>
-          </p:cNvPr>
-          <p:cNvSpPr/>
-          <p:nvPr/>
-        </p:nvSpPr>
-        <p:spPr>
-          <a:xfrm>
-            <a:off x="6540173" y="4156214"/>
-            <a:ext cx="1026263" cy="261880"/>
-          </a:xfrm>
-          <a:prstGeom prst="rect">
-            <a:avLst/>
-          </a:prstGeom>
-          <a:solidFill>
-            <a:schemeClr val="accent1">
-              <a:lumMod val="20000"/>
-              <a:lumOff val="80000"/>
-            </a:schemeClr>
-          </a:solidFill>
-        </p:spPr>
-        <p:style>
-          <a:lnRef idx="2">
-            <a:schemeClr val="dk1"/>
-          </a:lnRef>
-          <a:fillRef idx="1">
-            <a:schemeClr val="lt1"/>
-          </a:fillRef>
-          <a:effectRef idx="0">
-            <a:schemeClr val="dk1"/>
-          </a:effectRef>
-          <a:fontRef idx="minor">
-            <a:schemeClr val="dk1"/>
-          </a:fontRef>
-        </p:style>
-        <p:txBody>
-          <a:bodyPr wrap="none" lIns="0" tIns="0" rIns="0" bIns="0" rtlCol="0" anchor="ctr"/>
-          <a:lstStyle/>
-          <a:p>
-            <a:pPr algn="ctr"/>
-            <a:r>
-              <a:rPr kumimoji="1" lang="ja-JP" altLang="en-US" sz="1000" dirty="0">
-                <a:latin typeface="Meiryo UI" panose="020B0604030504040204" pitchFamily="50" charset="-128"/>
-                <a:ea typeface="Meiryo UI" panose="020B0604030504040204" pitchFamily="50" charset="-128"/>
-              </a:rPr>
-              <a:t>③ワーカースレッド</a:t>
-            </a:r>
-          </a:p>
-        </p:txBody>
-      </p:sp>
-      <p:sp>
-        <p:nvSpPr>
-          <p:cNvPr id="52" name="四角形: 角を丸くする 51">
-            <a:extLst>
-              <a:ext uri="{FF2B5EF4-FFF2-40B4-BE49-F238E27FC236}">
-                <a16:creationId xmlns:a16="http://schemas.microsoft.com/office/drawing/2014/main" id="{3FD829A7-D334-A561-6D81-CB503082408C}"/>
-              </a:ext>
-            </a:extLst>
-          </p:cNvPr>
-          <p:cNvSpPr/>
-          <p:nvPr/>
-        </p:nvSpPr>
-        <p:spPr>
-          <a:xfrm>
-            <a:off x="7850335" y="2677506"/>
-            <a:ext cx="903838" cy="261880"/>
-          </a:xfrm>
-          <a:prstGeom prst="roundRect">
-            <a:avLst/>
-          </a:prstGeom>
-          <a:solidFill>
-            <a:schemeClr val="accent4">
-              <a:lumMod val="20000"/>
-              <a:lumOff val="80000"/>
-            </a:schemeClr>
-          </a:solidFill>
-        </p:spPr>
-        <p:style>
-          <a:lnRef idx="2">
-            <a:schemeClr val="accent1">
-              <a:shade val="15000"/>
-            </a:schemeClr>
-          </a:lnRef>
-          <a:fillRef idx="1">
-            <a:schemeClr val="accent1"/>
-          </a:fillRef>
-          <a:effectRef idx="0">
-            <a:schemeClr val="accent1"/>
-          </a:effectRef>
-          <a:fontRef idx="minor">
-            <a:schemeClr val="lt1"/>
-          </a:fontRef>
-        </p:style>
-        <p:txBody>
-          <a:bodyPr rtlCol="0" anchor="ctr"/>
-          <a:lstStyle/>
-          <a:p>
-            <a:pPr algn="ctr"/>
-            <a:r>
-              <a:rPr kumimoji="1" lang="en-US" altLang="ja-JP" sz="1000" dirty="0">
-                <a:solidFill>
-                  <a:schemeClr val="tx2"/>
-                </a:solidFill>
-                <a:latin typeface="Meiryo UI" panose="020B0604030504040204" pitchFamily="50" charset="-128"/>
-                <a:ea typeface="Meiryo UI" panose="020B0604030504040204" pitchFamily="50" charset="-128"/>
-              </a:rPr>
-              <a:t>Web </a:t>
-            </a:r>
-            <a:r>
-              <a:rPr kumimoji="1" lang="ja-JP" altLang="en-US" sz="1000" dirty="0">
-                <a:solidFill>
-                  <a:schemeClr val="tx2"/>
-                </a:solidFill>
-                <a:latin typeface="Meiryo UI" panose="020B0604030504040204" pitchFamily="50" charset="-128"/>
-                <a:ea typeface="Meiryo UI" panose="020B0604030504040204" pitchFamily="50" charset="-128"/>
-              </a:rPr>
-              <a:t>アプリ</a:t>
-            </a:r>
-          </a:p>
-        </p:txBody>
-      </p:sp>
-      <p:sp>
-        <p:nvSpPr>
-          <p:cNvPr id="53" name="四角形: 角を丸くする 52">
-            <a:extLst>
-              <a:ext uri="{FF2B5EF4-FFF2-40B4-BE49-F238E27FC236}">
-                <a16:creationId xmlns:a16="http://schemas.microsoft.com/office/drawing/2014/main" id="{8E8C89C1-5D56-E21B-0525-42CAC1D70A95}"/>
-              </a:ext>
-            </a:extLst>
-          </p:cNvPr>
-          <p:cNvSpPr/>
-          <p:nvPr/>
-        </p:nvSpPr>
-        <p:spPr>
-          <a:xfrm>
-            <a:off x="7850335" y="3141309"/>
-            <a:ext cx="903838" cy="261880"/>
-          </a:xfrm>
-          <a:prstGeom prst="roundRect">
-            <a:avLst/>
-          </a:prstGeom>
-          <a:solidFill>
-            <a:schemeClr val="accent4">
-              <a:lumMod val="20000"/>
-              <a:lumOff val="80000"/>
-            </a:schemeClr>
-          </a:solidFill>
-        </p:spPr>
-        <p:style>
-          <a:lnRef idx="2">
-            <a:schemeClr val="accent1">
-              <a:shade val="15000"/>
-            </a:schemeClr>
-          </a:lnRef>
-          <a:fillRef idx="1">
-            <a:schemeClr val="accent1"/>
-          </a:fillRef>
-          <a:effectRef idx="0">
-            <a:schemeClr val="accent1"/>
-          </a:effectRef>
-          <a:fontRef idx="minor">
-            <a:schemeClr val="lt1"/>
-          </a:fontRef>
-        </p:style>
-        <p:txBody>
-          <a:bodyPr rtlCol="0" anchor="ctr"/>
-          <a:lstStyle/>
-          <a:p>
-            <a:pPr algn="ctr"/>
-            <a:r>
-              <a:rPr kumimoji="1" lang="en-US" altLang="ja-JP" sz="1000" dirty="0">
-                <a:solidFill>
-                  <a:schemeClr val="tx2"/>
-                </a:solidFill>
-                <a:latin typeface="Meiryo UI" panose="020B0604030504040204" pitchFamily="50" charset="-128"/>
-                <a:ea typeface="Meiryo UI" panose="020B0604030504040204" pitchFamily="50" charset="-128"/>
-              </a:rPr>
-              <a:t>Web </a:t>
-            </a:r>
-            <a:r>
-              <a:rPr kumimoji="1" lang="ja-JP" altLang="en-US" sz="1000" dirty="0">
-                <a:solidFill>
-                  <a:schemeClr val="tx2"/>
-                </a:solidFill>
-                <a:latin typeface="Meiryo UI" panose="020B0604030504040204" pitchFamily="50" charset="-128"/>
-                <a:ea typeface="Meiryo UI" panose="020B0604030504040204" pitchFamily="50" charset="-128"/>
-              </a:rPr>
-              <a:t>アプリ</a:t>
-            </a:r>
-          </a:p>
-        </p:txBody>
-      </p:sp>
-      <p:sp>
-        <p:nvSpPr>
-          <p:cNvPr id="54" name="四角形: 角を丸くする 53">
-            <a:extLst>
-              <a:ext uri="{FF2B5EF4-FFF2-40B4-BE49-F238E27FC236}">
-                <a16:creationId xmlns:a16="http://schemas.microsoft.com/office/drawing/2014/main" id="{47F3A850-7650-E57C-0680-329BEA8D5B4E}"/>
-              </a:ext>
-            </a:extLst>
-          </p:cNvPr>
-          <p:cNvSpPr/>
-          <p:nvPr/>
-        </p:nvSpPr>
-        <p:spPr>
-          <a:xfrm>
-            <a:off x="7850334" y="3673486"/>
-            <a:ext cx="903838" cy="261880"/>
-          </a:xfrm>
-          <a:prstGeom prst="roundRect">
-            <a:avLst/>
-          </a:prstGeom>
-          <a:solidFill>
-            <a:schemeClr val="accent4">
-              <a:lumMod val="20000"/>
-              <a:lumOff val="80000"/>
-            </a:schemeClr>
-          </a:solidFill>
-        </p:spPr>
-        <p:style>
-          <a:lnRef idx="2">
-            <a:schemeClr val="accent1">
-              <a:shade val="15000"/>
-            </a:schemeClr>
-          </a:lnRef>
-          <a:fillRef idx="1">
-            <a:schemeClr val="accent1"/>
-          </a:fillRef>
-          <a:effectRef idx="0">
-            <a:schemeClr val="accent1"/>
-          </a:effectRef>
-          <a:fontRef idx="minor">
-            <a:schemeClr val="lt1"/>
-          </a:fontRef>
-        </p:style>
-        <p:txBody>
-          <a:bodyPr rtlCol="0" anchor="ctr"/>
-          <a:lstStyle/>
-          <a:p>
-            <a:pPr algn="ctr"/>
-            <a:r>
-              <a:rPr kumimoji="1" lang="en-US" altLang="ja-JP" sz="1000" dirty="0">
-                <a:solidFill>
-                  <a:schemeClr val="tx2"/>
-                </a:solidFill>
-                <a:latin typeface="Meiryo UI" panose="020B0604030504040204" pitchFamily="50" charset="-128"/>
-                <a:ea typeface="Meiryo UI" panose="020B0604030504040204" pitchFamily="50" charset="-128"/>
-              </a:rPr>
-              <a:t>Web </a:t>
-            </a:r>
-            <a:r>
-              <a:rPr kumimoji="1" lang="ja-JP" altLang="en-US" sz="1000" dirty="0">
-                <a:solidFill>
-                  <a:schemeClr val="tx2"/>
-                </a:solidFill>
-                <a:latin typeface="Meiryo UI" panose="020B0604030504040204" pitchFamily="50" charset="-128"/>
-                <a:ea typeface="Meiryo UI" panose="020B0604030504040204" pitchFamily="50" charset="-128"/>
-              </a:rPr>
-              <a:t>アプリ</a:t>
-            </a:r>
-          </a:p>
-        </p:txBody>
-      </p:sp>
-      <p:sp>
-        <p:nvSpPr>
-          <p:cNvPr id="55" name="四角形: 角を丸くする 54">
-            <a:extLst>
-              <a:ext uri="{FF2B5EF4-FFF2-40B4-BE49-F238E27FC236}">
-                <a16:creationId xmlns:a16="http://schemas.microsoft.com/office/drawing/2014/main" id="{A12F3529-CBBA-89C9-706E-3D872D6B07B0}"/>
-              </a:ext>
-            </a:extLst>
-          </p:cNvPr>
-          <p:cNvSpPr/>
-          <p:nvPr/>
-        </p:nvSpPr>
-        <p:spPr>
-          <a:xfrm>
-            <a:off x="7850334" y="4156214"/>
-            <a:ext cx="903838" cy="261880"/>
-          </a:xfrm>
-          <a:prstGeom prst="roundRect">
-            <a:avLst/>
-          </a:prstGeom>
-          <a:solidFill>
-            <a:schemeClr val="accent4">
-              <a:lumMod val="20000"/>
-              <a:lumOff val="80000"/>
-            </a:schemeClr>
-          </a:solidFill>
-        </p:spPr>
-        <p:style>
-          <a:lnRef idx="2">
-            <a:schemeClr val="accent1">
-              <a:shade val="15000"/>
-            </a:schemeClr>
-          </a:lnRef>
-          <a:fillRef idx="1">
-            <a:schemeClr val="accent1"/>
-          </a:fillRef>
-          <a:effectRef idx="0">
-            <a:schemeClr val="accent1"/>
-          </a:effectRef>
-          <a:fontRef idx="minor">
-            <a:schemeClr val="lt1"/>
-          </a:fontRef>
-        </p:style>
-        <p:txBody>
-          <a:bodyPr rtlCol="0" anchor="ctr"/>
-          <a:lstStyle/>
-          <a:p>
-            <a:pPr algn="ctr"/>
-            <a:r>
-              <a:rPr kumimoji="1" lang="en-US" altLang="ja-JP" sz="1000" dirty="0">
-                <a:solidFill>
-                  <a:schemeClr val="tx2"/>
-                </a:solidFill>
-                <a:latin typeface="Meiryo UI" panose="020B0604030504040204" pitchFamily="50" charset="-128"/>
-                <a:ea typeface="Meiryo UI" panose="020B0604030504040204" pitchFamily="50" charset="-128"/>
-              </a:rPr>
-              <a:t>Web </a:t>
-            </a:r>
-            <a:r>
-              <a:rPr kumimoji="1" lang="ja-JP" altLang="en-US" sz="1000" dirty="0">
-                <a:solidFill>
-                  <a:schemeClr val="tx2"/>
-                </a:solidFill>
-                <a:latin typeface="Meiryo UI" panose="020B0604030504040204" pitchFamily="50" charset="-128"/>
-                <a:ea typeface="Meiryo UI" panose="020B0604030504040204" pitchFamily="50" charset="-128"/>
-              </a:rPr>
-              <a:t>アプリ</a:t>
-            </a:r>
-          </a:p>
-        </p:txBody>
-      </p:sp>
-      <p:cxnSp>
-        <p:nvCxnSpPr>
-          <p:cNvPr id="56" name="直線矢印コネクタ 55">
-            <a:extLst>
-              <a:ext uri="{FF2B5EF4-FFF2-40B4-BE49-F238E27FC236}">
-                <a16:creationId xmlns:a16="http://schemas.microsoft.com/office/drawing/2014/main" id="{C6AAA5CB-F686-6DEC-733A-3C287D75B9D2}"/>
-              </a:ext>
-            </a:extLst>
-          </p:cNvPr>
-          <p:cNvCxnSpPr>
-            <a:cxnSpLocks/>
-            <a:stCxn id="48" idx="1"/>
-            <a:endCxn id="39" idx="5"/>
-          </p:cNvCxnSpPr>
-          <p:nvPr/>
-        </p:nvCxnSpPr>
-        <p:spPr>
-          <a:xfrm flipH="1">
-            <a:off x="6053181" y="2808446"/>
-            <a:ext cx="486992" cy="654322"/>
-          </a:xfrm>
-          <a:prstGeom prst="straightConnector1">
-            <a:avLst/>
-          </a:prstGeom>
-          <a:ln>
-            <a:solidFill>
-              <a:schemeClr val="tx1"/>
-            </a:solidFill>
-            <a:tailEnd type="triangle"/>
-          </a:ln>
-        </p:spPr>
-        <p:style>
-          <a:lnRef idx="1">
-            <a:schemeClr val="accent1"/>
-          </a:lnRef>
-          <a:fillRef idx="0">
-            <a:schemeClr val="accent1"/>
-          </a:fillRef>
-          <a:effectRef idx="0">
-            <a:schemeClr val="accent1"/>
-          </a:effectRef>
-          <a:fontRef idx="minor">
-            <a:schemeClr val="tx1"/>
-          </a:fontRef>
-        </p:style>
-      </p:cxnSp>
-      <p:cxnSp>
-        <p:nvCxnSpPr>
-          <p:cNvPr id="60" name="直線矢印コネクタ 59">
-            <a:extLst>
-              <a:ext uri="{FF2B5EF4-FFF2-40B4-BE49-F238E27FC236}">
-                <a16:creationId xmlns:a16="http://schemas.microsoft.com/office/drawing/2014/main" id="{5446687B-3D74-15DD-69B8-E03052A7043C}"/>
-              </a:ext>
-            </a:extLst>
-          </p:cNvPr>
-          <p:cNvCxnSpPr>
-            <a:cxnSpLocks/>
-            <a:stCxn id="49" idx="1"/>
-            <a:endCxn id="39" idx="4"/>
-          </p:cNvCxnSpPr>
-          <p:nvPr/>
-        </p:nvCxnSpPr>
-        <p:spPr>
-          <a:xfrm flipH="1">
-            <a:off x="6075718" y="3272249"/>
-            <a:ext cx="464455" cy="244929"/>
-          </a:xfrm>
-          <a:prstGeom prst="straightConnector1">
-            <a:avLst/>
-          </a:prstGeom>
-          <a:ln>
-            <a:solidFill>
-              <a:schemeClr val="tx1"/>
-            </a:solidFill>
-            <a:tailEnd type="triangle"/>
-          </a:ln>
-        </p:spPr>
-        <p:style>
-          <a:lnRef idx="1">
-            <a:schemeClr val="accent1"/>
-          </a:lnRef>
-          <a:fillRef idx="0">
-            <a:schemeClr val="accent1"/>
-          </a:fillRef>
-          <a:effectRef idx="0">
-            <a:schemeClr val="accent1"/>
-          </a:effectRef>
-          <a:fontRef idx="minor">
-            <a:schemeClr val="tx1"/>
-          </a:fontRef>
-        </p:style>
-      </p:cxnSp>
-      <p:cxnSp>
-        <p:nvCxnSpPr>
-          <p:cNvPr id="63" name="直線矢印コネクタ 62">
-            <a:extLst>
-              <a:ext uri="{FF2B5EF4-FFF2-40B4-BE49-F238E27FC236}">
-                <a16:creationId xmlns:a16="http://schemas.microsoft.com/office/drawing/2014/main" id="{D1150802-3D73-2507-F81B-E98FEBDE723F}"/>
-              </a:ext>
-            </a:extLst>
-          </p:cNvPr>
-          <p:cNvCxnSpPr>
-            <a:cxnSpLocks/>
-            <a:stCxn id="50" idx="1"/>
-            <a:endCxn id="39" idx="4"/>
-          </p:cNvCxnSpPr>
-          <p:nvPr/>
-        </p:nvCxnSpPr>
-        <p:spPr>
-          <a:xfrm flipH="1" flipV="1">
-            <a:off x="6075718" y="3517178"/>
-            <a:ext cx="464455" cy="288112"/>
-          </a:xfrm>
-          <a:prstGeom prst="straightConnector1">
-            <a:avLst/>
-          </a:prstGeom>
-          <a:ln>
-            <a:solidFill>
-              <a:schemeClr val="tx1"/>
-            </a:solidFill>
-            <a:tailEnd type="triangle"/>
-          </a:ln>
-        </p:spPr>
-        <p:style>
-          <a:lnRef idx="1">
-            <a:schemeClr val="accent1"/>
-          </a:lnRef>
-          <a:fillRef idx="0">
-            <a:schemeClr val="accent1"/>
-          </a:fillRef>
-          <a:effectRef idx="0">
-            <a:schemeClr val="accent1"/>
-          </a:effectRef>
-          <a:fontRef idx="minor">
-            <a:schemeClr val="tx1"/>
-          </a:fontRef>
-        </p:style>
-      </p:cxnSp>
-      <p:cxnSp>
-        <p:nvCxnSpPr>
-          <p:cNvPr id="66" name="直線矢印コネクタ 65">
-            <a:extLst>
-              <a:ext uri="{FF2B5EF4-FFF2-40B4-BE49-F238E27FC236}">
-                <a16:creationId xmlns:a16="http://schemas.microsoft.com/office/drawing/2014/main" id="{B4B86B56-7AE1-9535-7102-ED0E505DFEFD}"/>
-              </a:ext>
-            </a:extLst>
-          </p:cNvPr>
-          <p:cNvCxnSpPr>
-            <a:cxnSpLocks/>
-            <a:stCxn id="51" idx="1"/>
-            <a:endCxn id="39" idx="3"/>
-          </p:cNvCxnSpPr>
-          <p:nvPr/>
-        </p:nvCxnSpPr>
-        <p:spPr>
-          <a:xfrm flipH="1" flipV="1">
-            <a:off x="6053181" y="3571589"/>
-            <a:ext cx="486992" cy="715565"/>
-          </a:xfrm>
-          <a:prstGeom prst="straightConnector1">
-            <a:avLst/>
-          </a:prstGeom>
-          <a:ln>
-            <a:solidFill>
-              <a:schemeClr val="tx1"/>
-            </a:solidFill>
-            <a:tailEnd type="triangle"/>
-          </a:ln>
-        </p:spPr>
-        <p:style>
-          <a:lnRef idx="1">
-            <a:schemeClr val="accent1"/>
-          </a:lnRef>
-          <a:fillRef idx="0">
-            <a:schemeClr val="accent1"/>
-          </a:fillRef>
-          <a:effectRef idx="0">
-            <a:schemeClr val="accent1"/>
-          </a:effectRef>
-          <a:fontRef idx="minor">
-            <a:schemeClr val="tx1"/>
-          </a:fontRef>
-        </p:style>
-      </p:cxnSp>
-      <p:cxnSp>
-        <p:nvCxnSpPr>
-          <p:cNvPr id="71" name="直線矢印コネクタ 70">
-            <a:extLst>
-              <a:ext uri="{FF2B5EF4-FFF2-40B4-BE49-F238E27FC236}">
-                <a16:creationId xmlns:a16="http://schemas.microsoft.com/office/drawing/2014/main" id="{E88C925F-ABD0-E97B-75D0-73602794794A}"/>
-              </a:ext>
-            </a:extLst>
-          </p:cNvPr>
-          <p:cNvCxnSpPr>
-            <a:cxnSpLocks/>
-            <a:stCxn id="48" idx="3"/>
-            <a:endCxn id="52" idx="1"/>
-          </p:cNvCxnSpPr>
-          <p:nvPr/>
-        </p:nvCxnSpPr>
-        <p:spPr>
-          <a:xfrm>
-            <a:off x="7566436" y="2808446"/>
-            <a:ext cx="283899" cy="0"/>
-          </a:xfrm>
-          <a:prstGeom prst="straightConnector1">
-            <a:avLst/>
-          </a:prstGeom>
-          <a:ln>
-            <a:solidFill>
-              <a:schemeClr val="tx1"/>
-            </a:solidFill>
-            <a:tailEnd type="triangle"/>
-          </a:ln>
-        </p:spPr>
-        <p:style>
-          <a:lnRef idx="1">
-            <a:schemeClr val="accent1"/>
-          </a:lnRef>
-          <a:fillRef idx="0">
-            <a:schemeClr val="accent1"/>
-          </a:fillRef>
-          <a:effectRef idx="0">
-            <a:schemeClr val="accent1"/>
-          </a:effectRef>
-          <a:fontRef idx="minor">
-            <a:schemeClr val="tx1"/>
-          </a:fontRef>
-        </p:style>
-      </p:cxnSp>
-      <p:cxnSp>
-        <p:nvCxnSpPr>
-          <p:cNvPr id="74" name="直線矢印コネクタ 73">
-            <a:extLst>
-              <a:ext uri="{FF2B5EF4-FFF2-40B4-BE49-F238E27FC236}">
-                <a16:creationId xmlns:a16="http://schemas.microsoft.com/office/drawing/2014/main" id="{2107FA1D-AD28-4CA0-C9A4-69036453CAB5}"/>
-              </a:ext>
-            </a:extLst>
-          </p:cNvPr>
-          <p:cNvCxnSpPr>
-            <a:cxnSpLocks/>
-            <a:stCxn id="49" idx="3"/>
-            <a:endCxn id="53" idx="1"/>
-          </p:cNvCxnSpPr>
-          <p:nvPr/>
-        </p:nvCxnSpPr>
-        <p:spPr>
-          <a:xfrm>
-            <a:off x="7566436" y="3272249"/>
-            <a:ext cx="283899" cy="0"/>
-          </a:xfrm>
-          <a:prstGeom prst="straightConnector1">
-            <a:avLst/>
-          </a:prstGeom>
-          <a:ln>
-            <a:solidFill>
-              <a:schemeClr val="tx1"/>
-            </a:solidFill>
-            <a:tailEnd type="triangle"/>
-          </a:ln>
-        </p:spPr>
-        <p:style>
-          <a:lnRef idx="1">
-            <a:schemeClr val="accent1"/>
-          </a:lnRef>
-          <a:fillRef idx="0">
-            <a:schemeClr val="accent1"/>
-          </a:fillRef>
-          <a:effectRef idx="0">
-            <a:schemeClr val="accent1"/>
-          </a:effectRef>
-          <a:fontRef idx="minor">
-            <a:schemeClr val="tx1"/>
-          </a:fontRef>
-        </p:style>
-      </p:cxnSp>
-      <p:cxnSp>
-        <p:nvCxnSpPr>
-          <p:cNvPr id="77" name="直線矢印コネクタ 76">
-            <a:extLst>
-              <a:ext uri="{FF2B5EF4-FFF2-40B4-BE49-F238E27FC236}">
-                <a16:creationId xmlns:a16="http://schemas.microsoft.com/office/drawing/2014/main" id="{9D079CEE-249E-7D21-3CD6-DC3146BE4EDC}"/>
-              </a:ext>
-            </a:extLst>
-          </p:cNvPr>
-          <p:cNvCxnSpPr>
-            <a:cxnSpLocks/>
-            <a:stCxn id="50" idx="3"/>
-            <a:endCxn id="54" idx="1"/>
-          </p:cNvCxnSpPr>
-          <p:nvPr/>
-        </p:nvCxnSpPr>
-        <p:spPr>
-          <a:xfrm flipV="1">
-            <a:off x="7566436" y="3804426"/>
-            <a:ext cx="283898" cy="864"/>
-          </a:xfrm>
-          <a:prstGeom prst="straightConnector1">
-            <a:avLst/>
-          </a:prstGeom>
-          <a:ln>
-            <a:solidFill>
-              <a:schemeClr val="tx1"/>
-            </a:solidFill>
-            <a:tailEnd type="triangle"/>
-          </a:ln>
-        </p:spPr>
-        <p:style>
-          <a:lnRef idx="1">
-            <a:schemeClr val="accent1"/>
-          </a:lnRef>
-          <a:fillRef idx="0">
-            <a:schemeClr val="accent1"/>
-          </a:fillRef>
-          <a:effectRef idx="0">
-            <a:schemeClr val="accent1"/>
-          </a:effectRef>
-          <a:fontRef idx="minor">
-            <a:schemeClr val="tx1"/>
-          </a:fontRef>
-        </p:style>
-      </p:cxnSp>
-      <p:cxnSp>
-        <p:nvCxnSpPr>
-          <p:cNvPr id="80" name="直線矢印コネクタ 79">
-            <a:extLst>
-              <a:ext uri="{FF2B5EF4-FFF2-40B4-BE49-F238E27FC236}">
-                <a16:creationId xmlns:a16="http://schemas.microsoft.com/office/drawing/2014/main" id="{0871254B-4D00-28FE-F4DF-9325BD6B2BEC}"/>
-              </a:ext>
-            </a:extLst>
-          </p:cNvPr>
-          <p:cNvCxnSpPr>
-            <a:cxnSpLocks/>
-            <a:stCxn id="51" idx="3"/>
-            <a:endCxn id="55" idx="1"/>
-          </p:cNvCxnSpPr>
-          <p:nvPr/>
-        </p:nvCxnSpPr>
-        <p:spPr>
-          <a:xfrm>
-            <a:off x="7566436" y="4287154"/>
-            <a:ext cx="283898" cy="0"/>
-          </a:xfrm>
-          <a:prstGeom prst="straightConnector1">
-            <a:avLst/>
-          </a:prstGeom>
-          <a:ln>
-            <a:solidFill>
-              <a:schemeClr val="tx1"/>
-            </a:solidFill>
-            <a:tailEnd type="triangle"/>
-          </a:ln>
-        </p:spPr>
-        <p:style>
-          <a:lnRef idx="1">
-            <a:schemeClr val="accent1"/>
-          </a:lnRef>
-          <a:fillRef idx="0">
-            <a:schemeClr val="accent1"/>
-          </a:fillRef>
-          <a:effectRef idx="0">
-            <a:schemeClr val="accent1"/>
-          </a:effectRef>
-          <a:fontRef idx="minor">
-            <a:schemeClr val="tx1"/>
-          </a:fontRef>
-        </p:style>
-      </p:cxnSp>
-      <p:grpSp>
-        <p:nvGrpSpPr>
-          <p:cNvPr id="83" name="グループ化 82">
-            <a:extLst>
-              <a:ext uri="{FF2B5EF4-FFF2-40B4-BE49-F238E27FC236}">
-                <a16:creationId xmlns:a16="http://schemas.microsoft.com/office/drawing/2014/main" id="{E18F388D-96E5-DB2F-EE6B-292406E9C402}"/>
-              </a:ext>
-            </a:extLst>
-          </p:cNvPr>
-          <p:cNvGrpSpPr/>
-          <p:nvPr/>
-        </p:nvGrpSpPr>
-        <p:grpSpPr>
-          <a:xfrm>
-            <a:off x="6460739" y="2604596"/>
-            <a:ext cx="158867" cy="190058"/>
-            <a:chOff x="5017708" y="4619134"/>
-            <a:chExt cx="1222931" cy="1463040"/>
-          </a:xfrm>
-          <a:solidFill>
-            <a:schemeClr val="accent3">
-              <a:lumMod val="40000"/>
-              <a:lumOff val="60000"/>
-            </a:schemeClr>
-          </a:solidFill>
-        </p:grpSpPr>
-        <p:sp>
-          <p:nvSpPr>
-            <p:cNvPr id="84" name="矢印: 下カーブ 83">
-              <a:extLst>
-                <a:ext uri="{FF2B5EF4-FFF2-40B4-BE49-F238E27FC236}">
-                  <a16:creationId xmlns:a16="http://schemas.microsoft.com/office/drawing/2014/main" id="{EDC722F7-1575-7D9B-97AE-3599956A3C00}"/>
-                </a:ext>
-              </a:extLst>
-            </p:cNvPr>
-            <p:cNvSpPr/>
-            <p:nvPr/>
-          </p:nvSpPr>
-          <p:spPr>
-            <a:xfrm>
-              <a:off x="5024487" y="4619134"/>
-              <a:ext cx="1216152" cy="731520"/>
-            </a:xfrm>
-            <a:prstGeom prst="curvedDownArrow">
-              <a:avLst/>
-            </a:prstGeom>
-            <a:grpFill/>
-          </p:spPr>
-          <p:style>
-            <a:lnRef idx="2">
-              <a:schemeClr val="accent1">
-                <a:shade val="15000"/>
-              </a:schemeClr>
-            </a:lnRef>
-            <a:fillRef idx="1">
-              <a:schemeClr val="accent1"/>
-            </a:fillRef>
-            <a:effectRef idx="0">
-              <a:schemeClr val="accent1"/>
-            </a:effectRef>
-            <a:fontRef idx="minor">
-              <a:schemeClr val="lt1"/>
-            </a:fontRef>
-          </p:style>
-          <p:txBody>
-            <a:bodyPr rtlCol="0" anchor="ctr"/>
-            <a:lstStyle/>
-            <a:p>
-              <a:pPr algn="ctr"/>
-              <a:endParaRPr kumimoji="1" lang="ja-JP" altLang="en-US">
-                <a:solidFill>
-                  <a:schemeClr val="tx1"/>
-                </a:solidFill>
-              </a:endParaRPr>
-            </a:p>
-          </p:txBody>
-        </p:sp>
-        <p:sp>
-          <p:nvSpPr>
-            <p:cNvPr id="85" name="矢印: 下カーブ 84">
-              <a:extLst>
-                <a:ext uri="{FF2B5EF4-FFF2-40B4-BE49-F238E27FC236}">
-                  <a16:creationId xmlns:a16="http://schemas.microsoft.com/office/drawing/2014/main" id="{C5B2B1AF-1318-5973-DD21-C2483219C206}"/>
-                </a:ext>
-              </a:extLst>
-            </p:cNvPr>
-            <p:cNvSpPr/>
-            <p:nvPr/>
-          </p:nvSpPr>
-          <p:spPr>
-            <a:xfrm rot="10800000">
-              <a:off x="5017708" y="5350654"/>
-              <a:ext cx="1216152" cy="731520"/>
-            </a:xfrm>
-            <a:prstGeom prst="curvedDownArrow">
-              <a:avLst/>
-            </a:prstGeom>
-            <a:grpFill/>
-          </p:spPr>
-          <p:style>
-            <a:lnRef idx="2">
-              <a:schemeClr val="accent1">
-                <a:shade val="15000"/>
-              </a:schemeClr>
-            </a:lnRef>
-            <a:fillRef idx="1">
-              <a:schemeClr val="accent1"/>
-            </a:fillRef>
-            <a:effectRef idx="0">
-              <a:schemeClr val="accent1"/>
-            </a:effectRef>
-            <a:fontRef idx="minor">
-              <a:schemeClr val="lt1"/>
-            </a:fontRef>
-          </p:style>
-          <p:txBody>
-            <a:bodyPr rtlCol="0" anchor="ctr"/>
-            <a:lstStyle/>
-            <a:p>
-              <a:pPr algn="ctr"/>
-              <a:endParaRPr kumimoji="1" lang="ja-JP" altLang="en-US">
-                <a:solidFill>
-                  <a:schemeClr val="tx1"/>
-                </a:solidFill>
-              </a:endParaRPr>
-            </a:p>
-          </p:txBody>
-        </p:sp>
-      </p:grpSp>
-      <p:grpSp>
-        <p:nvGrpSpPr>
-          <p:cNvPr id="86" name="グループ化 85">
-            <a:extLst>
-              <a:ext uri="{FF2B5EF4-FFF2-40B4-BE49-F238E27FC236}">
-                <a16:creationId xmlns:a16="http://schemas.microsoft.com/office/drawing/2014/main" id="{94841237-EF99-597B-3EAB-522795A8D488}"/>
-              </a:ext>
-            </a:extLst>
-          </p:cNvPr>
-          <p:cNvGrpSpPr/>
-          <p:nvPr/>
-        </p:nvGrpSpPr>
-        <p:grpSpPr>
-          <a:xfrm>
-            <a:off x="6468322" y="3061265"/>
-            <a:ext cx="158867" cy="190058"/>
-            <a:chOff x="5017708" y="4619134"/>
-            <a:chExt cx="1222931" cy="1463040"/>
-          </a:xfrm>
-          <a:solidFill>
-            <a:schemeClr val="accent3">
-              <a:lumMod val="40000"/>
-              <a:lumOff val="60000"/>
-            </a:schemeClr>
-          </a:solidFill>
-        </p:grpSpPr>
-        <p:sp>
-          <p:nvSpPr>
-            <p:cNvPr id="87" name="矢印: 下カーブ 86">
-              <a:extLst>
-                <a:ext uri="{FF2B5EF4-FFF2-40B4-BE49-F238E27FC236}">
-                  <a16:creationId xmlns:a16="http://schemas.microsoft.com/office/drawing/2014/main" id="{57E3C00F-A6BC-C530-B4A8-F7879BA5E79D}"/>
-                </a:ext>
-              </a:extLst>
-            </p:cNvPr>
-            <p:cNvSpPr/>
-            <p:nvPr/>
-          </p:nvSpPr>
-          <p:spPr>
-            <a:xfrm>
-              <a:off x="5024487" y="4619134"/>
-              <a:ext cx="1216152" cy="731520"/>
-            </a:xfrm>
-            <a:prstGeom prst="curvedDownArrow">
-              <a:avLst/>
-            </a:prstGeom>
-            <a:grpFill/>
-          </p:spPr>
-          <p:style>
-            <a:lnRef idx="2">
-              <a:schemeClr val="accent1">
-                <a:shade val="15000"/>
-              </a:schemeClr>
-            </a:lnRef>
-            <a:fillRef idx="1">
-              <a:schemeClr val="accent1"/>
-            </a:fillRef>
-            <a:effectRef idx="0">
-              <a:schemeClr val="accent1"/>
-            </a:effectRef>
-            <a:fontRef idx="minor">
-              <a:schemeClr val="lt1"/>
-            </a:fontRef>
-          </p:style>
-          <p:txBody>
-            <a:bodyPr rtlCol="0" anchor="ctr"/>
-            <a:lstStyle/>
-            <a:p>
-              <a:pPr algn="ctr"/>
-              <a:endParaRPr kumimoji="1" lang="ja-JP" altLang="en-US">
-                <a:solidFill>
-                  <a:schemeClr val="tx1"/>
-                </a:solidFill>
-              </a:endParaRPr>
-            </a:p>
-          </p:txBody>
-        </p:sp>
-        <p:sp>
-          <p:nvSpPr>
-            <p:cNvPr id="88" name="矢印: 下カーブ 87">
-              <a:extLst>
-                <a:ext uri="{FF2B5EF4-FFF2-40B4-BE49-F238E27FC236}">
-                  <a16:creationId xmlns:a16="http://schemas.microsoft.com/office/drawing/2014/main" id="{8E4F9DAF-C195-4292-A3D2-0813E34A6C02}"/>
-                </a:ext>
-              </a:extLst>
-            </p:cNvPr>
-            <p:cNvSpPr/>
-            <p:nvPr/>
-          </p:nvSpPr>
-          <p:spPr>
-            <a:xfrm rot="10800000">
-              <a:off x="5017708" y="5350654"/>
-              <a:ext cx="1216152" cy="731520"/>
-            </a:xfrm>
-            <a:prstGeom prst="curvedDownArrow">
-              <a:avLst/>
-            </a:prstGeom>
-            <a:grpFill/>
-          </p:spPr>
-          <p:style>
-            <a:lnRef idx="2">
-              <a:schemeClr val="accent1">
-                <a:shade val="15000"/>
-              </a:schemeClr>
-            </a:lnRef>
-            <a:fillRef idx="1">
-              <a:schemeClr val="accent1"/>
-            </a:fillRef>
-            <a:effectRef idx="0">
-              <a:schemeClr val="accent1"/>
-            </a:effectRef>
-            <a:fontRef idx="minor">
-              <a:schemeClr val="lt1"/>
-            </a:fontRef>
-          </p:style>
-          <p:txBody>
-            <a:bodyPr rtlCol="0" anchor="ctr"/>
-            <a:lstStyle/>
-            <a:p>
-              <a:pPr algn="ctr"/>
-              <a:endParaRPr kumimoji="1" lang="ja-JP" altLang="en-US">
-                <a:solidFill>
-                  <a:schemeClr val="tx1"/>
-                </a:solidFill>
-              </a:endParaRPr>
-            </a:p>
-          </p:txBody>
-        </p:sp>
-      </p:grpSp>
-      <p:grpSp>
-        <p:nvGrpSpPr>
-          <p:cNvPr id="89" name="グループ化 88">
-            <a:extLst>
-              <a:ext uri="{FF2B5EF4-FFF2-40B4-BE49-F238E27FC236}">
-                <a16:creationId xmlns:a16="http://schemas.microsoft.com/office/drawing/2014/main" id="{A0C338D4-BD3E-6731-4654-4E4CE11CFD39}"/>
-              </a:ext>
-            </a:extLst>
-          </p:cNvPr>
-          <p:cNvGrpSpPr/>
-          <p:nvPr/>
-        </p:nvGrpSpPr>
-        <p:grpSpPr>
-          <a:xfrm>
-            <a:off x="6472353" y="3594588"/>
-            <a:ext cx="158867" cy="190058"/>
-            <a:chOff x="5017708" y="4619134"/>
-            <a:chExt cx="1222931" cy="1463040"/>
-          </a:xfrm>
-          <a:solidFill>
-            <a:schemeClr val="accent3">
-              <a:lumMod val="40000"/>
-              <a:lumOff val="60000"/>
-            </a:schemeClr>
-          </a:solidFill>
-        </p:grpSpPr>
-        <p:sp>
-          <p:nvSpPr>
-            <p:cNvPr id="90" name="矢印: 下カーブ 89">
-              <a:extLst>
-                <a:ext uri="{FF2B5EF4-FFF2-40B4-BE49-F238E27FC236}">
-                  <a16:creationId xmlns:a16="http://schemas.microsoft.com/office/drawing/2014/main" id="{14B067D0-C100-023F-4762-574288CD47D2}"/>
-                </a:ext>
-              </a:extLst>
-            </p:cNvPr>
-            <p:cNvSpPr/>
-            <p:nvPr/>
-          </p:nvSpPr>
-          <p:spPr>
-            <a:xfrm>
-              <a:off x="5024487" y="4619134"/>
-              <a:ext cx="1216152" cy="731520"/>
-            </a:xfrm>
-            <a:prstGeom prst="curvedDownArrow">
-              <a:avLst/>
-            </a:prstGeom>
-            <a:grpFill/>
-          </p:spPr>
-          <p:style>
-            <a:lnRef idx="2">
-              <a:schemeClr val="accent1">
-                <a:shade val="15000"/>
-              </a:schemeClr>
-            </a:lnRef>
-            <a:fillRef idx="1">
-              <a:schemeClr val="accent1"/>
-            </a:fillRef>
-            <a:effectRef idx="0">
-              <a:schemeClr val="accent1"/>
-            </a:effectRef>
-            <a:fontRef idx="minor">
-              <a:schemeClr val="lt1"/>
-            </a:fontRef>
-          </p:style>
-          <p:txBody>
-            <a:bodyPr rtlCol="0" anchor="ctr"/>
-            <a:lstStyle/>
-            <a:p>
-              <a:pPr algn="ctr"/>
-              <a:endParaRPr kumimoji="1" lang="ja-JP" altLang="en-US">
-                <a:solidFill>
-                  <a:schemeClr val="tx1"/>
-                </a:solidFill>
-              </a:endParaRPr>
-            </a:p>
-          </p:txBody>
-        </p:sp>
-        <p:sp>
-          <p:nvSpPr>
-            <p:cNvPr id="91" name="矢印: 下カーブ 90">
-              <a:extLst>
-                <a:ext uri="{FF2B5EF4-FFF2-40B4-BE49-F238E27FC236}">
-                  <a16:creationId xmlns:a16="http://schemas.microsoft.com/office/drawing/2014/main" id="{E47BE95A-E715-1FBC-C49D-7EBB6A6E2058}"/>
-                </a:ext>
-              </a:extLst>
-            </p:cNvPr>
-            <p:cNvSpPr/>
-            <p:nvPr/>
-          </p:nvSpPr>
-          <p:spPr>
-            <a:xfrm rot="10800000">
-              <a:off x="5017708" y="5350654"/>
-              <a:ext cx="1216152" cy="731520"/>
-            </a:xfrm>
-            <a:prstGeom prst="curvedDownArrow">
-              <a:avLst/>
-            </a:prstGeom>
-            <a:grpFill/>
-          </p:spPr>
-          <p:style>
-            <a:lnRef idx="2">
-              <a:schemeClr val="accent1">
-                <a:shade val="15000"/>
-              </a:schemeClr>
-            </a:lnRef>
-            <a:fillRef idx="1">
-              <a:schemeClr val="accent1"/>
-            </a:fillRef>
-            <a:effectRef idx="0">
-              <a:schemeClr val="accent1"/>
-            </a:effectRef>
-            <a:fontRef idx="minor">
-              <a:schemeClr val="lt1"/>
-            </a:fontRef>
-          </p:style>
-          <p:txBody>
-            <a:bodyPr rtlCol="0" anchor="ctr"/>
-            <a:lstStyle/>
-            <a:p>
-              <a:pPr algn="ctr"/>
-              <a:endParaRPr kumimoji="1" lang="ja-JP" altLang="en-US">
-                <a:solidFill>
-                  <a:schemeClr val="tx1"/>
-                </a:solidFill>
-              </a:endParaRPr>
-            </a:p>
-          </p:txBody>
-        </p:sp>
-      </p:grpSp>
-      <p:grpSp>
-        <p:nvGrpSpPr>
-          <p:cNvPr id="92" name="グループ化 91">
-            <a:extLst>
-              <a:ext uri="{FF2B5EF4-FFF2-40B4-BE49-F238E27FC236}">
-                <a16:creationId xmlns:a16="http://schemas.microsoft.com/office/drawing/2014/main" id="{FDF83E65-2F02-A0BF-13A0-10E24E6F4F68}"/>
-              </a:ext>
-            </a:extLst>
-          </p:cNvPr>
-          <p:cNvGrpSpPr/>
-          <p:nvPr/>
-        </p:nvGrpSpPr>
-        <p:grpSpPr>
-          <a:xfrm>
-            <a:off x="6467441" y="4050297"/>
-            <a:ext cx="158867" cy="190058"/>
-            <a:chOff x="5017708" y="4619134"/>
-            <a:chExt cx="1222931" cy="1463040"/>
-          </a:xfrm>
-          <a:solidFill>
-            <a:schemeClr val="accent3">
-              <a:lumMod val="40000"/>
-              <a:lumOff val="60000"/>
-            </a:schemeClr>
-          </a:solidFill>
-        </p:grpSpPr>
-        <p:sp>
-          <p:nvSpPr>
-            <p:cNvPr id="93" name="矢印: 下カーブ 92">
-              <a:extLst>
-                <a:ext uri="{FF2B5EF4-FFF2-40B4-BE49-F238E27FC236}">
-                  <a16:creationId xmlns:a16="http://schemas.microsoft.com/office/drawing/2014/main" id="{34CFA68C-8477-3AAC-3020-92BF923D7F17}"/>
-                </a:ext>
-              </a:extLst>
-            </p:cNvPr>
-            <p:cNvSpPr/>
-            <p:nvPr/>
-          </p:nvSpPr>
-          <p:spPr>
-            <a:xfrm>
-              <a:off x="5024487" y="4619134"/>
-              <a:ext cx="1216152" cy="731520"/>
-            </a:xfrm>
-            <a:prstGeom prst="curvedDownArrow">
-              <a:avLst/>
-            </a:prstGeom>
-            <a:grpFill/>
-          </p:spPr>
-          <p:style>
-            <a:lnRef idx="2">
-              <a:schemeClr val="accent1">
-                <a:shade val="15000"/>
-              </a:schemeClr>
-            </a:lnRef>
-            <a:fillRef idx="1">
-              <a:schemeClr val="accent1"/>
-            </a:fillRef>
-            <a:effectRef idx="0">
-              <a:schemeClr val="accent1"/>
-            </a:effectRef>
-            <a:fontRef idx="minor">
-              <a:schemeClr val="lt1"/>
-            </a:fontRef>
-          </p:style>
-          <p:txBody>
-            <a:bodyPr rtlCol="0" anchor="ctr"/>
-            <a:lstStyle/>
-            <a:p>
-              <a:pPr algn="ctr"/>
-              <a:endParaRPr kumimoji="1" lang="ja-JP" altLang="en-US">
-                <a:solidFill>
-                  <a:schemeClr val="tx1"/>
-                </a:solidFill>
-              </a:endParaRPr>
-            </a:p>
-          </p:txBody>
-        </p:sp>
-        <p:sp>
-          <p:nvSpPr>
-            <p:cNvPr id="94" name="矢印: 下カーブ 93">
-              <a:extLst>
-                <a:ext uri="{FF2B5EF4-FFF2-40B4-BE49-F238E27FC236}">
-                  <a16:creationId xmlns:a16="http://schemas.microsoft.com/office/drawing/2014/main" id="{8E88ABA5-9B70-2B10-9983-69D77D93BA43}"/>
-                </a:ext>
-              </a:extLst>
-            </p:cNvPr>
-            <p:cNvSpPr/>
-            <p:nvPr/>
-          </p:nvSpPr>
-          <p:spPr>
-            <a:xfrm rot="10800000">
-              <a:off x="5017708" y="5350654"/>
-              <a:ext cx="1216152" cy="731520"/>
-            </a:xfrm>
-            <a:prstGeom prst="curvedDownArrow">
-              <a:avLst/>
-            </a:prstGeom>
-            <a:grpFill/>
-          </p:spPr>
-          <p:style>
-            <a:lnRef idx="2">
-              <a:schemeClr val="accent1">
-                <a:shade val="15000"/>
-              </a:schemeClr>
-            </a:lnRef>
-            <a:fillRef idx="1">
-              <a:schemeClr val="accent1"/>
-            </a:fillRef>
-            <a:effectRef idx="0">
-              <a:schemeClr val="accent1"/>
-            </a:effectRef>
-            <a:fontRef idx="minor">
-              <a:schemeClr val="lt1"/>
-            </a:fontRef>
-          </p:style>
-          <p:txBody>
-            <a:bodyPr rtlCol="0" anchor="ctr"/>
-            <a:lstStyle/>
-            <a:p>
-              <a:pPr algn="ctr"/>
-              <a:endParaRPr kumimoji="1" lang="ja-JP" altLang="en-US">
-                <a:solidFill>
-                  <a:schemeClr val="tx1"/>
-                </a:solidFill>
-              </a:endParaRPr>
-            </a:p>
-          </p:txBody>
-        </p:sp>
-      </p:grpSp>
-      <p:sp>
-        <p:nvSpPr>
-          <p:cNvPr id="98" name="テキスト ボックス 97">
-            <a:extLst>
-              <a:ext uri="{FF2B5EF4-FFF2-40B4-BE49-F238E27FC236}">
-                <a16:creationId xmlns:a16="http://schemas.microsoft.com/office/drawing/2014/main" id="{65BE5FDE-7504-9948-1D41-C5A7251B387F}"/>
-              </a:ext>
-            </a:extLst>
-          </p:cNvPr>
-          <p:cNvSpPr txBox="1"/>
-          <p:nvPr/>
-        </p:nvSpPr>
-        <p:spPr>
-          <a:xfrm>
-            <a:off x="5253240" y="3662792"/>
-            <a:ext cx="1055097" cy="246221"/>
-          </a:xfrm>
-          <a:prstGeom prst="rect">
-            <a:avLst/>
-          </a:prstGeom>
-          <a:noFill/>
-        </p:spPr>
-        <p:txBody>
-          <a:bodyPr wrap="none" rtlCol="0">
-            <a:spAutoFit/>
-          </a:bodyPr>
-          <a:lstStyle/>
-          <a:p>
-            <a:r>
-              <a:rPr kumimoji="1" lang="ja-JP" altLang="en-US" sz="1000" dirty="0">
-                <a:latin typeface="Meiryo UI" panose="020B0604030504040204" pitchFamily="50" charset="-128"/>
-                <a:ea typeface="Meiryo UI" panose="020B0604030504040204" pitchFamily="50" charset="-128"/>
-              </a:rPr>
-              <a:t>②リクエストキュー</a:t>
-            </a:r>
-          </a:p>
-        </p:txBody>
-      </p:sp>
-      <p:sp>
-        <p:nvSpPr>
-          <p:cNvPr id="112" name="テキスト ボックス 111">
-            <a:extLst>
-              <a:ext uri="{FF2B5EF4-FFF2-40B4-BE49-F238E27FC236}">
-                <a16:creationId xmlns:a16="http://schemas.microsoft.com/office/drawing/2014/main" id="{598486FF-B26E-27BA-CF24-2282D10B5E0A}"/>
-              </a:ext>
-            </a:extLst>
-          </p:cNvPr>
-          <p:cNvSpPr txBox="1"/>
-          <p:nvPr/>
-        </p:nvSpPr>
-        <p:spPr>
-          <a:xfrm>
-            <a:off x="3837424" y="2437402"/>
-            <a:ext cx="2379819" cy="276999"/>
-          </a:xfrm>
-          <a:prstGeom prst="rect">
-            <a:avLst/>
-          </a:prstGeom>
-          <a:noFill/>
-        </p:spPr>
-        <p:txBody>
-          <a:bodyPr wrap="none" rtlCol="0">
-            <a:spAutoFit/>
-          </a:bodyPr>
-          <a:lstStyle/>
-          <a:p>
-            <a:r>
-              <a:rPr kumimoji="1" lang="en-US" altLang="ja-JP" sz="1200" dirty="0">
-                <a:latin typeface="Meiryo UI" panose="020B0604030504040204" pitchFamily="50" charset="-128"/>
-                <a:ea typeface="Meiryo UI" panose="020B0604030504040204" pitchFamily="50" charset="-128"/>
-              </a:rPr>
-              <a:t>Web </a:t>
-            </a:r>
-            <a:r>
-              <a:rPr kumimoji="1" lang="ja-JP" altLang="en-US" sz="1200" dirty="0">
-                <a:latin typeface="Meiryo UI" panose="020B0604030504040204" pitchFamily="50" charset="-128"/>
-                <a:ea typeface="Meiryo UI" panose="020B0604030504040204" pitchFamily="50" charset="-128"/>
-              </a:rPr>
-              <a:t>サーバー </a:t>
-            </a:r>
-            <a:r>
-              <a:rPr kumimoji="1" lang="en-US" altLang="ja-JP" sz="1200" dirty="0">
-                <a:latin typeface="Meiryo UI" panose="020B0604030504040204" pitchFamily="50" charset="-128"/>
-                <a:ea typeface="Meiryo UI" panose="020B0604030504040204" pitchFamily="50" charset="-128"/>
-              </a:rPr>
-              <a:t>(</a:t>
-            </a:r>
-            <a:r>
-              <a:rPr kumimoji="1" lang="ja-JP" altLang="en-US" sz="1200" dirty="0">
-                <a:latin typeface="Meiryo UI" panose="020B0604030504040204" pitchFamily="50" charset="-128"/>
-                <a:ea typeface="Meiryo UI" panose="020B0604030504040204" pitchFamily="50" charset="-128"/>
-              </a:rPr>
-              <a:t>サービス・デーモン）</a:t>
-            </a:r>
-          </a:p>
-        </p:txBody>
-      </p:sp>
-    </p:spTree>
-    <p:extLst>
-      <p:ext uri="{BB962C8B-B14F-4D97-AF65-F5344CB8AC3E}">
-        <p14:creationId xmlns:p14="http://schemas.microsoft.com/office/powerpoint/2010/main" val="1116164740"/>
       </p:ext>
     </p:extLst>
   </p:cSld>
@@ -34104,10 +31933,67 @@
       </p:grpSpPr>
       <p:sp>
         <p:nvSpPr>
+          <p:cNvPr id="6" name="正方形/長方形 5">
+            <a:extLst>
+              <a:ext uri="{FF2B5EF4-FFF2-40B4-BE49-F238E27FC236}">
+                <a16:creationId xmlns:a16="http://schemas.microsoft.com/office/drawing/2014/main" id="{25E9558A-519F-D488-D88A-A885AFDBF246}"/>
+              </a:ext>
+            </a:extLst>
+          </p:cNvPr>
+          <p:cNvSpPr/>
+          <p:nvPr/>
+        </p:nvSpPr>
+        <p:spPr>
+          <a:xfrm>
+            <a:off x="3839182" y="2470150"/>
+            <a:ext cx="3867904" cy="2076450"/>
+          </a:xfrm>
+          <a:prstGeom prst="rect">
+            <a:avLst/>
+          </a:prstGeom>
+          <a:solidFill>
+            <a:schemeClr val="accent2">
+              <a:lumMod val="20000"/>
+              <a:lumOff val="80000"/>
+            </a:schemeClr>
+          </a:solidFill>
+          <a:ln>
+            <a:solidFill>
+              <a:schemeClr val="tx2"/>
+            </a:solidFill>
+          </a:ln>
+        </p:spPr>
+        <p:style>
+          <a:lnRef idx="2">
+            <a:schemeClr val="accent1">
+              <a:shade val="15000"/>
+            </a:schemeClr>
+          </a:lnRef>
+          <a:fillRef idx="1">
+            <a:schemeClr val="accent1"/>
+          </a:fillRef>
+          <a:effectRef idx="0">
+            <a:schemeClr val="accent1"/>
+          </a:effectRef>
+          <a:fontRef idx="minor">
+            <a:schemeClr val="lt1"/>
+          </a:fontRef>
+        </p:style>
+        <p:txBody>
+          <a:bodyPr rtlCol="0" anchor="ctr"/>
+          <a:lstStyle/>
+          <a:p>
+            <a:pPr algn="ctr"/>
+            <a:endParaRPr kumimoji="1" lang="ja-JP" altLang="en-US"/>
+          </a:p>
+        </p:txBody>
+      </p:sp>
+      <p:sp>
+        <p:nvSpPr>
           <p:cNvPr id="2" name="タイトル 1">
             <a:extLst>
               <a:ext uri="{FF2B5EF4-FFF2-40B4-BE49-F238E27FC236}">
-                <a16:creationId xmlns:a16="http://schemas.microsoft.com/office/drawing/2014/main" id="{5C500768-26C0-E8E3-114E-C08BC0F3E912}"/>
+                <a16:creationId xmlns:a16="http://schemas.microsoft.com/office/drawing/2014/main" id="{28D88E62-1814-84E4-8ED1-52422A8D0C06}"/>
               </a:ext>
             </a:extLst>
           </p:cNvPr>
@@ -34123,20 +32009,16 @@
           <a:bodyPr/>
           <a:lstStyle/>
           <a:p>
-            <a:r>
-              <a:rPr lang="en-US" altLang="ja-JP" dirty="0"/>
-              <a:t>Attic</a:t>
-            </a:r>
-            <a:endParaRPr kumimoji="1" lang="ja-JP" altLang="en-US" dirty="0"/>
+            <a:endParaRPr kumimoji="1" lang="ja-JP" altLang="en-US"/>
           </a:p>
         </p:txBody>
       </p:sp>
       <p:sp>
         <p:nvSpPr>
-          <p:cNvPr id="3" name="テキスト プレースホルダー 2">
-            <a:extLst>
-              <a:ext uri="{FF2B5EF4-FFF2-40B4-BE49-F238E27FC236}">
-                <a16:creationId xmlns:a16="http://schemas.microsoft.com/office/drawing/2014/main" id="{09D1B045-AA38-2BC7-F3E8-CF6703D6770B}"/>
+          <p:cNvPr id="3" name="スライド番号プレースホルダー 2">
+            <a:extLst>
+              <a:ext uri="{FF2B5EF4-FFF2-40B4-BE49-F238E27FC236}">
+                <a16:creationId xmlns:a16="http://schemas.microsoft.com/office/drawing/2014/main" id="{5AEB9E95-1116-0ACA-046A-BEE30A948C9B}"/>
               </a:ext>
             </a:extLst>
           </p:cNvPr>
@@ -34144,7 +32026,7 @@
             <a:spLocks noGrp="1"/>
           </p:cNvSpPr>
           <p:nvPr>
-            <p:ph type="body" idx="1"/>
+            <p:ph type="sldNum" sz="quarter" idx="10"/>
           </p:nvPr>
         </p:nvSpPr>
         <p:spPr/>
@@ -34152,16 +32034,21 @@
           <a:bodyPr/>
           <a:lstStyle/>
           <a:p>
+            <a:fld id="{6C25B416-2A59-467F-9B4B-B66C83B82743}" type="slidenum">
+              <a:rPr kumimoji="1" lang="ja-JP" altLang="en-US" smtClean="0"/>
+              <a:pPr/>
+              <a:t>30</a:t>
+            </a:fld>
             <a:endParaRPr kumimoji="1" lang="ja-JP" altLang="en-US"/>
           </a:p>
         </p:txBody>
       </p:sp>
       <p:sp>
         <p:nvSpPr>
-          <p:cNvPr id="4" name="スライド番号プレースホルダー 3">
-            <a:extLst>
-              <a:ext uri="{FF2B5EF4-FFF2-40B4-BE49-F238E27FC236}">
-                <a16:creationId xmlns:a16="http://schemas.microsoft.com/office/drawing/2014/main" id="{5E767109-1927-EA2E-EED9-B3BE79B8B186}"/>
+          <p:cNvPr id="5" name="テキスト プレースホルダー 4">
+            <a:extLst>
+              <a:ext uri="{FF2B5EF4-FFF2-40B4-BE49-F238E27FC236}">
+                <a16:creationId xmlns:a16="http://schemas.microsoft.com/office/drawing/2014/main" id="{DC135B2D-D09A-8B3E-1BF4-28655B2629B8}"/>
               </a:ext>
             </a:extLst>
           </p:cNvPr>
@@ -34169,7 +32056,7 @@
             <a:spLocks noGrp="1"/>
           </p:cNvSpPr>
           <p:nvPr>
-            <p:ph type="sldNum" sz="quarter" idx="12"/>
+            <p:ph type="body" sz="quarter" idx="14"/>
           </p:nvPr>
         </p:nvSpPr>
         <p:spPr/>
@@ -34177,18 +32064,2405 @@
           <a:bodyPr/>
           <a:lstStyle/>
           <a:p>
-            <a:fld id="{6C25B416-2A59-467F-9B4B-B66C83B82743}" type="slidenum">
-              <a:rPr kumimoji="1" lang="ja-JP" altLang="en-US" smtClean="0"/>
-              <a:t>30</a:t>
-            </a:fld>
             <a:endParaRPr kumimoji="1" lang="ja-JP" altLang="en-US"/>
+          </a:p>
+        </p:txBody>
+      </p:sp>
+      <p:sp>
+        <p:nvSpPr>
+          <p:cNvPr id="7" name="正方形/長方形 6">
+            <a:extLst>
+              <a:ext uri="{FF2B5EF4-FFF2-40B4-BE49-F238E27FC236}">
+                <a16:creationId xmlns:a16="http://schemas.microsoft.com/office/drawing/2014/main" id="{0D109E0C-5835-B8AB-59C0-E8C5BC69432F}"/>
+              </a:ext>
+            </a:extLst>
+          </p:cNvPr>
+          <p:cNvSpPr/>
+          <p:nvPr/>
+        </p:nvSpPr>
+        <p:spPr>
+          <a:xfrm>
+            <a:off x="4254324" y="3382230"/>
+            <a:ext cx="1026263" cy="261880"/>
+          </a:xfrm>
+          <a:prstGeom prst="rect">
+            <a:avLst/>
+          </a:prstGeom>
+          <a:solidFill>
+            <a:schemeClr val="accent1">
+              <a:lumMod val="20000"/>
+              <a:lumOff val="80000"/>
+            </a:schemeClr>
+          </a:solidFill>
+        </p:spPr>
+        <p:style>
+          <a:lnRef idx="2">
+            <a:schemeClr val="dk1"/>
+          </a:lnRef>
+          <a:fillRef idx="1">
+            <a:schemeClr val="lt1"/>
+          </a:fillRef>
+          <a:effectRef idx="0">
+            <a:schemeClr val="dk1"/>
+          </a:effectRef>
+          <a:fontRef idx="minor">
+            <a:schemeClr val="dk1"/>
+          </a:fontRef>
+        </p:style>
+        <p:txBody>
+          <a:bodyPr wrap="none" lIns="0" tIns="0" rIns="0" bIns="0" rtlCol="0" anchor="ctr"/>
+          <a:lstStyle/>
+          <a:p>
+            <a:pPr algn="ctr"/>
+            <a:r>
+              <a:rPr kumimoji="1" lang="ja-JP" altLang="en-US" sz="1000" dirty="0">
+                <a:latin typeface="Meiryo UI" panose="020B0604030504040204" pitchFamily="50" charset="-128"/>
+                <a:ea typeface="Meiryo UI" panose="020B0604030504040204" pitchFamily="50" charset="-128"/>
+              </a:rPr>
+              <a:t>①受信処理</a:t>
+            </a:r>
+          </a:p>
+        </p:txBody>
+      </p:sp>
+      <p:sp>
+        <p:nvSpPr>
+          <p:cNvPr id="8" name="正方形/長方形 7">
+            <a:extLst>
+              <a:ext uri="{FF2B5EF4-FFF2-40B4-BE49-F238E27FC236}">
+                <a16:creationId xmlns:a16="http://schemas.microsoft.com/office/drawing/2014/main" id="{A395F8B7-F43F-57E5-52CA-B0D470BF32AB}"/>
+              </a:ext>
+            </a:extLst>
+          </p:cNvPr>
+          <p:cNvSpPr/>
+          <p:nvPr/>
+        </p:nvSpPr>
+        <p:spPr>
+          <a:xfrm>
+            <a:off x="3737163" y="3407052"/>
+            <a:ext cx="195822" cy="213726"/>
+          </a:xfrm>
+          <a:prstGeom prst="rect">
+            <a:avLst/>
+          </a:prstGeom>
+          <a:solidFill>
+            <a:schemeClr val="accent5">
+              <a:lumMod val="75000"/>
+            </a:schemeClr>
+          </a:solidFill>
+          <a:ln>
+            <a:noFill/>
+          </a:ln>
+        </p:spPr>
+        <p:style>
+          <a:lnRef idx="2">
+            <a:schemeClr val="accent5">
+              <a:shade val="15000"/>
+            </a:schemeClr>
+          </a:lnRef>
+          <a:fillRef idx="1">
+            <a:schemeClr val="accent5"/>
+          </a:fillRef>
+          <a:effectRef idx="0">
+            <a:schemeClr val="accent5"/>
+          </a:effectRef>
+          <a:fontRef idx="minor">
+            <a:schemeClr val="lt1"/>
+          </a:fontRef>
+        </p:style>
+        <p:txBody>
+          <a:bodyPr rtlCol="0" anchor="ctr"/>
+          <a:lstStyle/>
+          <a:p>
+            <a:pPr algn="ctr"/>
+            <a:endParaRPr kumimoji="1" lang="ja-JP" altLang="en-US"/>
+          </a:p>
+        </p:txBody>
+      </p:sp>
+      <p:pic>
+        <p:nvPicPr>
+          <p:cNvPr id="12" name="コンテンツ プレースホルダー 7">
+            <a:extLst>
+              <a:ext uri="{FF2B5EF4-FFF2-40B4-BE49-F238E27FC236}">
+                <a16:creationId xmlns:a16="http://schemas.microsoft.com/office/drawing/2014/main" id="{DA8B018A-0ACF-C22A-93FF-C7E82700C1C8}"/>
+              </a:ext>
+            </a:extLst>
+          </p:cNvPr>
+          <p:cNvPicPr>
+            <a:picLocks noChangeAspect="1"/>
+          </p:cNvPicPr>
+          <p:nvPr/>
+        </p:nvPicPr>
+        <p:blipFill>
+          <a:blip r:embed="rId2">
+            <a:extLst>
+              <a:ext uri="{28A0092B-C50C-407E-A947-70E740481C1C}">
+                <a14:useLocalDpi xmlns:a14="http://schemas.microsoft.com/office/drawing/2010/main" val="0"/>
+              </a:ext>
+              <a:ext uri="{96DAC541-7B7A-43D3-8B79-37D633B846F1}">
+                <asvg:svgBlip xmlns:asvg="http://schemas.microsoft.com/office/drawing/2016/SVG/main" r:embed="rId3"/>
+              </a:ext>
+            </a:extLst>
+          </a:blip>
+          <a:stretch>
+            <a:fillRect/>
+          </a:stretch>
+        </p:blipFill>
+        <p:spPr>
+          <a:xfrm>
+            <a:off x="2608286" y="3257541"/>
+            <a:ext cx="505782" cy="505782"/>
+          </a:xfrm>
+          <a:prstGeom prst="rect">
+            <a:avLst/>
+          </a:prstGeom>
+        </p:spPr>
+      </p:pic>
+      <p:pic>
+        <p:nvPicPr>
+          <p:cNvPr id="13" name="コンテンツ プレースホルダー 7">
+            <a:extLst>
+              <a:ext uri="{FF2B5EF4-FFF2-40B4-BE49-F238E27FC236}">
+                <a16:creationId xmlns:a16="http://schemas.microsoft.com/office/drawing/2014/main" id="{E3DC7B42-B8CF-A46A-62E7-CF1B9775A920}"/>
+              </a:ext>
+            </a:extLst>
+          </p:cNvPr>
+          <p:cNvPicPr>
+            <a:picLocks noChangeAspect="1"/>
+          </p:cNvPicPr>
+          <p:nvPr/>
+        </p:nvPicPr>
+        <p:blipFill>
+          <a:blip r:embed="rId2">
+            <a:extLst>
+              <a:ext uri="{28A0092B-C50C-407E-A947-70E740481C1C}">
+                <a14:useLocalDpi xmlns:a14="http://schemas.microsoft.com/office/drawing/2010/main" val="0"/>
+              </a:ext>
+              <a:ext uri="{96DAC541-7B7A-43D3-8B79-37D633B846F1}">
+                <asvg:svgBlip xmlns:asvg="http://schemas.microsoft.com/office/drawing/2016/SVG/main" r:embed="rId3"/>
+              </a:ext>
+            </a:extLst>
+          </a:blip>
+          <a:stretch>
+            <a:fillRect/>
+          </a:stretch>
+        </p:blipFill>
+        <p:spPr>
+          <a:xfrm>
+            <a:off x="2403480" y="2979647"/>
+            <a:ext cx="505782" cy="505782"/>
+          </a:xfrm>
+          <a:prstGeom prst="rect">
+            <a:avLst/>
+          </a:prstGeom>
+        </p:spPr>
+      </p:pic>
+      <p:pic>
+        <p:nvPicPr>
+          <p:cNvPr id="14" name="コンテンツ プレースホルダー 7">
+            <a:extLst>
+              <a:ext uri="{FF2B5EF4-FFF2-40B4-BE49-F238E27FC236}">
+                <a16:creationId xmlns:a16="http://schemas.microsoft.com/office/drawing/2014/main" id="{A1240013-7CAC-F0DD-2799-95A51BAA3912}"/>
+              </a:ext>
+            </a:extLst>
+          </p:cNvPr>
+          <p:cNvPicPr>
+            <a:picLocks noChangeAspect="1"/>
+          </p:cNvPicPr>
+          <p:nvPr/>
+        </p:nvPicPr>
+        <p:blipFill>
+          <a:blip r:embed="rId2">
+            <a:extLst>
+              <a:ext uri="{28A0092B-C50C-407E-A947-70E740481C1C}">
+                <a14:useLocalDpi xmlns:a14="http://schemas.microsoft.com/office/drawing/2010/main" val="0"/>
+              </a:ext>
+              <a:ext uri="{96DAC541-7B7A-43D3-8B79-37D633B846F1}">
+                <asvg:svgBlip xmlns:asvg="http://schemas.microsoft.com/office/drawing/2016/SVG/main" r:embed="rId3"/>
+              </a:ext>
+            </a:extLst>
+          </a:blip>
+          <a:stretch>
+            <a:fillRect/>
+          </a:stretch>
+        </p:blipFill>
+        <p:spPr>
+          <a:xfrm>
+            <a:off x="2516864" y="3620309"/>
+            <a:ext cx="505782" cy="505782"/>
+          </a:xfrm>
+          <a:prstGeom prst="rect">
+            <a:avLst/>
+          </a:prstGeom>
+        </p:spPr>
+      </p:pic>
+      <p:pic>
+        <p:nvPicPr>
+          <p:cNvPr id="15" name="コンテンツ プレースホルダー 7">
+            <a:extLst>
+              <a:ext uri="{FF2B5EF4-FFF2-40B4-BE49-F238E27FC236}">
+                <a16:creationId xmlns:a16="http://schemas.microsoft.com/office/drawing/2014/main" id="{4446F8A4-1376-ED98-D6F9-FA9173D06000}"/>
+              </a:ext>
+            </a:extLst>
+          </p:cNvPr>
+          <p:cNvPicPr>
+            <a:picLocks noChangeAspect="1"/>
+          </p:cNvPicPr>
+          <p:nvPr/>
+        </p:nvPicPr>
+        <p:blipFill>
+          <a:blip r:embed="rId2">
+            <a:extLst>
+              <a:ext uri="{28A0092B-C50C-407E-A947-70E740481C1C}">
+                <a14:useLocalDpi xmlns:a14="http://schemas.microsoft.com/office/drawing/2010/main" val="0"/>
+              </a:ext>
+              <a:ext uri="{96DAC541-7B7A-43D3-8B79-37D633B846F1}">
+                <asvg:svgBlip xmlns:asvg="http://schemas.microsoft.com/office/drawing/2016/SVG/main" r:embed="rId3"/>
+              </a:ext>
+            </a:extLst>
+          </a:blip>
+          <a:stretch>
+            <a:fillRect/>
+          </a:stretch>
+        </p:blipFill>
+        <p:spPr>
+          <a:xfrm>
+            <a:off x="2312058" y="3342415"/>
+            <a:ext cx="505782" cy="505782"/>
+          </a:xfrm>
+          <a:prstGeom prst="rect">
+            <a:avLst/>
+          </a:prstGeom>
+        </p:spPr>
+      </p:pic>
+      <p:sp>
+        <p:nvSpPr>
+          <p:cNvPr id="16" name="テキスト ボックス 15">
+            <a:extLst>
+              <a:ext uri="{FF2B5EF4-FFF2-40B4-BE49-F238E27FC236}">
+                <a16:creationId xmlns:a16="http://schemas.microsoft.com/office/drawing/2014/main" id="{E925D23B-25DC-E97A-F24F-670FF95748E1}"/>
+              </a:ext>
+            </a:extLst>
+          </p:cNvPr>
+          <p:cNvSpPr txBox="1"/>
+          <p:nvPr/>
+        </p:nvSpPr>
+        <p:spPr>
+          <a:xfrm>
+            <a:off x="2244602" y="3485429"/>
+            <a:ext cx="647934" cy="276999"/>
+          </a:xfrm>
+          <a:prstGeom prst="rect">
+            <a:avLst/>
+          </a:prstGeom>
+          <a:noFill/>
+        </p:spPr>
+        <p:txBody>
+          <a:bodyPr wrap="none" rtlCol="0">
+            <a:spAutoFit/>
+          </a:bodyPr>
+          <a:lstStyle/>
+          <a:p>
+            <a:r>
+              <a:rPr kumimoji="1" lang="ja-JP" altLang="en-US" sz="1200" dirty="0">
+                <a:latin typeface="Meiryo UI" panose="020B0604030504040204" pitchFamily="50" charset="-128"/>
+                <a:ea typeface="Meiryo UI" panose="020B0604030504040204" pitchFamily="50" charset="-128"/>
+              </a:rPr>
+              <a:t>ブラウザ</a:t>
+            </a:r>
+          </a:p>
+        </p:txBody>
+      </p:sp>
+      <p:cxnSp>
+        <p:nvCxnSpPr>
+          <p:cNvPr id="17" name="直線矢印コネクタ 16">
+            <a:extLst>
+              <a:ext uri="{FF2B5EF4-FFF2-40B4-BE49-F238E27FC236}">
+                <a16:creationId xmlns:a16="http://schemas.microsoft.com/office/drawing/2014/main" id="{AE06B958-A9A8-B2A6-7634-155C331A40E1}"/>
+              </a:ext>
+            </a:extLst>
+          </p:cNvPr>
+          <p:cNvCxnSpPr>
+            <a:cxnSpLocks/>
+            <a:stCxn id="12" idx="3"/>
+            <a:endCxn id="8" idx="1"/>
+          </p:cNvCxnSpPr>
+          <p:nvPr/>
+        </p:nvCxnSpPr>
+        <p:spPr>
+          <a:xfrm>
+            <a:off x="3114068" y="3510432"/>
+            <a:ext cx="623095" cy="3483"/>
+          </a:xfrm>
+          <a:prstGeom prst="straightConnector1">
+            <a:avLst/>
+          </a:prstGeom>
+          <a:ln>
+            <a:solidFill>
+              <a:schemeClr val="tx1"/>
+            </a:solidFill>
+            <a:tailEnd type="triangle"/>
+          </a:ln>
+        </p:spPr>
+        <p:style>
+          <a:lnRef idx="1">
+            <a:schemeClr val="accent1"/>
+          </a:lnRef>
+          <a:fillRef idx="0">
+            <a:schemeClr val="accent1"/>
+          </a:fillRef>
+          <a:effectRef idx="0">
+            <a:schemeClr val="accent1"/>
+          </a:effectRef>
+          <a:fontRef idx="minor">
+            <a:schemeClr val="tx1"/>
+          </a:fontRef>
+        </p:style>
+      </p:cxnSp>
+      <p:cxnSp>
+        <p:nvCxnSpPr>
+          <p:cNvPr id="22" name="直線矢印コネクタ 21">
+            <a:extLst>
+              <a:ext uri="{FF2B5EF4-FFF2-40B4-BE49-F238E27FC236}">
+                <a16:creationId xmlns:a16="http://schemas.microsoft.com/office/drawing/2014/main" id="{EA69C7F3-2887-7D37-541E-F237918E4E65}"/>
+              </a:ext>
+            </a:extLst>
+          </p:cNvPr>
+          <p:cNvCxnSpPr>
+            <a:cxnSpLocks/>
+            <a:stCxn id="15" idx="3"/>
+            <a:endCxn id="8" idx="1"/>
+          </p:cNvCxnSpPr>
+          <p:nvPr/>
+        </p:nvCxnSpPr>
+        <p:spPr>
+          <a:xfrm flipV="1">
+            <a:off x="2817840" y="3513915"/>
+            <a:ext cx="919323" cy="81391"/>
+          </a:xfrm>
+          <a:prstGeom prst="straightConnector1">
+            <a:avLst/>
+          </a:prstGeom>
+          <a:ln>
+            <a:solidFill>
+              <a:schemeClr val="tx1"/>
+            </a:solidFill>
+            <a:tailEnd type="triangle"/>
+          </a:ln>
+        </p:spPr>
+        <p:style>
+          <a:lnRef idx="1">
+            <a:schemeClr val="accent1"/>
+          </a:lnRef>
+          <a:fillRef idx="0">
+            <a:schemeClr val="accent1"/>
+          </a:fillRef>
+          <a:effectRef idx="0">
+            <a:schemeClr val="accent1"/>
+          </a:effectRef>
+          <a:fontRef idx="minor">
+            <a:schemeClr val="tx1"/>
+          </a:fontRef>
+        </p:style>
+      </p:cxnSp>
+      <p:cxnSp>
+        <p:nvCxnSpPr>
+          <p:cNvPr id="27" name="直線矢印コネクタ 26">
+            <a:extLst>
+              <a:ext uri="{FF2B5EF4-FFF2-40B4-BE49-F238E27FC236}">
+                <a16:creationId xmlns:a16="http://schemas.microsoft.com/office/drawing/2014/main" id="{1B1BF37B-9B21-A27A-9487-0EED325608EA}"/>
+              </a:ext>
+            </a:extLst>
+          </p:cNvPr>
+          <p:cNvCxnSpPr>
+            <a:cxnSpLocks/>
+            <a:stCxn id="14" idx="3"/>
+            <a:endCxn id="8" idx="1"/>
+          </p:cNvCxnSpPr>
+          <p:nvPr/>
+        </p:nvCxnSpPr>
+        <p:spPr>
+          <a:xfrm flipV="1">
+            <a:off x="3022646" y="3513915"/>
+            <a:ext cx="714517" cy="359285"/>
+          </a:xfrm>
+          <a:prstGeom prst="straightConnector1">
+            <a:avLst/>
+          </a:prstGeom>
+          <a:ln>
+            <a:solidFill>
+              <a:schemeClr val="tx1"/>
+            </a:solidFill>
+            <a:tailEnd type="triangle"/>
+          </a:ln>
+        </p:spPr>
+        <p:style>
+          <a:lnRef idx="1">
+            <a:schemeClr val="accent1"/>
+          </a:lnRef>
+          <a:fillRef idx="0">
+            <a:schemeClr val="accent1"/>
+          </a:fillRef>
+          <a:effectRef idx="0">
+            <a:schemeClr val="accent1"/>
+          </a:effectRef>
+          <a:fontRef idx="minor">
+            <a:schemeClr val="tx1"/>
+          </a:fontRef>
+        </p:style>
+      </p:cxnSp>
+      <p:cxnSp>
+        <p:nvCxnSpPr>
+          <p:cNvPr id="30" name="直線矢印コネクタ 29">
+            <a:extLst>
+              <a:ext uri="{FF2B5EF4-FFF2-40B4-BE49-F238E27FC236}">
+                <a16:creationId xmlns:a16="http://schemas.microsoft.com/office/drawing/2014/main" id="{2C2057DE-051A-97DF-8B9E-43E6D39D5032}"/>
+              </a:ext>
+            </a:extLst>
+          </p:cNvPr>
+          <p:cNvCxnSpPr>
+            <a:cxnSpLocks/>
+            <a:stCxn id="13" idx="3"/>
+            <a:endCxn id="8" idx="1"/>
+          </p:cNvCxnSpPr>
+          <p:nvPr/>
+        </p:nvCxnSpPr>
+        <p:spPr>
+          <a:xfrm>
+            <a:off x="2909262" y="3232538"/>
+            <a:ext cx="827901" cy="281377"/>
+          </a:xfrm>
+          <a:prstGeom prst="straightConnector1">
+            <a:avLst/>
+          </a:prstGeom>
+          <a:ln>
+            <a:solidFill>
+              <a:schemeClr val="tx1"/>
+            </a:solidFill>
+            <a:tailEnd type="triangle"/>
+          </a:ln>
+        </p:spPr>
+        <p:style>
+          <a:lnRef idx="1">
+            <a:schemeClr val="accent1"/>
+          </a:lnRef>
+          <a:fillRef idx="0">
+            <a:schemeClr val="accent1"/>
+          </a:fillRef>
+          <a:effectRef idx="0">
+            <a:schemeClr val="accent1"/>
+          </a:effectRef>
+          <a:fontRef idx="minor">
+            <a:schemeClr val="tx1"/>
+          </a:fontRef>
+        </p:style>
+      </p:cxnSp>
+      <p:grpSp>
+        <p:nvGrpSpPr>
+          <p:cNvPr id="33" name="グループ化 32">
+            <a:extLst>
+              <a:ext uri="{FF2B5EF4-FFF2-40B4-BE49-F238E27FC236}">
+                <a16:creationId xmlns:a16="http://schemas.microsoft.com/office/drawing/2014/main" id="{CC58BF88-5ACA-2536-38AA-429E76AC8901}"/>
+              </a:ext>
+            </a:extLst>
+          </p:cNvPr>
+          <p:cNvGrpSpPr/>
+          <p:nvPr/>
+        </p:nvGrpSpPr>
+        <p:grpSpPr>
+          <a:xfrm rot="16200000">
+            <a:off x="5685585" y="3286336"/>
+            <a:ext cx="318581" cy="461685"/>
+            <a:chOff x="2995256" y="5384007"/>
+            <a:chExt cx="345064" cy="500064"/>
+          </a:xfrm>
+        </p:grpSpPr>
+        <p:sp>
+          <p:nvSpPr>
+            <p:cNvPr id="34" name="左大かっこ 33">
+              <a:extLst>
+                <a:ext uri="{FF2B5EF4-FFF2-40B4-BE49-F238E27FC236}">
+                  <a16:creationId xmlns:a16="http://schemas.microsoft.com/office/drawing/2014/main" id="{D2BE75DA-B066-4625-6827-6425CA83BCEA}"/>
+                </a:ext>
+              </a:extLst>
+            </p:cNvPr>
+            <p:cNvSpPr/>
+            <p:nvPr/>
+          </p:nvSpPr>
+          <p:spPr>
+            <a:xfrm>
+              <a:off x="3268320" y="5384007"/>
+              <a:ext cx="72000" cy="500064"/>
+            </a:xfrm>
+            <a:prstGeom prst="leftBracket">
+              <a:avLst>
+                <a:gd name="adj" fmla="val 40648"/>
+              </a:avLst>
+            </a:prstGeom>
+          </p:spPr>
+          <p:style>
+            <a:lnRef idx="1">
+              <a:schemeClr val="dk1"/>
+            </a:lnRef>
+            <a:fillRef idx="0">
+              <a:schemeClr val="dk1"/>
+            </a:fillRef>
+            <a:effectRef idx="0">
+              <a:schemeClr val="dk1"/>
+            </a:effectRef>
+            <a:fontRef idx="minor">
+              <a:schemeClr val="tx1"/>
+            </a:fontRef>
+          </p:style>
+          <p:txBody>
+            <a:bodyPr rtlCol="0" anchor="ctr"/>
+            <a:lstStyle/>
+            <a:p>
+              <a:pPr algn="ctr"/>
+              <a:endParaRPr kumimoji="1" lang="ja-JP" altLang="en-US"/>
+            </a:p>
+          </p:txBody>
+        </p:sp>
+        <p:sp>
+          <p:nvSpPr>
+            <p:cNvPr id="35" name="右大かっこ 34">
+              <a:extLst>
+                <a:ext uri="{FF2B5EF4-FFF2-40B4-BE49-F238E27FC236}">
+                  <a16:creationId xmlns:a16="http://schemas.microsoft.com/office/drawing/2014/main" id="{721B1BA0-BF95-3F82-0D2D-BBAFF2E1C009}"/>
+                </a:ext>
+              </a:extLst>
+            </p:cNvPr>
+            <p:cNvSpPr/>
+            <p:nvPr/>
+          </p:nvSpPr>
+          <p:spPr>
+            <a:xfrm>
+              <a:off x="2995256" y="5384007"/>
+              <a:ext cx="72000" cy="500064"/>
+            </a:xfrm>
+            <a:prstGeom prst="rightBracket">
+              <a:avLst>
+                <a:gd name="adj" fmla="val 36919"/>
+              </a:avLst>
+            </a:prstGeom>
+          </p:spPr>
+          <p:style>
+            <a:lnRef idx="1">
+              <a:schemeClr val="dk1"/>
+            </a:lnRef>
+            <a:fillRef idx="0">
+              <a:schemeClr val="dk1"/>
+            </a:fillRef>
+            <a:effectRef idx="0">
+              <a:schemeClr val="dk1"/>
+            </a:effectRef>
+            <a:fontRef idx="minor">
+              <a:schemeClr val="tx1"/>
+            </a:fontRef>
+          </p:style>
+          <p:txBody>
+            <a:bodyPr rtlCol="0" anchor="ctr"/>
+            <a:lstStyle/>
+            <a:p>
+              <a:pPr algn="ctr"/>
+              <a:endParaRPr kumimoji="1" lang="ja-JP" altLang="en-US"/>
+            </a:p>
+          </p:txBody>
+        </p:sp>
+        <p:grpSp>
+          <p:nvGrpSpPr>
+            <p:cNvPr id="36" name="グループ化 35">
+              <a:extLst>
+                <a:ext uri="{FF2B5EF4-FFF2-40B4-BE49-F238E27FC236}">
+                  <a16:creationId xmlns:a16="http://schemas.microsoft.com/office/drawing/2014/main" id="{9345D073-6DC0-3F60-89CB-F4D212537E66}"/>
+                </a:ext>
+              </a:extLst>
+            </p:cNvPr>
+            <p:cNvGrpSpPr/>
+            <p:nvPr/>
+          </p:nvGrpSpPr>
+          <p:grpSpPr>
+            <a:xfrm>
+              <a:off x="3084444" y="5384007"/>
+              <a:ext cx="166688" cy="500064"/>
+              <a:chOff x="3286850" y="5393532"/>
+              <a:chExt cx="166688" cy="500064"/>
+            </a:xfrm>
+          </p:grpSpPr>
+          <p:sp>
+            <p:nvSpPr>
+              <p:cNvPr id="37" name="楕円 36">
+                <a:extLst>
+                  <a:ext uri="{FF2B5EF4-FFF2-40B4-BE49-F238E27FC236}">
+                    <a16:creationId xmlns:a16="http://schemas.microsoft.com/office/drawing/2014/main" id="{BA89CBAA-692E-5A63-50CB-8F10CCD751C2}"/>
+                  </a:ext>
+                </a:extLst>
+              </p:cNvPr>
+              <p:cNvSpPr/>
+              <p:nvPr/>
+            </p:nvSpPr>
+            <p:spPr>
+              <a:xfrm>
+                <a:off x="3286850" y="5393532"/>
+                <a:ext cx="166688" cy="166688"/>
+              </a:xfrm>
+              <a:prstGeom prst="ellipse">
+                <a:avLst/>
+              </a:prstGeom>
+              <a:solidFill>
+                <a:schemeClr val="accent1"/>
+              </a:solidFill>
+              <a:ln>
+                <a:noFill/>
+              </a:ln>
+            </p:spPr>
+            <p:style>
+              <a:lnRef idx="3">
+                <a:schemeClr val="lt1"/>
+              </a:lnRef>
+              <a:fillRef idx="1">
+                <a:schemeClr val="accent2"/>
+              </a:fillRef>
+              <a:effectRef idx="1">
+                <a:schemeClr val="accent2"/>
+              </a:effectRef>
+              <a:fontRef idx="minor">
+                <a:schemeClr val="lt1"/>
+              </a:fontRef>
+            </p:style>
+            <p:txBody>
+              <a:bodyPr rtlCol="0" anchor="ctr"/>
+              <a:lstStyle/>
+              <a:p>
+                <a:pPr algn="ctr"/>
+                <a:endParaRPr kumimoji="1" lang="ja-JP" altLang="en-US"/>
+              </a:p>
+            </p:txBody>
+          </p:sp>
+          <p:sp>
+            <p:nvSpPr>
+              <p:cNvPr id="38" name="楕円 37">
+                <a:extLst>
+                  <a:ext uri="{FF2B5EF4-FFF2-40B4-BE49-F238E27FC236}">
+                    <a16:creationId xmlns:a16="http://schemas.microsoft.com/office/drawing/2014/main" id="{6E6C7512-FC9B-E0F9-FEC0-1B88541403B2}"/>
+                  </a:ext>
+                </a:extLst>
+              </p:cNvPr>
+              <p:cNvSpPr/>
+              <p:nvPr/>
+            </p:nvSpPr>
+            <p:spPr>
+              <a:xfrm>
+                <a:off x="3286850" y="5560220"/>
+                <a:ext cx="166688" cy="166688"/>
+              </a:xfrm>
+              <a:prstGeom prst="ellipse">
+                <a:avLst/>
+              </a:prstGeom>
+              <a:solidFill>
+                <a:schemeClr val="accent1"/>
+              </a:solidFill>
+              <a:ln>
+                <a:noFill/>
+              </a:ln>
+            </p:spPr>
+            <p:style>
+              <a:lnRef idx="3">
+                <a:schemeClr val="lt1"/>
+              </a:lnRef>
+              <a:fillRef idx="1">
+                <a:schemeClr val="accent2"/>
+              </a:fillRef>
+              <a:effectRef idx="1">
+                <a:schemeClr val="accent2"/>
+              </a:effectRef>
+              <a:fontRef idx="minor">
+                <a:schemeClr val="lt1"/>
+              </a:fontRef>
+            </p:style>
+            <p:txBody>
+              <a:bodyPr rtlCol="0" anchor="ctr"/>
+              <a:lstStyle/>
+              <a:p>
+                <a:pPr algn="ctr"/>
+                <a:endParaRPr kumimoji="1" lang="ja-JP" altLang="en-US"/>
+              </a:p>
+            </p:txBody>
+          </p:sp>
+          <p:sp>
+            <p:nvSpPr>
+              <p:cNvPr id="39" name="楕円 38">
+                <a:extLst>
+                  <a:ext uri="{FF2B5EF4-FFF2-40B4-BE49-F238E27FC236}">
+                    <a16:creationId xmlns:a16="http://schemas.microsoft.com/office/drawing/2014/main" id="{697A600E-F7D5-EB63-70B5-114BFEF93EB2}"/>
+                  </a:ext>
+                </a:extLst>
+              </p:cNvPr>
+              <p:cNvSpPr/>
+              <p:nvPr/>
+            </p:nvSpPr>
+            <p:spPr>
+              <a:xfrm>
+                <a:off x="3286850" y="5726908"/>
+                <a:ext cx="166688" cy="166688"/>
+              </a:xfrm>
+              <a:prstGeom prst="ellipse">
+                <a:avLst/>
+              </a:prstGeom>
+              <a:solidFill>
+                <a:schemeClr val="accent1"/>
+              </a:solidFill>
+              <a:ln>
+                <a:noFill/>
+              </a:ln>
+            </p:spPr>
+            <p:style>
+              <a:lnRef idx="3">
+                <a:schemeClr val="lt1"/>
+              </a:lnRef>
+              <a:fillRef idx="1">
+                <a:schemeClr val="accent2"/>
+              </a:fillRef>
+              <a:effectRef idx="1">
+                <a:schemeClr val="accent2"/>
+              </a:effectRef>
+              <a:fontRef idx="minor">
+                <a:schemeClr val="lt1"/>
+              </a:fontRef>
+            </p:style>
+            <p:txBody>
+              <a:bodyPr rtlCol="0" anchor="ctr"/>
+              <a:lstStyle/>
+              <a:p>
+                <a:pPr algn="ctr"/>
+                <a:endParaRPr kumimoji="1" lang="ja-JP" altLang="en-US"/>
+              </a:p>
+            </p:txBody>
+          </p:sp>
+        </p:grpSp>
+      </p:grpSp>
+      <p:cxnSp>
+        <p:nvCxnSpPr>
+          <p:cNvPr id="40" name="直線矢印コネクタ 39">
+            <a:extLst>
+              <a:ext uri="{FF2B5EF4-FFF2-40B4-BE49-F238E27FC236}">
+                <a16:creationId xmlns:a16="http://schemas.microsoft.com/office/drawing/2014/main" id="{0A71BF10-6DD4-A2FE-FB93-ADAD94128C5F}"/>
+              </a:ext>
+            </a:extLst>
+          </p:cNvPr>
+          <p:cNvCxnSpPr>
+            <a:cxnSpLocks/>
+            <a:stCxn id="7" idx="3"/>
+            <a:endCxn id="37" idx="0"/>
+          </p:cNvCxnSpPr>
+          <p:nvPr/>
+        </p:nvCxnSpPr>
+        <p:spPr>
+          <a:xfrm>
+            <a:off x="5280587" y="3513170"/>
+            <a:ext cx="333446" cy="4008"/>
+          </a:xfrm>
+          <a:prstGeom prst="straightConnector1">
+            <a:avLst/>
+          </a:prstGeom>
+          <a:ln>
+            <a:solidFill>
+              <a:schemeClr val="tx1"/>
+            </a:solidFill>
+            <a:tailEnd type="triangle"/>
+          </a:ln>
+        </p:spPr>
+        <p:style>
+          <a:lnRef idx="1">
+            <a:schemeClr val="accent1"/>
+          </a:lnRef>
+          <a:fillRef idx="0">
+            <a:schemeClr val="accent1"/>
+          </a:fillRef>
+          <a:effectRef idx="0">
+            <a:schemeClr val="accent1"/>
+          </a:effectRef>
+          <a:fontRef idx="minor">
+            <a:schemeClr val="tx1"/>
+          </a:fontRef>
+        </p:style>
+      </p:cxnSp>
+      <p:cxnSp>
+        <p:nvCxnSpPr>
+          <p:cNvPr id="44" name="直線矢印コネクタ 43">
+            <a:extLst>
+              <a:ext uri="{FF2B5EF4-FFF2-40B4-BE49-F238E27FC236}">
+                <a16:creationId xmlns:a16="http://schemas.microsoft.com/office/drawing/2014/main" id="{56706557-CB10-91A6-F5FC-E184F3CBCDE8}"/>
+              </a:ext>
+            </a:extLst>
+          </p:cNvPr>
+          <p:cNvCxnSpPr>
+            <a:cxnSpLocks/>
+            <a:stCxn id="7" idx="1"/>
+            <a:endCxn id="8" idx="3"/>
+          </p:cNvCxnSpPr>
+          <p:nvPr/>
+        </p:nvCxnSpPr>
+        <p:spPr>
+          <a:xfrm flipH="1">
+            <a:off x="3932985" y="3513170"/>
+            <a:ext cx="321339" cy="745"/>
+          </a:xfrm>
+          <a:prstGeom prst="straightConnector1">
+            <a:avLst/>
+          </a:prstGeom>
+          <a:ln>
+            <a:solidFill>
+              <a:schemeClr val="tx1"/>
+            </a:solidFill>
+            <a:tailEnd type="triangle"/>
+          </a:ln>
+        </p:spPr>
+        <p:style>
+          <a:lnRef idx="1">
+            <a:schemeClr val="accent1"/>
+          </a:lnRef>
+          <a:fillRef idx="0">
+            <a:schemeClr val="accent1"/>
+          </a:fillRef>
+          <a:effectRef idx="0">
+            <a:schemeClr val="accent1"/>
+          </a:effectRef>
+          <a:fontRef idx="minor">
+            <a:schemeClr val="tx1"/>
+          </a:fontRef>
+        </p:style>
+      </p:cxnSp>
+      <p:sp>
+        <p:nvSpPr>
+          <p:cNvPr id="47" name="テキスト ボックス 46">
+            <a:extLst>
+              <a:ext uri="{FF2B5EF4-FFF2-40B4-BE49-F238E27FC236}">
+                <a16:creationId xmlns:a16="http://schemas.microsoft.com/office/drawing/2014/main" id="{391049C0-F3D8-AF8F-034F-5875F69108B1}"/>
+              </a:ext>
+            </a:extLst>
+          </p:cNvPr>
+          <p:cNvSpPr txBox="1"/>
+          <p:nvPr/>
+        </p:nvSpPr>
+        <p:spPr>
+          <a:xfrm>
+            <a:off x="3483054" y="3580707"/>
+            <a:ext cx="704039" cy="215444"/>
+          </a:xfrm>
+          <a:prstGeom prst="rect">
+            <a:avLst/>
+          </a:prstGeom>
+          <a:noFill/>
+        </p:spPr>
+        <p:txBody>
+          <a:bodyPr wrap="none" rtlCol="0">
+            <a:spAutoFit/>
+          </a:bodyPr>
+          <a:lstStyle/>
+          <a:p>
+            <a:r>
+              <a:rPr kumimoji="1" lang="ja-JP" altLang="en-US" sz="800" dirty="0">
+                <a:latin typeface="Meiryo UI" panose="020B0604030504040204" pitchFamily="50" charset="-128"/>
+                <a:ea typeface="Meiryo UI" panose="020B0604030504040204" pitchFamily="50" charset="-128"/>
+              </a:rPr>
+              <a:t>通信チャネル</a:t>
+            </a:r>
+          </a:p>
+        </p:txBody>
+      </p:sp>
+      <p:sp>
+        <p:nvSpPr>
+          <p:cNvPr id="48" name="正方形/長方形 47">
+            <a:extLst>
+              <a:ext uri="{FF2B5EF4-FFF2-40B4-BE49-F238E27FC236}">
+                <a16:creationId xmlns:a16="http://schemas.microsoft.com/office/drawing/2014/main" id="{91B99B35-8B0A-7365-1DEA-43D8AC580F22}"/>
+              </a:ext>
+            </a:extLst>
+          </p:cNvPr>
+          <p:cNvSpPr/>
+          <p:nvPr/>
+        </p:nvSpPr>
+        <p:spPr>
+          <a:xfrm>
+            <a:off x="6540173" y="2677506"/>
+            <a:ext cx="1026263" cy="261880"/>
+          </a:xfrm>
+          <a:prstGeom prst="rect">
+            <a:avLst/>
+          </a:prstGeom>
+          <a:solidFill>
+            <a:schemeClr val="accent1">
+              <a:lumMod val="20000"/>
+              <a:lumOff val="80000"/>
+            </a:schemeClr>
+          </a:solidFill>
+        </p:spPr>
+        <p:style>
+          <a:lnRef idx="2">
+            <a:schemeClr val="dk1"/>
+          </a:lnRef>
+          <a:fillRef idx="1">
+            <a:schemeClr val="lt1"/>
+          </a:fillRef>
+          <a:effectRef idx="0">
+            <a:schemeClr val="dk1"/>
+          </a:effectRef>
+          <a:fontRef idx="minor">
+            <a:schemeClr val="dk1"/>
+          </a:fontRef>
+        </p:style>
+        <p:txBody>
+          <a:bodyPr wrap="none" lIns="0" tIns="0" rIns="0" bIns="0" rtlCol="0" anchor="ctr"/>
+          <a:lstStyle/>
+          <a:p>
+            <a:pPr algn="ctr"/>
+            <a:r>
+              <a:rPr kumimoji="1" lang="ja-JP" altLang="en-US" sz="1000" dirty="0">
+                <a:latin typeface="Meiryo UI" panose="020B0604030504040204" pitchFamily="50" charset="-128"/>
+                <a:ea typeface="Meiryo UI" panose="020B0604030504040204" pitchFamily="50" charset="-128"/>
+              </a:rPr>
+              <a:t>③ワーカースレッド</a:t>
+            </a:r>
+          </a:p>
+        </p:txBody>
+      </p:sp>
+      <p:sp>
+        <p:nvSpPr>
+          <p:cNvPr id="49" name="正方形/長方形 48">
+            <a:extLst>
+              <a:ext uri="{FF2B5EF4-FFF2-40B4-BE49-F238E27FC236}">
+                <a16:creationId xmlns:a16="http://schemas.microsoft.com/office/drawing/2014/main" id="{7EE8D3C4-B45D-CE8B-62D1-CF5AE5797AE9}"/>
+              </a:ext>
+            </a:extLst>
+          </p:cNvPr>
+          <p:cNvSpPr/>
+          <p:nvPr/>
+        </p:nvSpPr>
+        <p:spPr>
+          <a:xfrm>
+            <a:off x="6540173" y="3141309"/>
+            <a:ext cx="1026263" cy="261880"/>
+          </a:xfrm>
+          <a:prstGeom prst="rect">
+            <a:avLst/>
+          </a:prstGeom>
+          <a:solidFill>
+            <a:schemeClr val="accent1">
+              <a:lumMod val="20000"/>
+              <a:lumOff val="80000"/>
+            </a:schemeClr>
+          </a:solidFill>
+        </p:spPr>
+        <p:style>
+          <a:lnRef idx="2">
+            <a:schemeClr val="dk1"/>
+          </a:lnRef>
+          <a:fillRef idx="1">
+            <a:schemeClr val="lt1"/>
+          </a:fillRef>
+          <a:effectRef idx="0">
+            <a:schemeClr val="dk1"/>
+          </a:effectRef>
+          <a:fontRef idx="minor">
+            <a:schemeClr val="dk1"/>
+          </a:fontRef>
+        </p:style>
+        <p:txBody>
+          <a:bodyPr wrap="none" lIns="0" tIns="0" rIns="0" bIns="0" rtlCol="0" anchor="ctr"/>
+          <a:lstStyle/>
+          <a:p>
+            <a:pPr algn="ctr"/>
+            <a:r>
+              <a:rPr kumimoji="1" lang="ja-JP" altLang="en-US" sz="1000" dirty="0">
+                <a:latin typeface="Meiryo UI" panose="020B0604030504040204" pitchFamily="50" charset="-128"/>
+                <a:ea typeface="Meiryo UI" panose="020B0604030504040204" pitchFamily="50" charset="-128"/>
+              </a:rPr>
+              <a:t>③ワーカースレッド</a:t>
+            </a:r>
+          </a:p>
+        </p:txBody>
+      </p:sp>
+      <p:sp>
+        <p:nvSpPr>
+          <p:cNvPr id="50" name="正方形/長方形 49">
+            <a:extLst>
+              <a:ext uri="{FF2B5EF4-FFF2-40B4-BE49-F238E27FC236}">
+                <a16:creationId xmlns:a16="http://schemas.microsoft.com/office/drawing/2014/main" id="{CF591BED-79E1-BDD4-EFA7-D99B25CA2432}"/>
+              </a:ext>
+            </a:extLst>
+          </p:cNvPr>
+          <p:cNvSpPr/>
+          <p:nvPr/>
+        </p:nvSpPr>
+        <p:spPr>
+          <a:xfrm>
+            <a:off x="6540173" y="3674350"/>
+            <a:ext cx="1026263" cy="261880"/>
+          </a:xfrm>
+          <a:prstGeom prst="rect">
+            <a:avLst/>
+          </a:prstGeom>
+          <a:solidFill>
+            <a:schemeClr val="accent1">
+              <a:lumMod val="20000"/>
+              <a:lumOff val="80000"/>
+            </a:schemeClr>
+          </a:solidFill>
+        </p:spPr>
+        <p:style>
+          <a:lnRef idx="2">
+            <a:schemeClr val="dk1"/>
+          </a:lnRef>
+          <a:fillRef idx="1">
+            <a:schemeClr val="lt1"/>
+          </a:fillRef>
+          <a:effectRef idx="0">
+            <a:schemeClr val="dk1"/>
+          </a:effectRef>
+          <a:fontRef idx="minor">
+            <a:schemeClr val="dk1"/>
+          </a:fontRef>
+        </p:style>
+        <p:txBody>
+          <a:bodyPr wrap="none" lIns="0" tIns="0" rIns="0" bIns="0" rtlCol="0" anchor="ctr"/>
+          <a:lstStyle/>
+          <a:p>
+            <a:pPr algn="ctr"/>
+            <a:r>
+              <a:rPr kumimoji="1" lang="ja-JP" altLang="en-US" sz="1000" dirty="0">
+                <a:latin typeface="Meiryo UI" panose="020B0604030504040204" pitchFamily="50" charset="-128"/>
+                <a:ea typeface="Meiryo UI" panose="020B0604030504040204" pitchFamily="50" charset="-128"/>
+              </a:rPr>
+              <a:t>③ワーカースレッド</a:t>
+            </a:r>
+          </a:p>
+        </p:txBody>
+      </p:sp>
+      <p:sp>
+        <p:nvSpPr>
+          <p:cNvPr id="51" name="正方形/長方形 50">
+            <a:extLst>
+              <a:ext uri="{FF2B5EF4-FFF2-40B4-BE49-F238E27FC236}">
+                <a16:creationId xmlns:a16="http://schemas.microsoft.com/office/drawing/2014/main" id="{9711BFFF-1E20-7CA9-F9FE-39BB8EE3F35A}"/>
+              </a:ext>
+            </a:extLst>
+          </p:cNvPr>
+          <p:cNvSpPr/>
+          <p:nvPr/>
+        </p:nvSpPr>
+        <p:spPr>
+          <a:xfrm>
+            <a:off x="6540173" y="4156214"/>
+            <a:ext cx="1026263" cy="261880"/>
+          </a:xfrm>
+          <a:prstGeom prst="rect">
+            <a:avLst/>
+          </a:prstGeom>
+          <a:solidFill>
+            <a:schemeClr val="accent1">
+              <a:lumMod val="20000"/>
+              <a:lumOff val="80000"/>
+            </a:schemeClr>
+          </a:solidFill>
+        </p:spPr>
+        <p:style>
+          <a:lnRef idx="2">
+            <a:schemeClr val="dk1"/>
+          </a:lnRef>
+          <a:fillRef idx="1">
+            <a:schemeClr val="lt1"/>
+          </a:fillRef>
+          <a:effectRef idx="0">
+            <a:schemeClr val="dk1"/>
+          </a:effectRef>
+          <a:fontRef idx="minor">
+            <a:schemeClr val="dk1"/>
+          </a:fontRef>
+        </p:style>
+        <p:txBody>
+          <a:bodyPr wrap="none" lIns="0" tIns="0" rIns="0" bIns="0" rtlCol="0" anchor="ctr"/>
+          <a:lstStyle/>
+          <a:p>
+            <a:pPr algn="ctr"/>
+            <a:r>
+              <a:rPr kumimoji="1" lang="ja-JP" altLang="en-US" sz="1000" dirty="0">
+                <a:latin typeface="Meiryo UI" panose="020B0604030504040204" pitchFamily="50" charset="-128"/>
+                <a:ea typeface="Meiryo UI" panose="020B0604030504040204" pitchFamily="50" charset="-128"/>
+              </a:rPr>
+              <a:t>③ワーカースレッド</a:t>
+            </a:r>
+          </a:p>
+        </p:txBody>
+      </p:sp>
+      <p:sp>
+        <p:nvSpPr>
+          <p:cNvPr id="52" name="四角形: 角を丸くする 51">
+            <a:extLst>
+              <a:ext uri="{FF2B5EF4-FFF2-40B4-BE49-F238E27FC236}">
+                <a16:creationId xmlns:a16="http://schemas.microsoft.com/office/drawing/2014/main" id="{3FD829A7-D334-A561-6D81-CB503082408C}"/>
+              </a:ext>
+            </a:extLst>
+          </p:cNvPr>
+          <p:cNvSpPr/>
+          <p:nvPr/>
+        </p:nvSpPr>
+        <p:spPr>
+          <a:xfrm>
+            <a:off x="7850335" y="2677506"/>
+            <a:ext cx="903838" cy="261880"/>
+          </a:xfrm>
+          <a:prstGeom prst="roundRect">
+            <a:avLst/>
+          </a:prstGeom>
+          <a:solidFill>
+            <a:schemeClr val="accent4">
+              <a:lumMod val="20000"/>
+              <a:lumOff val="80000"/>
+            </a:schemeClr>
+          </a:solidFill>
+        </p:spPr>
+        <p:style>
+          <a:lnRef idx="2">
+            <a:schemeClr val="accent1">
+              <a:shade val="15000"/>
+            </a:schemeClr>
+          </a:lnRef>
+          <a:fillRef idx="1">
+            <a:schemeClr val="accent1"/>
+          </a:fillRef>
+          <a:effectRef idx="0">
+            <a:schemeClr val="accent1"/>
+          </a:effectRef>
+          <a:fontRef idx="minor">
+            <a:schemeClr val="lt1"/>
+          </a:fontRef>
+        </p:style>
+        <p:txBody>
+          <a:bodyPr rtlCol="0" anchor="ctr"/>
+          <a:lstStyle/>
+          <a:p>
+            <a:pPr algn="ctr"/>
+            <a:r>
+              <a:rPr kumimoji="1" lang="en-US" altLang="ja-JP" sz="1000" dirty="0">
+                <a:solidFill>
+                  <a:schemeClr val="tx2"/>
+                </a:solidFill>
+                <a:latin typeface="Meiryo UI" panose="020B0604030504040204" pitchFamily="50" charset="-128"/>
+                <a:ea typeface="Meiryo UI" panose="020B0604030504040204" pitchFamily="50" charset="-128"/>
+              </a:rPr>
+              <a:t>Web </a:t>
+            </a:r>
+            <a:r>
+              <a:rPr kumimoji="1" lang="ja-JP" altLang="en-US" sz="1000" dirty="0">
+                <a:solidFill>
+                  <a:schemeClr val="tx2"/>
+                </a:solidFill>
+                <a:latin typeface="Meiryo UI" panose="020B0604030504040204" pitchFamily="50" charset="-128"/>
+                <a:ea typeface="Meiryo UI" panose="020B0604030504040204" pitchFamily="50" charset="-128"/>
+              </a:rPr>
+              <a:t>アプリ</a:t>
+            </a:r>
+          </a:p>
+        </p:txBody>
+      </p:sp>
+      <p:sp>
+        <p:nvSpPr>
+          <p:cNvPr id="53" name="四角形: 角を丸くする 52">
+            <a:extLst>
+              <a:ext uri="{FF2B5EF4-FFF2-40B4-BE49-F238E27FC236}">
+                <a16:creationId xmlns:a16="http://schemas.microsoft.com/office/drawing/2014/main" id="{8E8C89C1-5D56-E21B-0525-42CAC1D70A95}"/>
+              </a:ext>
+            </a:extLst>
+          </p:cNvPr>
+          <p:cNvSpPr/>
+          <p:nvPr/>
+        </p:nvSpPr>
+        <p:spPr>
+          <a:xfrm>
+            <a:off x="7850335" y="3141309"/>
+            <a:ext cx="903838" cy="261880"/>
+          </a:xfrm>
+          <a:prstGeom prst="roundRect">
+            <a:avLst/>
+          </a:prstGeom>
+          <a:solidFill>
+            <a:schemeClr val="accent4">
+              <a:lumMod val="20000"/>
+              <a:lumOff val="80000"/>
+            </a:schemeClr>
+          </a:solidFill>
+        </p:spPr>
+        <p:style>
+          <a:lnRef idx="2">
+            <a:schemeClr val="accent1">
+              <a:shade val="15000"/>
+            </a:schemeClr>
+          </a:lnRef>
+          <a:fillRef idx="1">
+            <a:schemeClr val="accent1"/>
+          </a:fillRef>
+          <a:effectRef idx="0">
+            <a:schemeClr val="accent1"/>
+          </a:effectRef>
+          <a:fontRef idx="minor">
+            <a:schemeClr val="lt1"/>
+          </a:fontRef>
+        </p:style>
+        <p:txBody>
+          <a:bodyPr rtlCol="0" anchor="ctr"/>
+          <a:lstStyle/>
+          <a:p>
+            <a:pPr algn="ctr"/>
+            <a:r>
+              <a:rPr kumimoji="1" lang="en-US" altLang="ja-JP" sz="1000" dirty="0">
+                <a:solidFill>
+                  <a:schemeClr val="tx2"/>
+                </a:solidFill>
+                <a:latin typeface="Meiryo UI" panose="020B0604030504040204" pitchFamily="50" charset="-128"/>
+                <a:ea typeface="Meiryo UI" panose="020B0604030504040204" pitchFamily="50" charset="-128"/>
+              </a:rPr>
+              <a:t>Web </a:t>
+            </a:r>
+            <a:r>
+              <a:rPr kumimoji="1" lang="ja-JP" altLang="en-US" sz="1000" dirty="0">
+                <a:solidFill>
+                  <a:schemeClr val="tx2"/>
+                </a:solidFill>
+                <a:latin typeface="Meiryo UI" panose="020B0604030504040204" pitchFamily="50" charset="-128"/>
+                <a:ea typeface="Meiryo UI" panose="020B0604030504040204" pitchFamily="50" charset="-128"/>
+              </a:rPr>
+              <a:t>アプリ</a:t>
+            </a:r>
+          </a:p>
+        </p:txBody>
+      </p:sp>
+      <p:sp>
+        <p:nvSpPr>
+          <p:cNvPr id="54" name="四角形: 角を丸くする 53">
+            <a:extLst>
+              <a:ext uri="{FF2B5EF4-FFF2-40B4-BE49-F238E27FC236}">
+                <a16:creationId xmlns:a16="http://schemas.microsoft.com/office/drawing/2014/main" id="{47F3A850-7650-E57C-0680-329BEA8D5B4E}"/>
+              </a:ext>
+            </a:extLst>
+          </p:cNvPr>
+          <p:cNvSpPr/>
+          <p:nvPr/>
+        </p:nvSpPr>
+        <p:spPr>
+          <a:xfrm>
+            <a:off x="7850334" y="3673486"/>
+            <a:ext cx="903838" cy="261880"/>
+          </a:xfrm>
+          <a:prstGeom prst="roundRect">
+            <a:avLst/>
+          </a:prstGeom>
+          <a:solidFill>
+            <a:schemeClr val="accent4">
+              <a:lumMod val="20000"/>
+              <a:lumOff val="80000"/>
+            </a:schemeClr>
+          </a:solidFill>
+        </p:spPr>
+        <p:style>
+          <a:lnRef idx="2">
+            <a:schemeClr val="accent1">
+              <a:shade val="15000"/>
+            </a:schemeClr>
+          </a:lnRef>
+          <a:fillRef idx="1">
+            <a:schemeClr val="accent1"/>
+          </a:fillRef>
+          <a:effectRef idx="0">
+            <a:schemeClr val="accent1"/>
+          </a:effectRef>
+          <a:fontRef idx="minor">
+            <a:schemeClr val="lt1"/>
+          </a:fontRef>
+        </p:style>
+        <p:txBody>
+          <a:bodyPr rtlCol="0" anchor="ctr"/>
+          <a:lstStyle/>
+          <a:p>
+            <a:pPr algn="ctr"/>
+            <a:r>
+              <a:rPr kumimoji="1" lang="en-US" altLang="ja-JP" sz="1000" dirty="0">
+                <a:solidFill>
+                  <a:schemeClr val="tx2"/>
+                </a:solidFill>
+                <a:latin typeface="Meiryo UI" panose="020B0604030504040204" pitchFamily="50" charset="-128"/>
+                <a:ea typeface="Meiryo UI" panose="020B0604030504040204" pitchFamily="50" charset="-128"/>
+              </a:rPr>
+              <a:t>Web </a:t>
+            </a:r>
+            <a:r>
+              <a:rPr kumimoji="1" lang="ja-JP" altLang="en-US" sz="1000" dirty="0">
+                <a:solidFill>
+                  <a:schemeClr val="tx2"/>
+                </a:solidFill>
+                <a:latin typeface="Meiryo UI" panose="020B0604030504040204" pitchFamily="50" charset="-128"/>
+                <a:ea typeface="Meiryo UI" panose="020B0604030504040204" pitchFamily="50" charset="-128"/>
+              </a:rPr>
+              <a:t>アプリ</a:t>
+            </a:r>
+          </a:p>
+        </p:txBody>
+      </p:sp>
+      <p:sp>
+        <p:nvSpPr>
+          <p:cNvPr id="55" name="四角形: 角を丸くする 54">
+            <a:extLst>
+              <a:ext uri="{FF2B5EF4-FFF2-40B4-BE49-F238E27FC236}">
+                <a16:creationId xmlns:a16="http://schemas.microsoft.com/office/drawing/2014/main" id="{A12F3529-CBBA-89C9-706E-3D872D6B07B0}"/>
+              </a:ext>
+            </a:extLst>
+          </p:cNvPr>
+          <p:cNvSpPr/>
+          <p:nvPr/>
+        </p:nvSpPr>
+        <p:spPr>
+          <a:xfrm>
+            <a:off x="7850334" y="4156214"/>
+            <a:ext cx="903838" cy="261880"/>
+          </a:xfrm>
+          <a:prstGeom prst="roundRect">
+            <a:avLst/>
+          </a:prstGeom>
+          <a:solidFill>
+            <a:schemeClr val="accent4">
+              <a:lumMod val="20000"/>
+              <a:lumOff val="80000"/>
+            </a:schemeClr>
+          </a:solidFill>
+        </p:spPr>
+        <p:style>
+          <a:lnRef idx="2">
+            <a:schemeClr val="accent1">
+              <a:shade val="15000"/>
+            </a:schemeClr>
+          </a:lnRef>
+          <a:fillRef idx="1">
+            <a:schemeClr val="accent1"/>
+          </a:fillRef>
+          <a:effectRef idx="0">
+            <a:schemeClr val="accent1"/>
+          </a:effectRef>
+          <a:fontRef idx="minor">
+            <a:schemeClr val="lt1"/>
+          </a:fontRef>
+        </p:style>
+        <p:txBody>
+          <a:bodyPr rtlCol="0" anchor="ctr"/>
+          <a:lstStyle/>
+          <a:p>
+            <a:pPr algn="ctr"/>
+            <a:r>
+              <a:rPr kumimoji="1" lang="en-US" altLang="ja-JP" sz="1000" dirty="0">
+                <a:solidFill>
+                  <a:schemeClr val="tx2"/>
+                </a:solidFill>
+                <a:latin typeface="Meiryo UI" panose="020B0604030504040204" pitchFamily="50" charset="-128"/>
+                <a:ea typeface="Meiryo UI" panose="020B0604030504040204" pitchFamily="50" charset="-128"/>
+              </a:rPr>
+              <a:t>Web </a:t>
+            </a:r>
+            <a:r>
+              <a:rPr kumimoji="1" lang="ja-JP" altLang="en-US" sz="1000" dirty="0">
+                <a:solidFill>
+                  <a:schemeClr val="tx2"/>
+                </a:solidFill>
+                <a:latin typeface="Meiryo UI" panose="020B0604030504040204" pitchFamily="50" charset="-128"/>
+                <a:ea typeface="Meiryo UI" panose="020B0604030504040204" pitchFamily="50" charset="-128"/>
+              </a:rPr>
+              <a:t>アプリ</a:t>
+            </a:r>
+          </a:p>
+        </p:txBody>
+      </p:sp>
+      <p:cxnSp>
+        <p:nvCxnSpPr>
+          <p:cNvPr id="56" name="直線矢印コネクタ 55">
+            <a:extLst>
+              <a:ext uri="{FF2B5EF4-FFF2-40B4-BE49-F238E27FC236}">
+                <a16:creationId xmlns:a16="http://schemas.microsoft.com/office/drawing/2014/main" id="{C6AAA5CB-F686-6DEC-733A-3C287D75B9D2}"/>
+              </a:ext>
+            </a:extLst>
+          </p:cNvPr>
+          <p:cNvCxnSpPr>
+            <a:cxnSpLocks/>
+            <a:stCxn id="48" idx="1"/>
+            <a:endCxn id="39" idx="5"/>
+          </p:cNvCxnSpPr>
+          <p:nvPr/>
+        </p:nvCxnSpPr>
+        <p:spPr>
+          <a:xfrm flipH="1">
+            <a:off x="6053181" y="2808446"/>
+            <a:ext cx="486992" cy="654322"/>
+          </a:xfrm>
+          <a:prstGeom prst="straightConnector1">
+            <a:avLst/>
+          </a:prstGeom>
+          <a:ln>
+            <a:solidFill>
+              <a:schemeClr val="tx1"/>
+            </a:solidFill>
+            <a:tailEnd type="triangle"/>
+          </a:ln>
+        </p:spPr>
+        <p:style>
+          <a:lnRef idx="1">
+            <a:schemeClr val="accent1"/>
+          </a:lnRef>
+          <a:fillRef idx="0">
+            <a:schemeClr val="accent1"/>
+          </a:fillRef>
+          <a:effectRef idx="0">
+            <a:schemeClr val="accent1"/>
+          </a:effectRef>
+          <a:fontRef idx="minor">
+            <a:schemeClr val="tx1"/>
+          </a:fontRef>
+        </p:style>
+      </p:cxnSp>
+      <p:cxnSp>
+        <p:nvCxnSpPr>
+          <p:cNvPr id="60" name="直線矢印コネクタ 59">
+            <a:extLst>
+              <a:ext uri="{FF2B5EF4-FFF2-40B4-BE49-F238E27FC236}">
+                <a16:creationId xmlns:a16="http://schemas.microsoft.com/office/drawing/2014/main" id="{5446687B-3D74-15DD-69B8-E03052A7043C}"/>
+              </a:ext>
+            </a:extLst>
+          </p:cNvPr>
+          <p:cNvCxnSpPr>
+            <a:cxnSpLocks/>
+            <a:stCxn id="49" idx="1"/>
+            <a:endCxn id="39" idx="4"/>
+          </p:cNvCxnSpPr>
+          <p:nvPr/>
+        </p:nvCxnSpPr>
+        <p:spPr>
+          <a:xfrm flipH="1">
+            <a:off x="6075718" y="3272249"/>
+            <a:ext cx="464455" cy="244929"/>
+          </a:xfrm>
+          <a:prstGeom prst="straightConnector1">
+            <a:avLst/>
+          </a:prstGeom>
+          <a:ln>
+            <a:solidFill>
+              <a:schemeClr val="tx1"/>
+            </a:solidFill>
+            <a:tailEnd type="triangle"/>
+          </a:ln>
+        </p:spPr>
+        <p:style>
+          <a:lnRef idx="1">
+            <a:schemeClr val="accent1"/>
+          </a:lnRef>
+          <a:fillRef idx="0">
+            <a:schemeClr val="accent1"/>
+          </a:fillRef>
+          <a:effectRef idx="0">
+            <a:schemeClr val="accent1"/>
+          </a:effectRef>
+          <a:fontRef idx="minor">
+            <a:schemeClr val="tx1"/>
+          </a:fontRef>
+        </p:style>
+      </p:cxnSp>
+      <p:cxnSp>
+        <p:nvCxnSpPr>
+          <p:cNvPr id="63" name="直線矢印コネクタ 62">
+            <a:extLst>
+              <a:ext uri="{FF2B5EF4-FFF2-40B4-BE49-F238E27FC236}">
+                <a16:creationId xmlns:a16="http://schemas.microsoft.com/office/drawing/2014/main" id="{D1150802-3D73-2507-F81B-E98FEBDE723F}"/>
+              </a:ext>
+            </a:extLst>
+          </p:cNvPr>
+          <p:cNvCxnSpPr>
+            <a:cxnSpLocks/>
+            <a:stCxn id="50" idx="1"/>
+            <a:endCxn id="39" idx="4"/>
+          </p:cNvCxnSpPr>
+          <p:nvPr/>
+        </p:nvCxnSpPr>
+        <p:spPr>
+          <a:xfrm flipH="1" flipV="1">
+            <a:off x="6075718" y="3517178"/>
+            <a:ext cx="464455" cy="288112"/>
+          </a:xfrm>
+          <a:prstGeom prst="straightConnector1">
+            <a:avLst/>
+          </a:prstGeom>
+          <a:ln>
+            <a:solidFill>
+              <a:schemeClr val="tx1"/>
+            </a:solidFill>
+            <a:tailEnd type="triangle"/>
+          </a:ln>
+        </p:spPr>
+        <p:style>
+          <a:lnRef idx="1">
+            <a:schemeClr val="accent1"/>
+          </a:lnRef>
+          <a:fillRef idx="0">
+            <a:schemeClr val="accent1"/>
+          </a:fillRef>
+          <a:effectRef idx="0">
+            <a:schemeClr val="accent1"/>
+          </a:effectRef>
+          <a:fontRef idx="minor">
+            <a:schemeClr val="tx1"/>
+          </a:fontRef>
+        </p:style>
+      </p:cxnSp>
+      <p:cxnSp>
+        <p:nvCxnSpPr>
+          <p:cNvPr id="66" name="直線矢印コネクタ 65">
+            <a:extLst>
+              <a:ext uri="{FF2B5EF4-FFF2-40B4-BE49-F238E27FC236}">
+                <a16:creationId xmlns:a16="http://schemas.microsoft.com/office/drawing/2014/main" id="{B4B86B56-7AE1-9535-7102-ED0E505DFEFD}"/>
+              </a:ext>
+            </a:extLst>
+          </p:cNvPr>
+          <p:cNvCxnSpPr>
+            <a:cxnSpLocks/>
+            <a:stCxn id="51" idx="1"/>
+            <a:endCxn id="39" idx="3"/>
+          </p:cNvCxnSpPr>
+          <p:nvPr/>
+        </p:nvCxnSpPr>
+        <p:spPr>
+          <a:xfrm flipH="1" flipV="1">
+            <a:off x="6053181" y="3571589"/>
+            <a:ext cx="486992" cy="715565"/>
+          </a:xfrm>
+          <a:prstGeom prst="straightConnector1">
+            <a:avLst/>
+          </a:prstGeom>
+          <a:ln>
+            <a:solidFill>
+              <a:schemeClr val="tx1"/>
+            </a:solidFill>
+            <a:tailEnd type="triangle"/>
+          </a:ln>
+        </p:spPr>
+        <p:style>
+          <a:lnRef idx="1">
+            <a:schemeClr val="accent1"/>
+          </a:lnRef>
+          <a:fillRef idx="0">
+            <a:schemeClr val="accent1"/>
+          </a:fillRef>
+          <a:effectRef idx="0">
+            <a:schemeClr val="accent1"/>
+          </a:effectRef>
+          <a:fontRef idx="minor">
+            <a:schemeClr val="tx1"/>
+          </a:fontRef>
+        </p:style>
+      </p:cxnSp>
+      <p:cxnSp>
+        <p:nvCxnSpPr>
+          <p:cNvPr id="71" name="直線矢印コネクタ 70">
+            <a:extLst>
+              <a:ext uri="{FF2B5EF4-FFF2-40B4-BE49-F238E27FC236}">
+                <a16:creationId xmlns:a16="http://schemas.microsoft.com/office/drawing/2014/main" id="{E88C925F-ABD0-E97B-75D0-73602794794A}"/>
+              </a:ext>
+            </a:extLst>
+          </p:cNvPr>
+          <p:cNvCxnSpPr>
+            <a:cxnSpLocks/>
+            <a:stCxn id="48" idx="3"/>
+            <a:endCxn id="52" idx="1"/>
+          </p:cNvCxnSpPr>
+          <p:nvPr/>
+        </p:nvCxnSpPr>
+        <p:spPr>
+          <a:xfrm>
+            <a:off x="7566436" y="2808446"/>
+            <a:ext cx="283899" cy="0"/>
+          </a:xfrm>
+          <a:prstGeom prst="straightConnector1">
+            <a:avLst/>
+          </a:prstGeom>
+          <a:ln>
+            <a:solidFill>
+              <a:schemeClr val="tx1"/>
+            </a:solidFill>
+            <a:tailEnd type="triangle"/>
+          </a:ln>
+        </p:spPr>
+        <p:style>
+          <a:lnRef idx="1">
+            <a:schemeClr val="accent1"/>
+          </a:lnRef>
+          <a:fillRef idx="0">
+            <a:schemeClr val="accent1"/>
+          </a:fillRef>
+          <a:effectRef idx="0">
+            <a:schemeClr val="accent1"/>
+          </a:effectRef>
+          <a:fontRef idx="minor">
+            <a:schemeClr val="tx1"/>
+          </a:fontRef>
+        </p:style>
+      </p:cxnSp>
+      <p:cxnSp>
+        <p:nvCxnSpPr>
+          <p:cNvPr id="74" name="直線矢印コネクタ 73">
+            <a:extLst>
+              <a:ext uri="{FF2B5EF4-FFF2-40B4-BE49-F238E27FC236}">
+                <a16:creationId xmlns:a16="http://schemas.microsoft.com/office/drawing/2014/main" id="{2107FA1D-AD28-4CA0-C9A4-69036453CAB5}"/>
+              </a:ext>
+            </a:extLst>
+          </p:cNvPr>
+          <p:cNvCxnSpPr>
+            <a:cxnSpLocks/>
+            <a:stCxn id="49" idx="3"/>
+            <a:endCxn id="53" idx="1"/>
+          </p:cNvCxnSpPr>
+          <p:nvPr/>
+        </p:nvCxnSpPr>
+        <p:spPr>
+          <a:xfrm>
+            <a:off x="7566436" y="3272249"/>
+            <a:ext cx="283899" cy="0"/>
+          </a:xfrm>
+          <a:prstGeom prst="straightConnector1">
+            <a:avLst/>
+          </a:prstGeom>
+          <a:ln>
+            <a:solidFill>
+              <a:schemeClr val="tx1"/>
+            </a:solidFill>
+            <a:tailEnd type="triangle"/>
+          </a:ln>
+        </p:spPr>
+        <p:style>
+          <a:lnRef idx="1">
+            <a:schemeClr val="accent1"/>
+          </a:lnRef>
+          <a:fillRef idx="0">
+            <a:schemeClr val="accent1"/>
+          </a:fillRef>
+          <a:effectRef idx="0">
+            <a:schemeClr val="accent1"/>
+          </a:effectRef>
+          <a:fontRef idx="minor">
+            <a:schemeClr val="tx1"/>
+          </a:fontRef>
+        </p:style>
+      </p:cxnSp>
+      <p:cxnSp>
+        <p:nvCxnSpPr>
+          <p:cNvPr id="77" name="直線矢印コネクタ 76">
+            <a:extLst>
+              <a:ext uri="{FF2B5EF4-FFF2-40B4-BE49-F238E27FC236}">
+                <a16:creationId xmlns:a16="http://schemas.microsoft.com/office/drawing/2014/main" id="{9D079CEE-249E-7D21-3CD6-DC3146BE4EDC}"/>
+              </a:ext>
+            </a:extLst>
+          </p:cNvPr>
+          <p:cNvCxnSpPr>
+            <a:cxnSpLocks/>
+            <a:stCxn id="50" idx="3"/>
+            <a:endCxn id="54" idx="1"/>
+          </p:cNvCxnSpPr>
+          <p:nvPr/>
+        </p:nvCxnSpPr>
+        <p:spPr>
+          <a:xfrm flipV="1">
+            <a:off x="7566436" y="3804426"/>
+            <a:ext cx="283898" cy="864"/>
+          </a:xfrm>
+          <a:prstGeom prst="straightConnector1">
+            <a:avLst/>
+          </a:prstGeom>
+          <a:ln>
+            <a:solidFill>
+              <a:schemeClr val="tx1"/>
+            </a:solidFill>
+            <a:tailEnd type="triangle"/>
+          </a:ln>
+        </p:spPr>
+        <p:style>
+          <a:lnRef idx="1">
+            <a:schemeClr val="accent1"/>
+          </a:lnRef>
+          <a:fillRef idx="0">
+            <a:schemeClr val="accent1"/>
+          </a:fillRef>
+          <a:effectRef idx="0">
+            <a:schemeClr val="accent1"/>
+          </a:effectRef>
+          <a:fontRef idx="minor">
+            <a:schemeClr val="tx1"/>
+          </a:fontRef>
+        </p:style>
+      </p:cxnSp>
+      <p:cxnSp>
+        <p:nvCxnSpPr>
+          <p:cNvPr id="80" name="直線矢印コネクタ 79">
+            <a:extLst>
+              <a:ext uri="{FF2B5EF4-FFF2-40B4-BE49-F238E27FC236}">
+                <a16:creationId xmlns:a16="http://schemas.microsoft.com/office/drawing/2014/main" id="{0871254B-4D00-28FE-F4DF-9325BD6B2BEC}"/>
+              </a:ext>
+            </a:extLst>
+          </p:cNvPr>
+          <p:cNvCxnSpPr>
+            <a:cxnSpLocks/>
+            <a:stCxn id="51" idx="3"/>
+            <a:endCxn id="55" idx="1"/>
+          </p:cNvCxnSpPr>
+          <p:nvPr/>
+        </p:nvCxnSpPr>
+        <p:spPr>
+          <a:xfrm>
+            <a:off x="7566436" y="4287154"/>
+            <a:ext cx="283898" cy="0"/>
+          </a:xfrm>
+          <a:prstGeom prst="straightConnector1">
+            <a:avLst/>
+          </a:prstGeom>
+          <a:ln>
+            <a:solidFill>
+              <a:schemeClr val="tx1"/>
+            </a:solidFill>
+            <a:tailEnd type="triangle"/>
+          </a:ln>
+        </p:spPr>
+        <p:style>
+          <a:lnRef idx="1">
+            <a:schemeClr val="accent1"/>
+          </a:lnRef>
+          <a:fillRef idx="0">
+            <a:schemeClr val="accent1"/>
+          </a:fillRef>
+          <a:effectRef idx="0">
+            <a:schemeClr val="accent1"/>
+          </a:effectRef>
+          <a:fontRef idx="minor">
+            <a:schemeClr val="tx1"/>
+          </a:fontRef>
+        </p:style>
+      </p:cxnSp>
+      <p:grpSp>
+        <p:nvGrpSpPr>
+          <p:cNvPr id="83" name="グループ化 82">
+            <a:extLst>
+              <a:ext uri="{FF2B5EF4-FFF2-40B4-BE49-F238E27FC236}">
+                <a16:creationId xmlns:a16="http://schemas.microsoft.com/office/drawing/2014/main" id="{E18F388D-96E5-DB2F-EE6B-292406E9C402}"/>
+              </a:ext>
+            </a:extLst>
+          </p:cNvPr>
+          <p:cNvGrpSpPr/>
+          <p:nvPr/>
+        </p:nvGrpSpPr>
+        <p:grpSpPr>
+          <a:xfrm>
+            <a:off x="6460739" y="2604596"/>
+            <a:ext cx="158867" cy="190058"/>
+            <a:chOff x="5017708" y="4619134"/>
+            <a:chExt cx="1222931" cy="1463040"/>
+          </a:xfrm>
+          <a:solidFill>
+            <a:schemeClr val="accent3">
+              <a:lumMod val="40000"/>
+              <a:lumOff val="60000"/>
+            </a:schemeClr>
+          </a:solidFill>
+        </p:grpSpPr>
+        <p:sp>
+          <p:nvSpPr>
+            <p:cNvPr id="84" name="矢印: 下カーブ 83">
+              <a:extLst>
+                <a:ext uri="{FF2B5EF4-FFF2-40B4-BE49-F238E27FC236}">
+                  <a16:creationId xmlns:a16="http://schemas.microsoft.com/office/drawing/2014/main" id="{EDC722F7-1575-7D9B-97AE-3599956A3C00}"/>
+                </a:ext>
+              </a:extLst>
+            </p:cNvPr>
+            <p:cNvSpPr/>
+            <p:nvPr/>
+          </p:nvSpPr>
+          <p:spPr>
+            <a:xfrm>
+              <a:off x="5024487" y="4619134"/>
+              <a:ext cx="1216152" cy="731520"/>
+            </a:xfrm>
+            <a:prstGeom prst="curvedDownArrow">
+              <a:avLst/>
+            </a:prstGeom>
+            <a:grpFill/>
+          </p:spPr>
+          <p:style>
+            <a:lnRef idx="2">
+              <a:schemeClr val="accent1">
+                <a:shade val="15000"/>
+              </a:schemeClr>
+            </a:lnRef>
+            <a:fillRef idx="1">
+              <a:schemeClr val="accent1"/>
+            </a:fillRef>
+            <a:effectRef idx="0">
+              <a:schemeClr val="accent1"/>
+            </a:effectRef>
+            <a:fontRef idx="minor">
+              <a:schemeClr val="lt1"/>
+            </a:fontRef>
+          </p:style>
+          <p:txBody>
+            <a:bodyPr rtlCol="0" anchor="ctr"/>
+            <a:lstStyle/>
+            <a:p>
+              <a:pPr algn="ctr"/>
+              <a:endParaRPr kumimoji="1" lang="ja-JP" altLang="en-US">
+                <a:solidFill>
+                  <a:schemeClr val="tx1"/>
+                </a:solidFill>
+              </a:endParaRPr>
+            </a:p>
+          </p:txBody>
+        </p:sp>
+        <p:sp>
+          <p:nvSpPr>
+            <p:cNvPr id="85" name="矢印: 下カーブ 84">
+              <a:extLst>
+                <a:ext uri="{FF2B5EF4-FFF2-40B4-BE49-F238E27FC236}">
+                  <a16:creationId xmlns:a16="http://schemas.microsoft.com/office/drawing/2014/main" id="{C5B2B1AF-1318-5973-DD21-C2483219C206}"/>
+                </a:ext>
+              </a:extLst>
+            </p:cNvPr>
+            <p:cNvSpPr/>
+            <p:nvPr/>
+          </p:nvSpPr>
+          <p:spPr>
+            <a:xfrm rot="10800000">
+              <a:off x="5017708" y="5350654"/>
+              <a:ext cx="1216152" cy="731520"/>
+            </a:xfrm>
+            <a:prstGeom prst="curvedDownArrow">
+              <a:avLst/>
+            </a:prstGeom>
+            <a:grpFill/>
+          </p:spPr>
+          <p:style>
+            <a:lnRef idx="2">
+              <a:schemeClr val="accent1">
+                <a:shade val="15000"/>
+              </a:schemeClr>
+            </a:lnRef>
+            <a:fillRef idx="1">
+              <a:schemeClr val="accent1"/>
+            </a:fillRef>
+            <a:effectRef idx="0">
+              <a:schemeClr val="accent1"/>
+            </a:effectRef>
+            <a:fontRef idx="minor">
+              <a:schemeClr val="lt1"/>
+            </a:fontRef>
+          </p:style>
+          <p:txBody>
+            <a:bodyPr rtlCol="0" anchor="ctr"/>
+            <a:lstStyle/>
+            <a:p>
+              <a:pPr algn="ctr"/>
+              <a:endParaRPr kumimoji="1" lang="ja-JP" altLang="en-US">
+                <a:solidFill>
+                  <a:schemeClr val="tx1"/>
+                </a:solidFill>
+              </a:endParaRPr>
+            </a:p>
+          </p:txBody>
+        </p:sp>
+      </p:grpSp>
+      <p:grpSp>
+        <p:nvGrpSpPr>
+          <p:cNvPr id="86" name="グループ化 85">
+            <a:extLst>
+              <a:ext uri="{FF2B5EF4-FFF2-40B4-BE49-F238E27FC236}">
+                <a16:creationId xmlns:a16="http://schemas.microsoft.com/office/drawing/2014/main" id="{94841237-EF99-597B-3EAB-522795A8D488}"/>
+              </a:ext>
+            </a:extLst>
+          </p:cNvPr>
+          <p:cNvGrpSpPr/>
+          <p:nvPr/>
+        </p:nvGrpSpPr>
+        <p:grpSpPr>
+          <a:xfrm>
+            <a:off x="6468322" y="3061265"/>
+            <a:ext cx="158867" cy="190058"/>
+            <a:chOff x="5017708" y="4619134"/>
+            <a:chExt cx="1222931" cy="1463040"/>
+          </a:xfrm>
+          <a:solidFill>
+            <a:schemeClr val="accent3">
+              <a:lumMod val="40000"/>
+              <a:lumOff val="60000"/>
+            </a:schemeClr>
+          </a:solidFill>
+        </p:grpSpPr>
+        <p:sp>
+          <p:nvSpPr>
+            <p:cNvPr id="87" name="矢印: 下カーブ 86">
+              <a:extLst>
+                <a:ext uri="{FF2B5EF4-FFF2-40B4-BE49-F238E27FC236}">
+                  <a16:creationId xmlns:a16="http://schemas.microsoft.com/office/drawing/2014/main" id="{57E3C00F-A6BC-C530-B4A8-F7879BA5E79D}"/>
+                </a:ext>
+              </a:extLst>
+            </p:cNvPr>
+            <p:cNvSpPr/>
+            <p:nvPr/>
+          </p:nvSpPr>
+          <p:spPr>
+            <a:xfrm>
+              <a:off x="5024487" y="4619134"/>
+              <a:ext cx="1216152" cy="731520"/>
+            </a:xfrm>
+            <a:prstGeom prst="curvedDownArrow">
+              <a:avLst/>
+            </a:prstGeom>
+            <a:grpFill/>
+          </p:spPr>
+          <p:style>
+            <a:lnRef idx="2">
+              <a:schemeClr val="accent1">
+                <a:shade val="15000"/>
+              </a:schemeClr>
+            </a:lnRef>
+            <a:fillRef idx="1">
+              <a:schemeClr val="accent1"/>
+            </a:fillRef>
+            <a:effectRef idx="0">
+              <a:schemeClr val="accent1"/>
+            </a:effectRef>
+            <a:fontRef idx="minor">
+              <a:schemeClr val="lt1"/>
+            </a:fontRef>
+          </p:style>
+          <p:txBody>
+            <a:bodyPr rtlCol="0" anchor="ctr"/>
+            <a:lstStyle/>
+            <a:p>
+              <a:pPr algn="ctr"/>
+              <a:endParaRPr kumimoji="1" lang="ja-JP" altLang="en-US">
+                <a:solidFill>
+                  <a:schemeClr val="tx1"/>
+                </a:solidFill>
+              </a:endParaRPr>
+            </a:p>
+          </p:txBody>
+        </p:sp>
+        <p:sp>
+          <p:nvSpPr>
+            <p:cNvPr id="88" name="矢印: 下カーブ 87">
+              <a:extLst>
+                <a:ext uri="{FF2B5EF4-FFF2-40B4-BE49-F238E27FC236}">
+                  <a16:creationId xmlns:a16="http://schemas.microsoft.com/office/drawing/2014/main" id="{8E4F9DAF-C195-4292-A3D2-0813E34A6C02}"/>
+                </a:ext>
+              </a:extLst>
+            </p:cNvPr>
+            <p:cNvSpPr/>
+            <p:nvPr/>
+          </p:nvSpPr>
+          <p:spPr>
+            <a:xfrm rot="10800000">
+              <a:off x="5017708" y="5350654"/>
+              <a:ext cx="1216152" cy="731520"/>
+            </a:xfrm>
+            <a:prstGeom prst="curvedDownArrow">
+              <a:avLst/>
+            </a:prstGeom>
+            <a:grpFill/>
+          </p:spPr>
+          <p:style>
+            <a:lnRef idx="2">
+              <a:schemeClr val="accent1">
+                <a:shade val="15000"/>
+              </a:schemeClr>
+            </a:lnRef>
+            <a:fillRef idx="1">
+              <a:schemeClr val="accent1"/>
+            </a:fillRef>
+            <a:effectRef idx="0">
+              <a:schemeClr val="accent1"/>
+            </a:effectRef>
+            <a:fontRef idx="minor">
+              <a:schemeClr val="lt1"/>
+            </a:fontRef>
+          </p:style>
+          <p:txBody>
+            <a:bodyPr rtlCol="0" anchor="ctr"/>
+            <a:lstStyle/>
+            <a:p>
+              <a:pPr algn="ctr"/>
+              <a:endParaRPr kumimoji="1" lang="ja-JP" altLang="en-US">
+                <a:solidFill>
+                  <a:schemeClr val="tx1"/>
+                </a:solidFill>
+              </a:endParaRPr>
+            </a:p>
+          </p:txBody>
+        </p:sp>
+      </p:grpSp>
+      <p:grpSp>
+        <p:nvGrpSpPr>
+          <p:cNvPr id="89" name="グループ化 88">
+            <a:extLst>
+              <a:ext uri="{FF2B5EF4-FFF2-40B4-BE49-F238E27FC236}">
+                <a16:creationId xmlns:a16="http://schemas.microsoft.com/office/drawing/2014/main" id="{A0C338D4-BD3E-6731-4654-4E4CE11CFD39}"/>
+              </a:ext>
+            </a:extLst>
+          </p:cNvPr>
+          <p:cNvGrpSpPr/>
+          <p:nvPr/>
+        </p:nvGrpSpPr>
+        <p:grpSpPr>
+          <a:xfrm>
+            <a:off x="6472353" y="3594588"/>
+            <a:ext cx="158867" cy="190058"/>
+            <a:chOff x="5017708" y="4619134"/>
+            <a:chExt cx="1222931" cy="1463040"/>
+          </a:xfrm>
+          <a:solidFill>
+            <a:schemeClr val="accent3">
+              <a:lumMod val="40000"/>
+              <a:lumOff val="60000"/>
+            </a:schemeClr>
+          </a:solidFill>
+        </p:grpSpPr>
+        <p:sp>
+          <p:nvSpPr>
+            <p:cNvPr id="90" name="矢印: 下カーブ 89">
+              <a:extLst>
+                <a:ext uri="{FF2B5EF4-FFF2-40B4-BE49-F238E27FC236}">
+                  <a16:creationId xmlns:a16="http://schemas.microsoft.com/office/drawing/2014/main" id="{14B067D0-C100-023F-4762-574288CD47D2}"/>
+                </a:ext>
+              </a:extLst>
+            </p:cNvPr>
+            <p:cNvSpPr/>
+            <p:nvPr/>
+          </p:nvSpPr>
+          <p:spPr>
+            <a:xfrm>
+              <a:off x="5024487" y="4619134"/>
+              <a:ext cx="1216152" cy="731520"/>
+            </a:xfrm>
+            <a:prstGeom prst="curvedDownArrow">
+              <a:avLst/>
+            </a:prstGeom>
+            <a:grpFill/>
+          </p:spPr>
+          <p:style>
+            <a:lnRef idx="2">
+              <a:schemeClr val="accent1">
+                <a:shade val="15000"/>
+              </a:schemeClr>
+            </a:lnRef>
+            <a:fillRef idx="1">
+              <a:schemeClr val="accent1"/>
+            </a:fillRef>
+            <a:effectRef idx="0">
+              <a:schemeClr val="accent1"/>
+            </a:effectRef>
+            <a:fontRef idx="minor">
+              <a:schemeClr val="lt1"/>
+            </a:fontRef>
+          </p:style>
+          <p:txBody>
+            <a:bodyPr rtlCol="0" anchor="ctr"/>
+            <a:lstStyle/>
+            <a:p>
+              <a:pPr algn="ctr"/>
+              <a:endParaRPr kumimoji="1" lang="ja-JP" altLang="en-US">
+                <a:solidFill>
+                  <a:schemeClr val="tx1"/>
+                </a:solidFill>
+              </a:endParaRPr>
+            </a:p>
+          </p:txBody>
+        </p:sp>
+        <p:sp>
+          <p:nvSpPr>
+            <p:cNvPr id="91" name="矢印: 下カーブ 90">
+              <a:extLst>
+                <a:ext uri="{FF2B5EF4-FFF2-40B4-BE49-F238E27FC236}">
+                  <a16:creationId xmlns:a16="http://schemas.microsoft.com/office/drawing/2014/main" id="{E47BE95A-E715-1FBC-C49D-7EBB6A6E2058}"/>
+                </a:ext>
+              </a:extLst>
+            </p:cNvPr>
+            <p:cNvSpPr/>
+            <p:nvPr/>
+          </p:nvSpPr>
+          <p:spPr>
+            <a:xfrm rot="10800000">
+              <a:off x="5017708" y="5350654"/>
+              <a:ext cx="1216152" cy="731520"/>
+            </a:xfrm>
+            <a:prstGeom prst="curvedDownArrow">
+              <a:avLst/>
+            </a:prstGeom>
+            <a:grpFill/>
+          </p:spPr>
+          <p:style>
+            <a:lnRef idx="2">
+              <a:schemeClr val="accent1">
+                <a:shade val="15000"/>
+              </a:schemeClr>
+            </a:lnRef>
+            <a:fillRef idx="1">
+              <a:schemeClr val="accent1"/>
+            </a:fillRef>
+            <a:effectRef idx="0">
+              <a:schemeClr val="accent1"/>
+            </a:effectRef>
+            <a:fontRef idx="minor">
+              <a:schemeClr val="lt1"/>
+            </a:fontRef>
+          </p:style>
+          <p:txBody>
+            <a:bodyPr rtlCol="0" anchor="ctr"/>
+            <a:lstStyle/>
+            <a:p>
+              <a:pPr algn="ctr"/>
+              <a:endParaRPr kumimoji="1" lang="ja-JP" altLang="en-US">
+                <a:solidFill>
+                  <a:schemeClr val="tx1"/>
+                </a:solidFill>
+              </a:endParaRPr>
+            </a:p>
+          </p:txBody>
+        </p:sp>
+      </p:grpSp>
+      <p:grpSp>
+        <p:nvGrpSpPr>
+          <p:cNvPr id="92" name="グループ化 91">
+            <a:extLst>
+              <a:ext uri="{FF2B5EF4-FFF2-40B4-BE49-F238E27FC236}">
+                <a16:creationId xmlns:a16="http://schemas.microsoft.com/office/drawing/2014/main" id="{FDF83E65-2F02-A0BF-13A0-10E24E6F4F68}"/>
+              </a:ext>
+            </a:extLst>
+          </p:cNvPr>
+          <p:cNvGrpSpPr/>
+          <p:nvPr/>
+        </p:nvGrpSpPr>
+        <p:grpSpPr>
+          <a:xfrm>
+            <a:off x="6467441" y="4050297"/>
+            <a:ext cx="158867" cy="190058"/>
+            <a:chOff x="5017708" y="4619134"/>
+            <a:chExt cx="1222931" cy="1463040"/>
+          </a:xfrm>
+          <a:solidFill>
+            <a:schemeClr val="accent3">
+              <a:lumMod val="40000"/>
+              <a:lumOff val="60000"/>
+            </a:schemeClr>
+          </a:solidFill>
+        </p:grpSpPr>
+        <p:sp>
+          <p:nvSpPr>
+            <p:cNvPr id="93" name="矢印: 下カーブ 92">
+              <a:extLst>
+                <a:ext uri="{FF2B5EF4-FFF2-40B4-BE49-F238E27FC236}">
+                  <a16:creationId xmlns:a16="http://schemas.microsoft.com/office/drawing/2014/main" id="{34CFA68C-8477-3AAC-3020-92BF923D7F17}"/>
+                </a:ext>
+              </a:extLst>
+            </p:cNvPr>
+            <p:cNvSpPr/>
+            <p:nvPr/>
+          </p:nvSpPr>
+          <p:spPr>
+            <a:xfrm>
+              <a:off x="5024487" y="4619134"/>
+              <a:ext cx="1216152" cy="731520"/>
+            </a:xfrm>
+            <a:prstGeom prst="curvedDownArrow">
+              <a:avLst/>
+            </a:prstGeom>
+            <a:grpFill/>
+          </p:spPr>
+          <p:style>
+            <a:lnRef idx="2">
+              <a:schemeClr val="accent1">
+                <a:shade val="15000"/>
+              </a:schemeClr>
+            </a:lnRef>
+            <a:fillRef idx="1">
+              <a:schemeClr val="accent1"/>
+            </a:fillRef>
+            <a:effectRef idx="0">
+              <a:schemeClr val="accent1"/>
+            </a:effectRef>
+            <a:fontRef idx="minor">
+              <a:schemeClr val="lt1"/>
+            </a:fontRef>
+          </p:style>
+          <p:txBody>
+            <a:bodyPr rtlCol="0" anchor="ctr"/>
+            <a:lstStyle/>
+            <a:p>
+              <a:pPr algn="ctr"/>
+              <a:endParaRPr kumimoji="1" lang="ja-JP" altLang="en-US">
+                <a:solidFill>
+                  <a:schemeClr val="tx1"/>
+                </a:solidFill>
+              </a:endParaRPr>
+            </a:p>
+          </p:txBody>
+        </p:sp>
+        <p:sp>
+          <p:nvSpPr>
+            <p:cNvPr id="94" name="矢印: 下カーブ 93">
+              <a:extLst>
+                <a:ext uri="{FF2B5EF4-FFF2-40B4-BE49-F238E27FC236}">
+                  <a16:creationId xmlns:a16="http://schemas.microsoft.com/office/drawing/2014/main" id="{8E88ABA5-9B70-2B10-9983-69D77D93BA43}"/>
+                </a:ext>
+              </a:extLst>
+            </p:cNvPr>
+            <p:cNvSpPr/>
+            <p:nvPr/>
+          </p:nvSpPr>
+          <p:spPr>
+            <a:xfrm rot="10800000">
+              <a:off x="5017708" y="5350654"/>
+              <a:ext cx="1216152" cy="731520"/>
+            </a:xfrm>
+            <a:prstGeom prst="curvedDownArrow">
+              <a:avLst/>
+            </a:prstGeom>
+            <a:grpFill/>
+          </p:spPr>
+          <p:style>
+            <a:lnRef idx="2">
+              <a:schemeClr val="accent1">
+                <a:shade val="15000"/>
+              </a:schemeClr>
+            </a:lnRef>
+            <a:fillRef idx="1">
+              <a:schemeClr val="accent1"/>
+            </a:fillRef>
+            <a:effectRef idx="0">
+              <a:schemeClr val="accent1"/>
+            </a:effectRef>
+            <a:fontRef idx="minor">
+              <a:schemeClr val="lt1"/>
+            </a:fontRef>
+          </p:style>
+          <p:txBody>
+            <a:bodyPr rtlCol="0" anchor="ctr"/>
+            <a:lstStyle/>
+            <a:p>
+              <a:pPr algn="ctr"/>
+              <a:endParaRPr kumimoji="1" lang="ja-JP" altLang="en-US">
+                <a:solidFill>
+                  <a:schemeClr val="tx1"/>
+                </a:solidFill>
+              </a:endParaRPr>
+            </a:p>
+          </p:txBody>
+        </p:sp>
+      </p:grpSp>
+      <p:sp>
+        <p:nvSpPr>
+          <p:cNvPr id="98" name="テキスト ボックス 97">
+            <a:extLst>
+              <a:ext uri="{FF2B5EF4-FFF2-40B4-BE49-F238E27FC236}">
+                <a16:creationId xmlns:a16="http://schemas.microsoft.com/office/drawing/2014/main" id="{65BE5FDE-7504-9948-1D41-C5A7251B387F}"/>
+              </a:ext>
+            </a:extLst>
+          </p:cNvPr>
+          <p:cNvSpPr txBox="1"/>
+          <p:nvPr/>
+        </p:nvSpPr>
+        <p:spPr>
+          <a:xfrm>
+            <a:off x="5253240" y="3662792"/>
+            <a:ext cx="1055097" cy="246221"/>
+          </a:xfrm>
+          <a:prstGeom prst="rect">
+            <a:avLst/>
+          </a:prstGeom>
+          <a:noFill/>
+        </p:spPr>
+        <p:txBody>
+          <a:bodyPr wrap="none" rtlCol="0">
+            <a:spAutoFit/>
+          </a:bodyPr>
+          <a:lstStyle/>
+          <a:p>
+            <a:r>
+              <a:rPr kumimoji="1" lang="ja-JP" altLang="en-US" sz="1000" dirty="0">
+                <a:latin typeface="Meiryo UI" panose="020B0604030504040204" pitchFamily="50" charset="-128"/>
+                <a:ea typeface="Meiryo UI" panose="020B0604030504040204" pitchFamily="50" charset="-128"/>
+              </a:rPr>
+              <a:t>②リクエストキュー</a:t>
+            </a:r>
+          </a:p>
+        </p:txBody>
+      </p:sp>
+      <p:sp>
+        <p:nvSpPr>
+          <p:cNvPr id="112" name="テキスト ボックス 111">
+            <a:extLst>
+              <a:ext uri="{FF2B5EF4-FFF2-40B4-BE49-F238E27FC236}">
+                <a16:creationId xmlns:a16="http://schemas.microsoft.com/office/drawing/2014/main" id="{598486FF-B26E-27BA-CF24-2282D10B5E0A}"/>
+              </a:ext>
+            </a:extLst>
+          </p:cNvPr>
+          <p:cNvSpPr txBox="1"/>
+          <p:nvPr/>
+        </p:nvSpPr>
+        <p:spPr>
+          <a:xfrm>
+            <a:off x="3837424" y="2437402"/>
+            <a:ext cx="2379819" cy="276999"/>
+          </a:xfrm>
+          <a:prstGeom prst="rect">
+            <a:avLst/>
+          </a:prstGeom>
+          <a:noFill/>
+        </p:spPr>
+        <p:txBody>
+          <a:bodyPr wrap="none" rtlCol="0">
+            <a:spAutoFit/>
+          </a:bodyPr>
+          <a:lstStyle/>
+          <a:p>
+            <a:r>
+              <a:rPr kumimoji="1" lang="en-US" altLang="ja-JP" sz="1200" dirty="0">
+                <a:latin typeface="Meiryo UI" panose="020B0604030504040204" pitchFamily="50" charset="-128"/>
+                <a:ea typeface="Meiryo UI" panose="020B0604030504040204" pitchFamily="50" charset="-128"/>
+              </a:rPr>
+              <a:t>Web </a:t>
+            </a:r>
+            <a:r>
+              <a:rPr kumimoji="1" lang="ja-JP" altLang="en-US" sz="1200" dirty="0">
+                <a:latin typeface="Meiryo UI" panose="020B0604030504040204" pitchFamily="50" charset="-128"/>
+                <a:ea typeface="Meiryo UI" panose="020B0604030504040204" pitchFamily="50" charset="-128"/>
+              </a:rPr>
+              <a:t>サーバー </a:t>
+            </a:r>
+            <a:r>
+              <a:rPr kumimoji="1" lang="en-US" altLang="ja-JP" sz="1200" dirty="0">
+                <a:latin typeface="Meiryo UI" panose="020B0604030504040204" pitchFamily="50" charset="-128"/>
+                <a:ea typeface="Meiryo UI" panose="020B0604030504040204" pitchFamily="50" charset="-128"/>
+              </a:rPr>
+              <a:t>(</a:t>
+            </a:r>
+            <a:r>
+              <a:rPr kumimoji="1" lang="ja-JP" altLang="en-US" sz="1200" dirty="0">
+                <a:latin typeface="Meiryo UI" panose="020B0604030504040204" pitchFamily="50" charset="-128"/>
+                <a:ea typeface="Meiryo UI" panose="020B0604030504040204" pitchFamily="50" charset="-128"/>
+              </a:rPr>
+              <a:t>サービス・デーモン）</a:t>
+            </a:r>
           </a:p>
         </p:txBody>
       </p:sp>
     </p:spTree>
     <p:extLst>
       <p:ext uri="{BB962C8B-B14F-4D97-AF65-F5344CB8AC3E}">
-        <p14:creationId xmlns:p14="http://schemas.microsoft.com/office/powerpoint/2010/main" val="3607316952"/>
+        <p14:creationId xmlns:p14="http://schemas.microsoft.com/office/powerpoint/2010/main" val="1116164740"/>
       </p:ext>
     </p:extLst>
   </p:cSld>
@@ -34220,7 +34494,7 @@
           <p:cNvPr id="2" name="タイトル 1">
             <a:extLst>
               <a:ext uri="{FF2B5EF4-FFF2-40B4-BE49-F238E27FC236}">
-                <a16:creationId xmlns:a16="http://schemas.microsoft.com/office/drawing/2014/main" id="{BF1DA887-B92A-101D-D08A-A4B11290C78D}"/>
+                <a16:creationId xmlns:a16="http://schemas.microsoft.com/office/drawing/2014/main" id="{5C500768-26C0-E8E3-114E-C08BC0F3E912}"/>
               </a:ext>
             </a:extLst>
           </p:cNvPr>
@@ -34236,6 +34510,119 @@
           <a:bodyPr/>
           <a:lstStyle/>
           <a:p>
+            <a:r>
+              <a:rPr lang="en-US" altLang="ja-JP" dirty="0"/>
+              <a:t>Attic</a:t>
+            </a:r>
+            <a:endParaRPr kumimoji="1" lang="ja-JP" altLang="en-US" dirty="0"/>
+          </a:p>
+        </p:txBody>
+      </p:sp>
+      <p:sp>
+        <p:nvSpPr>
+          <p:cNvPr id="3" name="テキスト プレースホルダー 2">
+            <a:extLst>
+              <a:ext uri="{FF2B5EF4-FFF2-40B4-BE49-F238E27FC236}">
+                <a16:creationId xmlns:a16="http://schemas.microsoft.com/office/drawing/2014/main" id="{09D1B045-AA38-2BC7-F3E8-CF6703D6770B}"/>
+              </a:ext>
+            </a:extLst>
+          </p:cNvPr>
+          <p:cNvSpPr>
+            <a:spLocks noGrp="1"/>
+          </p:cNvSpPr>
+          <p:nvPr>
+            <p:ph type="body" idx="1"/>
+          </p:nvPr>
+        </p:nvSpPr>
+        <p:spPr/>
+        <p:txBody>
+          <a:bodyPr/>
+          <a:lstStyle/>
+          <a:p>
+            <a:endParaRPr kumimoji="1" lang="ja-JP" altLang="en-US"/>
+          </a:p>
+        </p:txBody>
+      </p:sp>
+      <p:sp>
+        <p:nvSpPr>
+          <p:cNvPr id="4" name="スライド番号プレースホルダー 3">
+            <a:extLst>
+              <a:ext uri="{FF2B5EF4-FFF2-40B4-BE49-F238E27FC236}">
+                <a16:creationId xmlns:a16="http://schemas.microsoft.com/office/drawing/2014/main" id="{5E767109-1927-EA2E-EED9-B3BE79B8B186}"/>
+              </a:ext>
+            </a:extLst>
+          </p:cNvPr>
+          <p:cNvSpPr>
+            <a:spLocks noGrp="1"/>
+          </p:cNvSpPr>
+          <p:nvPr>
+            <p:ph type="sldNum" sz="quarter" idx="12"/>
+          </p:nvPr>
+        </p:nvSpPr>
+        <p:spPr/>
+        <p:txBody>
+          <a:bodyPr/>
+          <a:lstStyle/>
+          <a:p>
+            <a:fld id="{6C25B416-2A59-467F-9B4B-B66C83B82743}" type="slidenum">
+              <a:rPr kumimoji="1" lang="ja-JP" altLang="en-US" smtClean="0"/>
+              <a:t>31</a:t>
+            </a:fld>
+            <a:endParaRPr kumimoji="1" lang="ja-JP" altLang="en-US"/>
+          </a:p>
+        </p:txBody>
+      </p:sp>
+    </p:spTree>
+    <p:extLst>
+      <p:ext uri="{BB962C8B-B14F-4D97-AF65-F5344CB8AC3E}">
+        <p14:creationId xmlns:p14="http://schemas.microsoft.com/office/powerpoint/2010/main" val="3607316952"/>
+      </p:ext>
+    </p:extLst>
+  </p:cSld>
+  <p:clrMapOvr>
+    <a:masterClrMapping/>
+  </p:clrMapOvr>
+</p:sld>
+</file>
+
+<file path=ppt/slides/slide32.xml><?xml version="1.0" encoding="utf-8"?>
+<p:sld xmlns:a="http://schemas.openxmlformats.org/drawingml/2006/main" xmlns:r="http://schemas.openxmlformats.org/officeDocument/2006/relationships" xmlns:p="http://schemas.openxmlformats.org/presentationml/2006/main">
+  <p:cSld>
+    <p:spTree>
+      <p:nvGrpSpPr>
+        <p:cNvPr id="1" name=""/>
+        <p:cNvGrpSpPr/>
+        <p:nvPr/>
+      </p:nvGrpSpPr>
+      <p:grpSpPr>
+        <a:xfrm>
+          <a:off x="0" y="0"/>
+          <a:ext cx="0" cy="0"/>
+          <a:chOff x="0" y="0"/>
+          <a:chExt cx="0" cy="0"/>
+        </a:xfrm>
+      </p:grpSpPr>
+      <p:sp>
+        <p:nvSpPr>
+          <p:cNvPr id="2" name="タイトル 1">
+            <a:extLst>
+              <a:ext uri="{FF2B5EF4-FFF2-40B4-BE49-F238E27FC236}">
+                <a16:creationId xmlns:a16="http://schemas.microsoft.com/office/drawing/2014/main" id="{BF1DA887-B92A-101D-D08A-A4B11290C78D}"/>
+              </a:ext>
+            </a:extLst>
+          </p:cNvPr>
+          <p:cNvSpPr>
+            <a:spLocks noGrp="1"/>
+          </p:cNvSpPr>
+          <p:nvPr>
+            <p:ph type="title"/>
+          </p:nvPr>
+        </p:nvSpPr>
+        <p:spPr/>
+        <p:txBody>
+          <a:bodyPr/>
+          <a:lstStyle/>
+          <a:p>
             <a:endParaRPr kumimoji="1" lang="ja-JP" altLang="en-US"/>
           </a:p>
         </p:txBody>
@@ -34264,7 +34651,7 @@
             <a:fld id="{6C25B416-2A59-467F-9B4B-B66C83B82743}" type="slidenum">
               <a:rPr kumimoji="1" lang="ja-JP" altLang="en-US" smtClean="0"/>
               <a:pPr/>
-              <a:t>31</a:t>
+              <a:t>32</a:t>
             </a:fld>
             <a:endParaRPr kumimoji="1" lang="ja-JP" altLang="en-US"/>
           </a:p>
